--- a/Document/中間発表.pptx
+++ b/Document/中間発表.pptx
@@ -9,6 +9,11 @@
     <p:sldId id="257" r:id="rId3"/>
     <p:sldId id="258" r:id="rId4"/>
     <p:sldId id="259" r:id="rId5"/>
+    <p:sldId id="262" r:id="rId6"/>
+    <p:sldId id="260" r:id="rId7"/>
+    <p:sldId id="261" r:id="rId8"/>
+    <p:sldId id="263" r:id="rId9"/>
+    <p:sldId id="264" r:id="rId10"/>
   </p:sldIdLst>
   <p:sldSz cx="12192000" cy="6858000"/>
   <p:notesSz cx="6858000" cy="9144000"/>
@@ -107,6 +112,11 @@
       </a:defRPr>
     </a:lvl9pPr>
   </p:defaultTextStyle>
+  <p:extLst>
+    <p:ext uri="{EFAFB233-063F-42B5-8137-9DF3F51BA10A}">
+      <p15:sldGuideLst xmlns:p15="http://schemas.microsoft.com/office/powerpoint/2012/main"/>
+    </p:ext>
+  </p:extLst>
 </p:presentation>
 </file>
 
@@ -7158,6 +7168,129 @@
           </a:xfrm>
         </p:spPr>
       </p:pic>
+      <p:sp>
+        <p:nvSpPr>
+          <p:cNvPr id="3" name="テキスト ボックス 2">
+            <a:extLst>
+              <a:ext uri="{FF2B5EF4-FFF2-40B4-BE49-F238E27FC236}">
+                <a16:creationId xmlns:a16="http://schemas.microsoft.com/office/drawing/2014/main" id="{D004BEC6-2961-6FFC-DEE5-8D581C560E3F}"/>
+              </a:ext>
+            </a:extLst>
+          </p:cNvPr>
+          <p:cNvSpPr txBox="1"/>
+          <p:nvPr/>
+        </p:nvSpPr>
+        <p:spPr>
+          <a:xfrm>
+            <a:off x="4330632" y="6185098"/>
+            <a:ext cx="2461524" cy="307777"/>
+          </a:xfrm>
+          <a:prstGeom prst="rect">
+            <a:avLst/>
+          </a:prstGeom>
+          <a:noFill/>
+        </p:spPr>
+        <p:txBody>
+          <a:bodyPr wrap="square" rtlCol="0">
+            <a:spAutoFit/>
+          </a:bodyPr>
+          <a:lstStyle/>
+          <a:p>
+            <a:r>
+              <a:rPr kumimoji="1" lang="ja-JP" altLang="en-US" sz="1400" dirty="0"/>
+              <a:t>日経</a:t>
+            </a:r>
+            <a:r>
+              <a:rPr kumimoji="1" lang="en-US" altLang="ja-JP" sz="1400" dirty="0"/>
+              <a:t>MJ</a:t>
+            </a:r>
+            <a:r>
+              <a:rPr kumimoji="1" lang="ja-JP" altLang="en-US" sz="1400" dirty="0"/>
+              <a:t> </a:t>
+            </a:r>
+            <a:r>
+              <a:rPr kumimoji="1" lang="en-US" altLang="ja-JP" sz="1400" dirty="0"/>
+              <a:t>2022</a:t>
+            </a:r>
+            <a:r>
+              <a:rPr kumimoji="1" lang="ja-JP" altLang="en-US" sz="1400" dirty="0"/>
+              <a:t>年</a:t>
+            </a:r>
+            <a:r>
+              <a:rPr kumimoji="1" lang="en-US" altLang="ja-JP" sz="1400" dirty="0"/>
+              <a:t>6</a:t>
+            </a:r>
+            <a:r>
+              <a:rPr kumimoji="1" lang="ja-JP" altLang="en-US" sz="1400" dirty="0"/>
+              <a:t>月</a:t>
+            </a:r>
+            <a:r>
+              <a:rPr lang="en-US" altLang="ja-JP" sz="1400" dirty="0"/>
+              <a:t>13</a:t>
+            </a:r>
+            <a:r>
+              <a:rPr kumimoji="1" lang="ja-JP" altLang="en-US" sz="1400" dirty="0"/>
+              <a:t>日 朝刊</a:t>
+            </a:r>
+          </a:p>
+        </p:txBody>
+      </p:sp>
+      <p:sp>
+        <p:nvSpPr>
+          <p:cNvPr id="4" name="テキスト ボックス 3">
+            <a:extLst>
+              <a:ext uri="{FF2B5EF4-FFF2-40B4-BE49-F238E27FC236}">
+                <a16:creationId xmlns:a16="http://schemas.microsoft.com/office/drawing/2014/main" id="{BD760E35-04F0-9392-CE94-7A9885C31631}"/>
+              </a:ext>
+            </a:extLst>
+          </p:cNvPr>
+          <p:cNvSpPr txBox="1"/>
+          <p:nvPr/>
+        </p:nvSpPr>
+        <p:spPr>
+          <a:xfrm>
+            <a:off x="7585166" y="2439625"/>
+            <a:ext cx="3405052" cy="1200329"/>
+          </a:xfrm>
+          <a:prstGeom prst="rect">
+            <a:avLst/>
+          </a:prstGeom>
+          <a:noFill/>
+        </p:spPr>
+        <p:txBody>
+          <a:bodyPr wrap="square" rtlCol="0">
+            <a:spAutoFit/>
+          </a:bodyPr>
+          <a:lstStyle/>
+          <a:p>
+            <a:r>
+              <a:rPr kumimoji="1" lang="ja-JP" altLang="en-US" dirty="0"/>
+              <a:t>複数人によるアカウント共有</a:t>
+            </a:r>
+            <a:endParaRPr kumimoji="1" lang="en-US" altLang="ja-JP" dirty="0"/>
+          </a:p>
+          <a:p>
+            <a:r>
+              <a:rPr kumimoji="1" lang="ja-JP" altLang="en-US" dirty="0"/>
+              <a:t>他社との競合</a:t>
+            </a:r>
+            <a:endParaRPr kumimoji="1" lang="en-US" altLang="ja-JP" dirty="0"/>
+          </a:p>
+          <a:p>
+            <a:r>
+              <a:rPr lang="ja-JP" altLang="en-US" dirty="0"/>
+              <a:t>ロシアでのサービス停止</a:t>
+            </a:r>
+            <a:endParaRPr lang="en-US" altLang="ja-JP" dirty="0"/>
+          </a:p>
+          <a:p>
+            <a:r>
+              <a:rPr kumimoji="1" lang="ja-JP" altLang="en-US" dirty="0"/>
+              <a:t>コロナブーストの低下</a:t>
+            </a:r>
+          </a:p>
+        </p:txBody>
+      </p:sp>
     </p:spTree>
     <p:extLst>
       <p:ext uri="{BB962C8B-B14F-4D97-AF65-F5344CB8AC3E}">
@@ -7211,15 +7344,144 @@
           <a:p>
             <a:r>
               <a:rPr kumimoji="1" lang="ja-JP" altLang="en-US" dirty="0"/>
-              <a:t>扱うデータ</a:t>
-            </a:r>
-            <a:r>
-              <a:rPr kumimoji="1" lang="en-US" altLang="ja-JP" dirty="0"/>
-              <a:t>:</a:t>
-            </a:r>
+              <a:t>最近の動向</a:t>
+            </a:r>
+          </a:p>
+        </p:txBody>
+      </p:sp>
+      <p:pic>
+        <p:nvPicPr>
+          <p:cNvPr id="5" name="コンテンツ プレースホルダー 4" descr="グラフ, 折れ線グラフ&#10;&#10;自動的に生成された説明">
+            <a:extLst>
+              <a:ext uri="{FF2B5EF4-FFF2-40B4-BE49-F238E27FC236}">
+                <a16:creationId xmlns:a16="http://schemas.microsoft.com/office/drawing/2014/main" id="{79ECB433-FF00-B752-9652-872F55E3930E}"/>
+              </a:ext>
+            </a:extLst>
+          </p:cNvPr>
+          <p:cNvPicPr>
+            <a:picLocks noGrp="1" noChangeAspect="1"/>
+          </p:cNvPicPr>
+          <p:nvPr>
+            <p:ph idx="1"/>
+          </p:nvPr>
+        </p:nvPicPr>
+        <p:blipFill>
+          <a:blip r:embed="rId2">
+            <a:extLst>
+              <a:ext uri="{28A0092B-C50C-407E-A947-70E740481C1C}">
+                <a14:useLocalDpi xmlns:a14="http://schemas.microsoft.com/office/drawing/2010/main" val="0"/>
+              </a:ext>
+            </a:extLst>
+          </a:blip>
+          <a:stretch>
+            <a:fillRect/>
+          </a:stretch>
+        </p:blipFill>
+        <p:spPr>
+          <a:xfrm>
+            <a:off x="966071" y="2215394"/>
+            <a:ext cx="10259857" cy="3362794"/>
+          </a:xfrm>
+        </p:spPr>
+      </p:pic>
+      <p:sp>
+        <p:nvSpPr>
+          <p:cNvPr id="6" name="テキスト ボックス 5">
+            <a:extLst>
+              <a:ext uri="{FF2B5EF4-FFF2-40B4-BE49-F238E27FC236}">
+                <a16:creationId xmlns:a16="http://schemas.microsoft.com/office/drawing/2014/main" id="{8757CE11-325D-3EE1-AD3C-1F2B2E1EB920}"/>
+              </a:ext>
+            </a:extLst>
+          </p:cNvPr>
+          <p:cNvSpPr txBox="1"/>
+          <p:nvPr/>
+        </p:nvSpPr>
+        <p:spPr>
+          <a:xfrm>
+            <a:off x="9131516" y="5969725"/>
+            <a:ext cx="2094412" cy="400110"/>
+          </a:xfrm>
+          <a:prstGeom prst="rect">
+            <a:avLst/>
+          </a:prstGeom>
+          <a:noFill/>
+        </p:spPr>
+        <p:txBody>
+          <a:bodyPr wrap="square" rtlCol="0">
+            <a:spAutoFit/>
+          </a:bodyPr>
+          <a:lstStyle/>
+          <a:p>
+            <a:r>
+              <a:rPr kumimoji="1" lang="en-US" altLang="ja-JP" sz="2000" dirty="0"/>
+              <a:t>Netflix</a:t>
+            </a:r>
+            <a:r>
+              <a:rPr kumimoji="1" lang="ja-JP" altLang="en-US" sz="2000" dirty="0"/>
+              <a:t> </a:t>
+            </a:r>
+            <a:r>
+              <a:rPr kumimoji="1" lang="en-US" altLang="ja-JP" sz="2000" dirty="0"/>
+              <a:t>Investors</a:t>
+            </a:r>
+            <a:endParaRPr kumimoji="1" lang="ja-JP" altLang="en-US" sz="2000" dirty="0"/>
+          </a:p>
+        </p:txBody>
+      </p:sp>
+    </p:spTree>
+    <p:extLst>
+      <p:ext uri="{BB962C8B-B14F-4D97-AF65-F5344CB8AC3E}">
+        <p14:creationId xmlns:p14="http://schemas.microsoft.com/office/powerpoint/2010/main" val="3421181939"/>
+      </p:ext>
+    </p:extLst>
+  </p:cSld>
+  <p:clrMapOvr>
+    <a:masterClrMapping/>
+  </p:clrMapOvr>
+</p:sld>
+</file>
+
+<file path=ppt/slides/slide5.xml><?xml version="1.0" encoding="utf-8"?>
+<p:sld xmlns:a="http://schemas.openxmlformats.org/drawingml/2006/main" xmlns:r="http://schemas.openxmlformats.org/officeDocument/2006/relationships" xmlns:p="http://schemas.openxmlformats.org/presentationml/2006/main">
+  <p:cSld>
+    <p:spTree>
+      <p:nvGrpSpPr>
+        <p:cNvPr id="1" name=""/>
+        <p:cNvGrpSpPr/>
+        <p:nvPr/>
+      </p:nvGrpSpPr>
+      <p:grpSpPr>
+        <a:xfrm>
+          <a:off x="0" y="0"/>
+          <a:ext cx="0" cy="0"/>
+          <a:chOff x="0" y="0"/>
+          <a:chExt cx="0" cy="0"/>
+        </a:xfrm>
+      </p:grpSpPr>
+      <p:sp>
+        <p:nvSpPr>
+          <p:cNvPr id="2" name="タイトル 1">
+            <a:extLst>
+              <a:ext uri="{FF2B5EF4-FFF2-40B4-BE49-F238E27FC236}">
+                <a16:creationId xmlns:a16="http://schemas.microsoft.com/office/drawing/2014/main" id="{52BBCDA0-9EE6-86F9-678A-8037E5CA8CEA}"/>
+              </a:ext>
+            </a:extLst>
+          </p:cNvPr>
+          <p:cNvSpPr>
+            <a:spLocks noGrp="1"/>
+          </p:cNvSpPr>
+          <p:nvPr>
+            <p:ph type="title"/>
+          </p:nvPr>
+        </p:nvSpPr>
+        <p:spPr/>
+        <p:txBody>
+          <a:bodyPr/>
+          <a:lstStyle/>
+          <a:p>
             <a:r>
               <a:rPr kumimoji="1" lang="ja-JP" altLang="en-US" dirty="0"/>
-              <a:t>株価</a:t>
+              <a:t>仮説</a:t>
             </a:r>
           </a:p>
         </p:txBody>
@@ -7229,7 +7491,7 @@
           <p:cNvPr id="3" name="コンテンツ プレースホルダー 2">
             <a:extLst>
               <a:ext uri="{FF2B5EF4-FFF2-40B4-BE49-F238E27FC236}">
-                <a16:creationId xmlns:a16="http://schemas.microsoft.com/office/drawing/2014/main" id="{9AF8BE20-4606-E965-63C5-912EC3D6301F}"/>
+                <a16:creationId xmlns:a16="http://schemas.microsoft.com/office/drawing/2014/main" id="{853287ED-085D-CC90-FD5F-CE85DC296F47}"/>
               </a:ext>
             </a:extLst>
           </p:cNvPr>
@@ -7245,6 +7507,25 @@
           <a:bodyPr/>
           <a:lstStyle/>
           <a:p>
+            <a:r>
+              <a:rPr kumimoji="1" lang="en-US" altLang="ja-JP" dirty="0"/>
+              <a:t>Netflix</a:t>
+            </a:r>
+            <a:r>
+              <a:rPr kumimoji="1" lang="ja-JP" altLang="en-US" dirty="0"/>
+              <a:t>の株価は作品の影響を受けているのではないだろうか</a:t>
+            </a:r>
+            <a:endParaRPr kumimoji="1" lang="en-US" altLang="ja-JP" dirty="0"/>
+          </a:p>
+          <a:p>
+            <a:r>
+              <a:rPr lang="en-US" altLang="ja-JP" dirty="0"/>
+              <a:t>Netflix</a:t>
+            </a:r>
+            <a:r>
+              <a:rPr lang="ja-JP" altLang="en-US" dirty="0"/>
+              <a:t>で人気のある作品には決まった特徴があるのではないか</a:t>
+            </a:r>
             <a:endParaRPr kumimoji="1" lang="ja-JP" altLang="en-US" dirty="0"/>
           </a:p>
         </p:txBody>
@@ -7252,7 +7533,662 @@
     </p:spTree>
     <p:extLst>
       <p:ext uri="{BB962C8B-B14F-4D97-AF65-F5344CB8AC3E}">
-        <p14:creationId xmlns:p14="http://schemas.microsoft.com/office/powerpoint/2010/main" val="3421181939"/>
+        <p14:creationId xmlns:p14="http://schemas.microsoft.com/office/powerpoint/2010/main" val="375092462"/>
+      </p:ext>
+    </p:extLst>
+  </p:cSld>
+  <p:clrMapOvr>
+    <a:masterClrMapping/>
+  </p:clrMapOvr>
+</p:sld>
+</file>
+
+<file path=ppt/slides/slide6.xml><?xml version="1.0" encoding="utf-8"?>
+<p:sld xmlns:a="http://schemas.openxmlformats.org/drawingml/2006/main" xmlns:r="http://schemas.openxmlformats.org/officeDocument/2006/relationships" xmlns:p="http://schemas.openxmlformats.org/presentationml/2006/main">
+  <p:cSld>
+    <p:spTree>
+      <p:nvGrpSpPr>
+        <p:cNvPr id="1" name=""/>
+        <p:cNvGrpSpPr/>
+        <p:nvPr/>
+      </p:nvGrpSpPr>
+      <p:grpSpPr>
+        <a:xfrm>
+          <a:off x="0" y="0"/>
+          <a:ext cx="0" cy="0"/>
+          <a:chOff x="0" y="0"/>
+          <a:chExt cx="0" cy="0"/>
+        </a:xfrm>
+      </p:grpSpPr>
+      <p:sp>
+        <p:nvSpPr>
+          <p:cNvPr id="2" name="タイトル 1">
+            <a:extLst>
+              <a:ext uri="{FF2B5EF4-FFF2-40B4-BE49-F238E27FC236}">
+                <a16:creationId xmlns:a16="http://schemas.microsoft.com/office/drawing/2014/main" id="{BE472B69-C2D2-F3D4-76F0-C25044D88CEB}"/>
+              </a:ext>
+            </a:extLst>
+          </p:cNvPr>
+          <p:cNvSpPr>
+            <a:spLocks noGrp="1"/>
+          </p:cNvSpPr>
+          <p:nvPr>
+            <p:ph type="title"/>
+          </p:nvPr>
+        </p:nvSpPr>
+        <p:spPr/>
+        <p:txBody>
+          <a:bodyPr/>
+          <a:lstStyle/>
+          <a:p>
+            <a:r>
+              <a:rPr kumimoji="1" lang="ja-JP" altLang="en-US" dirty="0"/>
+              <a:t>扱うデータ</a:t>
+            </a:r>
+            <a:r>
+              <a:rPr lang="ja-JP" altLang="en-US" dirty="0"/>
+              <a:t>：作品の視聴時間ランキング</a:t>
+            </a:r>
+            <a:endParaRPr kumimoji="1" lang="ja-JP" altLang="en-US" dirty="0"/>
+          </a:p>
+        </p:txBody>
+      </p:sp>
+      <p:pic>
+        <p:nvPicPr>
+          <p:cNvPr id="5" name="コンテンツ プレースホルダー 4" descr="壁に貼ってある数種類のポスター&#10;&#10;低い精度で自動的に生成された説明">
+            <a:extLst>
+              <a:ext uri="{FF2B5EF4-FFF2-40B4-BE49-F238E27FC236}">
+                <a16:creationId xmlns:a16="http://schemas.microsoft.com/office/drawing/2014/main" id="{D6D2BA88-DA82-6B1A-F67A-D6C11A1EABEF}"/>
+              </a:ext>
+            </a:extLst>
+          </p:cNvPr>
+          <p:cNvPicPr>
+            <a:picLocks noGrp="1" noChangeAspect="1"/>
+          </p:cNvPicPr>
+          <p:nvPr>
+            <p:ph idx="1"/>
+          </p:nvPr>
+        </p:nvPicPr>
+        <p:blipFill>
+          <a:blip r:embed="rId2">
+            <a:extLst>
+              <a:ext uri="{28A0092B-C50C-407E-A947-70E740481C1C}">
+                <a14:useLocalDpi xmlns:a14="http://schemas.microsoft.com/office/drawing/2010/main" val="0"/>
+              </a:ext>
+            </a:extLst>
+          </a:blip>
+          <a:stretch>
+            <a:fillRect/>
+          </a:stretch>
+        </p:blipFill>
+        <p:spPr>
+          <a:xfrm>
+            <a:off x="838200" y="1690688"/>
+            <a:ext cx="7735712" cy="4351338"/>
+          </a:xfrm>
+        </p:spPr>
+      </p:pic>
+      <p:sp>
+        <p:nvSpPr>
+          <p:cNvPr id="6" name="テキスト ボックス 5">
+            <a:extLst>
+              <a:ext uri="{FF2B5EF4-FFF2-40B4-BE49-F238E27FC236}">
+                <a16:creationId xmlns:a16="http://schemas.microsoft.com/office/drawing/2014/main" id="{A60D5C0F-E11F-F37F-FF26-3B9C3523A16D}"/>
+              </a:ext>
+            </a:extLst>
+          </p:cNvPr>
+          <p:cNvSpPr txBox="1"/>
+          <p:nvPr/>
+        </p:nvSpPr>
+        <p:spPr>
+          <a:xfrm>
+            <a:off x="7071359" y="6242260"/>
+            <a:ext cx="1741715" cy="369332"/>
+          </a:xfrm>
+          <a:prstGeom prst="rect">
+            <a:avLst/>
+          </a:prstGeom>
+          <a:noFill/>
+        </p:spPr>
+        <p:txBody>
+          <a:bodyPr wrap="square" rtlCol="0">
+            <a:spAutoFit/>
+          </a:bodyPr>
+          <a:lstStyle/>
+          <a:p>
+            <a:r>
+              <a:rPr kumimoji="1" lang="en-US" altLang="ja-JP" dirty="0"/>
+              <a:t>Netflix</a:t>
+            </a:r>
+            <a:r>
+              <a:rPr kumimoji="1" lang="ja-JP" altLang="en-US" dirty="0"/>
+              <a:t> </a:t>
+            </a:r>
+            <a:r>
+              <a:rPr kumimoji="1" lang="en-US" altLang="ja-JP" dirty="0"/>
+              <a:t>Top10</a:t>
+            </a:r>
+            <a:endParaRPr kumimoji="1" lang="ja-JP" altLang="en-US" dirty="0"/>
+          </a:p>
+        </p:txBody>
+      </p:sp>
+      <p:sp>
+        <p:nvSpPr>
+          <p:cNvPr id="7" name="テキスト ボックス 6">
+            <a:extLst>
+              <a:ext uri="{FF2B5EF4-FFF2-40B4-BE49-F238E27FC236}">
+                <a16:creationId xmlns:a16="http://schemas.microsoft.com/office/drawing/2014/main" id="{6D2D8BCE-2872-C975-EA8D-2D85CCB4B00A}"/>
+              </a:ext>
+            </a:extLst>
+          </p:cNvPr>
+          <p:cNvSpPr txBox="1"/>
+          <p:nvPr/>
+        </p:nvSpPr>
+        <p:spPr>
+          <a:xfrm>
+            <a:off x="9022081" y="1942011"/>
+            <a:ext cx="2490651" cy="923330"/>
+          </a:xfrm>
+          <a:prstGeom prst="rect">
+            <a:avLst/>
+          </a:prstGeom>
+          <a:noFill/>
+        </p:spPr>
+        <p:txBody>
+          <a:bodyPr wrap="square" rtlCol="0">
+            <a:spAutoFit/>
+          </a:bodyPr>
+          <a:lstStyle/>
+          <a:p>
+            <a:r>
+              <a:rPr lang="ja-JP" altLang="en-US" dirty="0"/>
+              <a:t>週間の総視聴時間</a:t>
+            </a:r>
+            <a:endParaRPr lang="en-US" altLang="ja-JP" dirty="0"/>
+          </a:p>
+          <a:p>
+            <a:r>
+              <a:rPr lang="ja-JP" altLang="en-US" dirty="0"/>
+              <a:t>何回連続で</a:t>
+            </a:r>
+            <a:r>
+              <a:rPr lang="en-US" altLang="ja-JP" dirty="0"/>
+              <a:t>Top10</a:t>
+            </a:r>
+          </a:p>
+          <a:p>
+            <a:r>
+              <a:rPr kumimoji="1" lang="ja-JP" altLang="en-US" dirty="0"/>
+              <a:t>作品の言語について</a:t>
+            </a:r>
+          </a:p>
+        </p:txBody>
+      </p:sp>
+    </p:spTree>
+    <p:extLst>
+      <p:ext uri="{BB962C8B-B14F-4D97-AF65-F5344CB8AC3E}">
+        <p14:creationId xmlns:p14="http://schemas.microsoft.com/office/powerpoint/2010/main" val="2529955815"/>
+      </p:ext>
+    </p:extLst>
+  </p:cSld>
+  <p:clrMapOvr>
+    <a:masterClrMapping/>
+  </p:clrMapOvr>
+</p:sld>
+</file>
+
+<file path=ppt/slides/slide7.xml><?xml version="1.0" encoding="utf-8"?>
+<p:sld xmlns:a="http://schemas.openxmlformats.org/drawingml/2006/main" xmlns:r="http://schemas.openxmlformats.org/officeDocument/2006/relationships" xmlns:p="http://schemas.openxmlformats.org/presentationml/2006/main">
+  <p:cSld>
+    <p:spTree>
+      <p:nvGrpSpPr>
+        <p:cNvPr id="1" name=""/>
+        <p:cNvGrpSpPr/>
+        <p:nvPr/>
+      </p:nvGrpSpPr>
+      <p:grpSpPr>
+        <a:xfrm>
+          <a:off x="0" y="0"/>
+          <a:ext cx="0" cy="0"/>
+          <a:chOff x="0" y="0"/>
+          <a:chExt cx="0" cy="0"/>
+        </a:xfrm>
+      </p:grpSpPr>
+      <p:sp>
+        <p:nvSpPr>
+          <p:cNvPr id="2" name="タイトル 1">
+            <a:extLst>
+              <a:ext uri="{FF2B5EF4-FFF2-40B4-BE49-F238E27FC236}">
+                <a16:creationId xmlns:a16="http://schemas.microsoft.com/office/drawing/2014/main" id="{67577892-1911-C24C-B5C4-B15FA3C6C432}"/>
+              </a:ext>
+            </a:extLst>
+          </p:cNvPr>
+          <p:cNvSpPr>
+            <a:spLocks noGrp="1"/>
+          </p:cNvSpPr>
+          <p:nvPr>
+            <p:ph type="title"/>
+          </p:nvPr>
+        </p:nvSpPr>
+        <p:spPr/>
+        <p:txBody>
+          <a:bodyPr/>
+          <a:lstStyle/>
+          <a:p>
+            <a:r>
+              <a:rPr kumimoji="1" lang="ja-JP" altLang="en-US" dirty="0"/>
+              <a:t>扱うデータ</a:t>
+            </a:r>
+            <a:r>
+              <a:rPr lang="ja-JP" altLang="en-US" dirty="0"/>
+              <a:t>：オリジナル作品のリスト</a:t>
+            </a:r>
+            <a:endParaRPr kumimoji="1" lang="ja-JP" altLang="en-US" dirty="0"/>
+          </a:p>
+        </p:txBody>
+      </p:sp>
+      <p:pic>
+        <p:nvPicPr>
+          <p:cNvPr id="5" name="コンテンツ プレースホルダー 4">
+            <a:extLst>
+              <a:ext uri="{FF2B5EF4-FFF2-40B4-BE49-F238E27FC236}">
+                <a16:creationId xmlns:a16="http://schemas.microsoft.com/office/drawing/2014/main" id="{E3E8613B-57FB-9C38-679F-04B0160A3175}"/>
+              </a:ext>
+            </a:extLst>
+          </p:cNvPr>
+          <p:cNvPicPr>
+            <a:picLocks noGrp="1" noChangeAspect="1"/>
+          </p:cNvPicPr>
+          <p:nvPr>
+            <p:ph idx="1"/>
+          </p:nvPr>
+        </p:nvPicPr>
+        <p:blipFill>
+          <a:blip r:embed="rId2"/>
+          <a:stretch>
+            <a:fillRect/>
+          </a:stretch>
+        </p:blipFill>
+        <p:spPr>
+          <a:xfrm>
+            <a:off x="838200" y="1608750"/>
+            <a:ext cx="7145547" cy="2588782"/>
+          </a:xfrm>
+        </p:spPr>
+      </p:pic>
+      <p:sp>
+        <p:nvSpPr>
+          <p:cNvPr id="6" name="テキスト ボックス 5">
+            <a:extLst>
+              <a:ext uri="{FF2B5EF4-FFF2-40B4-BE49-F238E27FC236}">
+                <a16:creationId xmlns:a16="http://schemas.microsoft.com/office/drawing/2014/main" id="{3D6CD115-78DA-0632-8B35-AE0BC9B2CC9E}"/>
+              </a:ext>
+            </a:extLst>
+          </p:cNvPr>
+          <p:cNvSpPr txBox="1"/>
+          <p:nvPr/>
+        </p:nvSpPr>
+        <p:spPr>
+          <a:xfrm>
+            <a:off x="4093029" y="4720046"/>
+            <a:ext cx="4145280" cy="307777"/>
+          </a:xfrm>
+          <a:prstGeom prst="rect">
+            <a:avLst/>
+          </a:prstGeom>
+          <a:noFill/>
+        </p:spPr>
+        <p:txBody>
+          <a:bodyPr wrap="square" rtlCol="0">
+            <a:spAutoFit/>
+          </a:bodyPr>
+          <a:lstStyle/>
+          <a:p>
+            <a:r>
+              <a:rPr kumimoji="1" lang="en-US" altLang="ja-JP" sz="1400" dirty="0"/>
+              <a:t>Wikipedia</a:t>
+            </a:r>
+            <a:r>
+              <a:rPr kumimoji="1" lang="ja-JP" altLang="en-US" sz="1400" dirty="0"/>
+              <a:t> </a:t>
+            </a:r>
+            <a:r>
+              <a:rPr lang="en-US" altLang="ja-JP" sz="1400" dirty="0"/>
+              <a:t>[</a:t>
+            </a:r>
+            <a:r>
+              <a:rPr kumimoji="1" lang="en-US" altLang="ja-JP" sz="1400" dirty="0"/>
+              <a:t>List</a:t>
+            </a:r>
+            <a:r>
+              <a:rPr kumimoji="1" lang="ja-JP" altLang="en-US" sz="1400" dirty="0"/>
+              <a:t> </a:t>
+            </a:r>
+            <a:r>
+              <a:rPr kumimoji="1" lang="en-US" altLang="ja-JP" sz="1400" dirty="0"/>
+              <a:t>of Netflix Original programming]</a:t>
+            </a:r>
+            <a:endParaRPr kumimoji="1" lang="ja-JP" altLang="en-US" sz="1400" dirty="0"/>
+          </a:p>
+        </p:txBody>
+      </p:sp>
+      <p:sp>
+        <p:nvSpPr>
+          <p:cNvPr id="7" name="テキスト ボックス 6">
+            <a:extLst>
+              <a:ext uri="{FF2B5EF4-FFF2-40B4-BE49-F238E27FC236}">
+                <a16:creationId xmlns:a16="http://schemas.microsoft.com/office/drawing/2014/main" id="{A6CA2459-57A2-0015-0C2C-F4261194AE27}"/>
+              </a:ext>
+            </a:extLst>
+          </p:cNvPr>
+          <p:cNvSpPr txBox="1"/>
+          <p:nvPr/>
+        </p:nvSpPr>
+        <p:spPr>
+          <a:xfrm>
+            <a:off x="9279908" y="2413585"/>
+            <a:ext cx="2337326" cy="923330"/>
+          </a:xfrm>
+          <a:prstGeom prst="rect">
+            <a:avLst/>
+          </a:prstGeom>
+          <a:noFill/>
+        </p:spPr>
+        <p:txBody>
+          <a:bodyPr wrap="square" rtlCol="0">
+            <a:spAutoFit/>
+          </a:bodyPr>
+          <a:lstStyle/>
+          <a:p>
+            <a:r>
+              <a:rPr lang="ja-JP" altLang="en-US" dirty="0"/>
+              <a:t>タイトル</a:t>
+            </a:r>
+            <a:endParaRPr lang="en-US" altLang="ja-JP" dirty="0"/>
+          </a:p>
+          <a:p>
+            <a:r>
+              <a:rPr lang="ja-JP" altLang="en-US" dirty="0"/>
+              <a:t>作品のジャンル</a:t>
+            </a:r>
+            <a:endParaRPr lang="en-US" altLang="ja-JP" dirty="0"/>
+          </a:p>
+          <a:p>
+            <a:r>
+              <a:rPr kumimoji="1" lang="ja-JP" altLang="en-US" dirty="0"/>
+              <a:t>開始時期</a:t>
+            </a:r>
+            <a:endParaRPr kumimoji="1" lang="en-US" altLang="ja-JP" dirty="0"/>
+          </a:p>
+        </p:txBody>
+      </p:sp>
+    </p:spTree>
+    <p:extLst>
+      <p:ext uri="{BB962C8B-B14F-4D97-AF65-F5344CB8AC3E}">
+        <p14:creationId xmlns:p14="http://schemas.microsoft.com/office/powerpoint/2010/main" val="2994697047"/>
+      </p:ext>
+    </p:extLst>
+  </p:cSld>
+  <p:clrMapOvr>
+    <a:masterClrMapping/>
+  </p:clrMapOvr>
+</p:sld>
+</file>
+
+<file path=ppt/slides/slide8.xml><?xml version="1.0" encoding="utf-8"?>
+<p:sld xmlns:a="http://schemas.openxmlformats.org/drawingml/2006/main" xmlns:r="http://schemas.openxmlformats.org/officeDocument/2006/relationships" xmlns:p="http://schemas.openxmlformats.org/presentationml/2006/main">
+  <p:cSld>
+    <p:spTree>
+      <p:nvGrpSpPr>
+        <p:cNvPr id="1" name=""/>
+        <p:cNvGrpSpPr/>
+        <p:nvPr/>
+      </p:nvGrpSpPr>
+      <p:grpSpPr>
+        <a:xfrm>
+          <a:off x="0" y="0"/>
+          <a:ext cx="0" cy="0"/>
+          <a:chOff x="0" y="0"/>
+          <a:chExt cx="0" cy="0"/>
+        </a:xfrm>
+      </p:grpSpPr>
+      <p:sp>
+        <p:nvSpPr>
+          <p:cNvPr id="2" name="タイトル 1">
+            <a:extLst>
+              <a:ext uri="{FF2B5EF4-FFF2-40B4-BE49-F238E27FC236}">
+                <a16:creationId xmlns:a16="http://schemas.microsoft.com/office/drawing/2014/main" id="{939EBE04-E925-A322-F99C-D82752EDE0CC}"/>
+              </a:ext>
+            </a:extLst>
+          </p:cNvPr>
+          <p:cNvSpPr>
+            <a:spLocks noGrp="1"/>
+          </p:cNvSpPr>
+          <p:nvPr>
+            <p:ph type="title"/>
+          </p:nvPr>
+        </p:nvSpPr>
+        <p:spPr/>
+        <p:txBody>
+          <a:bodyPr/>
+          <a:lstStyle/>
+          <a:p>
+            <a:r>
+              <a:rPr kumimoji="1" lang="ja-JP" altLang="en-US" dirty="0"/>
+              <a:t>株価についての線形回帰モデル</a:t>
+            </a:r>
+          </a:p>
+        </p:txBody>
+      </p:sp>
+      <p:sp>
+        <p:nvSpPr>
+          <p:cNvPr id="3" name="コンテンツ プレースホルダー 2">
+            <a:extLst>
+              <a:ext uri="{FF2B5EF4-FFF2-40B4-BE49-F238E27FC236}">
+                <a16:creationId xmlns:a16="http://schemas.microsoft.com/office/drawing/2014/main" id="{132EF985-7E13-5C25-C7F0-07AEE50BF8EE}"/>
+              </a:ext>
+            </a:extLst>
+          </p:cNvPr>
+          <p:cNvSpPr>
+            <a:spLocks noGrp="1"/>
+          </p:cNvSpPr>
+          <p:nvPr>
+            <p:ph idx="1"/>
+          </p:nvPr>
+        </p:nvSpPr>
+        <p:spPr/>
+        <p:txBody>
+          <a:bodyPr/>
+          <a:lstStyle/>
+          <a:p>
+            <a:r>
+              <a:rPr kumimoji="1" lang="ja-JP" altLang="en-US" dirty="0"/>
+              <a:t>被説明変数</a:t>
+            </a:r>
+            <a:r>
+              <a:rPr kumimoji="1" lang="en-US" altLang="ja-JP" dirty="0"/>
+              <a:t>:Netflix</a:t>
+            </a:r>
+            <a:r>
+              <a:rPr kumimoji="1" lang="ja-JP" altLang="en-US" dirty="0"/>
+              <a:t>株価</a:t>
+            </a:r>
+            <a:r>
+              <a:rPr kumimoji="1" lang="en-US" altLang="ja-JP" dirty="0"/>
+              <a:t>(</a:t>
+            </a:r>
+            <a:r>
+              <a:rPr kumimoji="1" lang="ja-JP" altLang="en-US" dirty="0"/>
+              <a:t>週間平均</a:t>
+            </a:r>
+            <a:r>
+              <a:rPr kumimoji="1" lang="en-US" altLang="ja-JP" dirty="0"/>
+              <a:t>)</a:t>
+            </a:r>
+          </a:p>
+          <a:p>
+            <a:r>
+              <a:rPr lang="ja-JP" altLang="en-US" dirty="0"/>
+              <a:t>説明変数</a:t>
+            </a:r>
+            <a:endParaRPr lang="en-US" altLang="ja-JP" dirty="0"/>
+          </a:p>
+          <a:p>
+            <a:pPr lvl="1"/>
+            <a:r>
+              <a:rPr lang="ja-JP" altLang="en-US" dirty="0"/>
+              <a:t>人気作品の視聴時間</a:t>
+            </a:r>
+            <a:endParaRPr lang="en-US" altLang="ja-JP" dirty="0"/>
+          </a:p>
+          <a:p>
+            <a:pPr lvl="1"/>
+            <a:r>
+              <a:rPr lang="ja-JP" altLang="en-US" dirty="0"/>
+              <a:t>人気作品に含まれるオリジナルシリーズの数</a:t>
+            </a:r>
+            <a:endParaRPr lang="en-US" altLang="ja-JP" dirty="0"/>
+          </a:p>
+          <a:p>
+            <a:pPr lvl="1"/>
+            <a:endParaRPr kumimoji="1" lang="ja-JP" altLang="en-US" dirty="0"/>
+          </a:p>
+        </p:txBody>
+      </p:sp>
+    </p:spTree>
+    <p:extLst>
+      <p:ext uri="{BB962C8B-B14F-4D97-AF65-F5344CB8AC3E}">
+        <p14:creationId xmlns:p14="http://schemas.microsoft.com/office/powerpoint/2010/main" val="1395896279"/>
+      </p:ext>
+    </p:extLst>
+  </p:cSld>
+  <p:clrMapOvr>
+    <a:masterClrMapping/>
+  </p:clrMapOvr>
+</p:sld>
+</file>
+
+<file path=ppt/slides/slide9.xml><?xml version="1.0" encoding="utf-8"?>
+<p:sld xmlns:a="http://schemas.openxmlformats.org/drawingml/2006/main" xmlns:r="http://schemas.openxmlformats.org/officeDocument/2006/relationships" xmlns:p="http://schemas.openxmlformats.org/presentationml/2006/main">
+  <p:cSld>
+    <p:spTree>
+      <p:nvGrpSpPr>
+        <p:cNvPr id="1" name=""/>
+        <p:cNvGrpSpPr/>
+        <p:nvPr/>
+      </p:nvGrpSpPr>
+      <p:grpSpPr>
+        <a:xfrm>
+          <a:off x="0" y="0"/>
+          <a:ext cx="0" cy="0"/>
+          <a:chOff x="0" y="0"/>
+          <a:chExt cx="0" cy="0"/>
+        </a:xfrm>
+      </p:grpSpPr>
+      <p:sp>
+        <p:nvSpPr>
+          <p:cNvPr id="2" name="タイトル 1">
+            <a:extLst>
+              <a:ext uri="{FF2B5EF4-FFF2-40B4-BE49-F238E27FC236}">
+                <a16:creationId xmlns:a16="http://schemas.microsoft.com/office/drawing/2014/main" id="{3088B100-CD9F-85FB-A7D4-F057FBD4641C}"/>
+              </a:ext>
+            </a:extLst>
+          </p:cNvPr>
+          <p:cNvSpPr>
+            <a:spLocks noGrp="1"/>
+          </p:cNvSpPr>
+          <p:nvPr>
+            <p:ph type="title"/>
+          </p:nvPr>
+        </p:nvSpPr>
+        <p:spPr/>
+        <p:txBody>
+          <a:bodyPr/>
+          <a:lstStyle/>
+          <a:p>
+            <a:r>
+              <a:rPr kumimoji="1" lang="ja-JP" altLang="en-US" dirty="0"/>
+              <a:t>人気作品についての回帰モデル</a:t>
+            </a:r>
+          </a:p>
+        </p:txBody>
+      </p:sp>
+      <p:sp>
+        <p:nvSpPr>
+          <p:cNvPr id="3" name="コンテンツ プレースホルダー 2">
+            <a:extLst>
+              <a:ext uri="{FF2B5EF4-FFF2-40B4-BE49-F238E27FC236}">
+                <a16:creationId xmlns:a16="http://schemas.microsoft.com/office/drawing/2014/main" id="{B48F3EB2-C017-1DF2-A568-022D1D4F2835}"/>
+              </a:ext>
+            </a:extLst>
+          </p:cNvPr>
+          <p:cNvSpPr>
+            <a:spLocks noGrp="1"/>
+          </p:cNvSpPr>
+          <p:nvPr>
+            <p:ph idx="1"/>
+          </p:nvPr>
+        </p:nvSpPr>
+        <p:spPr/>
+        <p:txBody>
+          <a:bodyPr/>
+          <a:lstStyle/>
+          <a:p>
+            <a:r>
+              <a:rPr kumimoji="1" lang="ja-JP" altLang="en-US" dirty="0"/>
+              <a:t>被説明変数：作品の連続</a:t>
+            </a:r>
+            <a:r>
+              <a:rPr kumimoji="1" lang="en-US" altLang="ja-JP" dirty="0"/>
+              <a:t>Top10</a:t>
+            </a:r>
+            <a:r>
+              <a:rPr kumimoji="1" lang="ja-JP" altLang="en-US" dirty="0"/>
+              <a:t>入りの回数</a:t>
+            </a:r>
+            <a:endParaRPr kumimoji="1" lang="en-US" altLang="ja-JP" dirty="0"/>
+          </a:p>
+          <a:p>
+            <a:r>
+              <a:rPr lang="ja-JP" altLang="en-US" dirty="0"/>
+              <a:t>説明変数</a:t>
+            </a:r>
+            <a:endParaRPr lang="en-US" altLang="ja-JP" dirty="0"/>
+          </a:p>
+          <a:p>
+            <a:pPr lvl="1"/>
+            <a:r>
+              <a:rPr kumimoji="1" lang="ja-JP" altLang="en-US" dirty="0"/>
+              <a:t>オリジナル作品かどうかのダミー変数</a:t>
+            </a:r>
+            <a:endParaRPr kumimoji="1" lang="en-US" altLang="ja-JP" dirty="0"/>
+          </a:p>
+          <a:p>
+            <a:pPr lvl="1"/>
+            <a:r>
+              <a:rPr lang="ja-JP" altLang="en-US" dirty="0"/>
+              <a:t>アカデミー賞作品かどうかのダミー変数</a:t>
+            </a:r>
+            <a:endParaRPr lang="en-US" altLang="ja-JP" dirty="0"/>
+          </a:p>
+          <a:p>
+            <a:pPr lvl="1"/>
+            <a:r>
+              <a:rPr kumimoji="1" lang="ja-JP" altLang="en-US" dirty="0"/>
+              <a:t>公開から</a:t>
+            </a:r>
+            <a:r>
+              <a:rPr kumimoji="1" lang="ja-JP" altLang="en-US"/>
+              <a:t>の日数</a:t>
+            </a:r>
+            <a:endParaRPr kumimoji="1" lang="en-US" altLang="ja-JP"/>
+          </a:p>
+        </p:txBody>
+      </p:sp>
+    </p:spTree>
+    <p:extLst>
+      <p:ext uri="{BB962C8B-B14F-4D97-AF65-F5344CB8AC3E}">
+        <p14:creationId xmlns:p14="http://schemas.microsoft.com/office/powerpoint/2010/main" val="3722946690"/>
       </p:ext>
     </p:extLst>
   </p:cSld>

--- a/Document/中間発表.pptx
+++ b/Document/中間発表.pptx
@@ -14,6 +14,7 @@
     <p:sldId id="261" r:id="rId8"/>
     <p:sldId id="263" r:id="rId9"/>
     <p:sldId id="264" r:id="rId10"/>
+    <p:sldId id="265" r:id="rId11"/>
   </p:sldIdLst>
   <p:sldSz cx="12192000" cy="6858000"/>
   <p:notesSz cx="6858000" cy="9144000"/>
@@ -867,6 +868,1508 @@
 </dgm:colorsDef>
 </file>
 
+<file path=ppt/diagrams/colors2.xml><?xml version="1.0" encoding="utf-8"?>
+<dgm:colorsDef xmlns:dgm="http://schemas.openxmlformats.org/drawingml/2006/diagram" xmlns:a="http://schemas.openxmlformats.org/drawingml/2006/main" uniqueId="urn:microsoft.com/office/officeart/2005/8/colors/accent0_3">
+  <dgm:title val=""/>
+  <dgm:desc val=""/>
+  <dgm:catLst>
+    <dgm:cat type="mainScheme" pri="10300"/>
+  </dgm:catLst>
+  <dgm:styleLbl name="node0">
+    <dgm:fillClrLst meth="repeat">
+      <a:schemeClr val="dk2"/>
+    </dgm:fillClrLst>
+    <dgm:linClrLst meth="repeat">
+      <a:schemeClr val="lt2"/>
+    </dgm:linClrLst>
+    <dgm:effectClrLst/>
+    <dgm:txLinClrLst/>
+    <dgm:txFillClrLst/>
+    <dgm:txEffectClrLst/>
+  </dgm:styleLbl>
+  <dgm:styleLbl name="alignNode1">
+    <dgm:fillClrLst meth="repeat">
+      <a:schemeClr val="dk2"/>
+    </dgm:fillClrLst>
+    <dgm:linClrLst meth="repeat">
+      <a:schemeClr val="dk2"/>
+    </dgm:linClrLst>
+    <dgm:effectClrLst/>
+    <dgm:txLinClrLst/>
+    <dgm:txFillClrLst/>
+    <dgm:txEffectClrLst/>
+  </dgm:styleLbl>
+  <dgm:styleLbl name="node1">
+    <dgm:fillClrLst meth="repeat">
+      <a:schemeClr val="dk2"/>
+    </dgm:fillClrLst>
+    <dgm:linClrLst meth="repeat">
+      <a:schemeClr val="lt2"/>
+    </dgm:linClrLst>
+    <dgm:effectClrLst/>
+    <dgm:txLinClrLst/>
+    <dgm:txFillClrLst/>
+    <dgm:txEffectClrLst/>
+  </dgm:styleLbl>
+  <dgm:styleLbl name="lnNode1">
+    <dgm:fillClrLst meth="repeat">
+      <a:schemeClr val="dk2"/>
+    </dgm:fillClrLst>
+    <dgm:linClrLst meth="repeat">
+      <a:schemeClr val="lt2"/>
+    </dgm:linClrLst>
+    <dgm:effectClrLst/>
+    <dgm:txLinClrLst/>
+    <dgm:txFillClrLst/>
+    <dgm:txEffectClrLst/>
+  </dgm:styleLbl>
+  <dgm:styleLbl name="vennNode1">
+    <dgm:fillClrLst meth="repeat">
+      <a:schemeClr val="dk2">
+        <a:alpha val="50000"/>
+      </a:schemeClr>
+    </dgm:fillClrLst>
+    <dgm:linClrLst meth="repeat">
+      <a:schemeClr val="lt2"/>
+    </dgm:linClrLst>
+    <dgm:effectClrLst/>
+    <dgm:txLinClrLst/>
+    <dgm:txFillClrLst/>
+    <dgm:txEffectClrLst/>
+  </dgm:styleLbl>
+  <dgm:styleLbl name="node2">
+    <dgm:fillClrLst meth="repeat">
+      <a:schemeClr val="dk2"/>
+    </dgm:fillClrLst>
+    <dgm:linClrLst meth="repeat">
+      <a:schemeClr val="lt2"/>
+    </dgm:linClrLst>
+    <dgm:effectClrLst/>
+    <dgm:txLinClrLst/>
+    <dgm:txFillClrLst/>
+    <dgm:txEffectClrLst/>
+  </dgm:styleLbl>
+  <dgm:styleLbl name="node3">
+    <dgm:fillClrLst meth="repeat">
+      <a:schemeClr val="dk2"/>
+    </dgm:fillClrLst>
+    <dgm:linClrLst meth="repeat">
+      <a:schemeClr val="lt2"/>
+    </dgm:linClrLst>
+    <dgm:effectClrLst/>
+    <dgm:txLinClrLst/>
+    <dgm:txFillClrLst/>
+    <dgm:txEffectClrLst/>
+  </dgm:styleLbl>
+  <dgm:styleLbl name="node4">
+    <dgm:fillClrLst meth="repeat">
+      <a:schemeClr val="dk2"/>
+    </dgm:fillClrLst>
+    <dgm:linClrLst meth="repeat">
+      <a:schemeClr val="lt2"/>
+    </dgm:linClrLst>
+    <dgm:effectClrLst/>
+    <dgm:txLinClrLst/>
+    <dgm:txFillClrLst/>
+    <dgm:txEffectClrLst/>
+  </dgm:styleLbl>
+  <dgm:styleLbl name="fgImgPlace1">
+    <dgm:fillClrLst meth="repeat">
+      <a:schemeClr val="dk2">
+        <a:tint val="50000"/>
+      </a:schemeClr>
+    </dgm:fillClrLst>
+    <dgm:linClrLst meth="repeat">
+      <a:schemeClr val="lt2"/>
+    </dgm:linClrLst>
+    <dgm:effectClrLst/>
+    <dgm:txLinClrLst/>
+    <dgm:txFillClrLst meth="repeat">
+      <a:schemeClr val="lt2"/>
+    </dgm:txFillClrLst>
+    <dgm:txEffectClrLst/>
+  </dgm:styleLbl>
+  <dgm:styleLbl name="alignImgPlace1">
+    <dgm:fillClrLst meth="repeat">
+      <a:schemeClr val="dk2">
+        <a:tint val="50000"/>
+      </a:schemeClr>
+    </dgm:fillClrLst>
+    <dgm:linClrLst meth="repeat">
+      <a:schemeClr val="dk2">
+        <a:shade val="80000"/>
+      </a:schemeClr>
+    </dgm:linClrLst>
+    <dgm:effectClrLst/>
+    <dgm:txLinClrLst/>
+    <dgm:txFillClrLst meth="repeat">
+      <a:schemeClr val="lt2"/>
+    </dgm:txFillClrLst>
+    <dgm:txEffectClrLst/>
+  </dgm:styleLbl>
+  <dgm:styleLbl name="bgImgPlace1">
+    <dgm:fillClrLst meth="repeat">
+      <a:schemeClr val="dk2">
+        <a:tint val="50000"/>
+      </a:schemeClr>
+    </dgm:fillClrLst>
+    <dgm:linClrLst meth="repeat">
+      <a:schemeClr val="dk2">
+        <a:shade val="80000"/>
+      </a:schemeClr>
+    </dgm:linClrLst>
+    <dgm:effectClrLst/>
+    <dgm:txLinClrLst/>
+    <dgm:txFillClrLst meth="repeat">
+      <a:schemeClr val="lt2"/>
+    </dgm:txFillClrLst>
+    <dgm:txEffectClrLst/>
+  </dgm:styleLbl>
+  <dgm:styleLbl name="sibTrans2D1">
+    <dgm:fillClrLst meth="repeat">
+      <a:schemeClr val="dk2">
+        <a:tint val="60000"/>
+      </a:schemeClr>
+    </dgm:fillClrLst>
+    <dgm:linClrLst meth="repeat">
+      <a:schemeClr val="dk2">
+        <a:tint val="60000"/>
+      </a:schemeClr>
+    </dgm:linClrLst>
+    <dgm:effectClrLst/>
+    <dgm:txLinClrLst/>
+    <dgm:txFillClrLst/>
+    <dgm:txEffectClrLst/>
+  </dgm:styleLbl>
+  <dgm:styleLbl name="fgSibTrans2D1">
+    <dgm:fillClrLst meth="repeat">
+      <a:schemeClr val="dk2">
+        <a:tint val="60000"/>
+      </a:schemeClr>
+    </dgm:fillClrLst>
+    <dgm:linClrLst meth="repeat">
+      <a:schemeClr val="dk2">
+        <a:tint val="60000"/>
+      </a:schemeClr>
+    </dgm:linClrLst>
+    <dgm:effectClrLst/>
+    <dgm:txLinClrLst/>
+    <dgm:txFillClrLst/>
+    <dgm:txEffectClrLst/>
+  </dgm:styleLbl>
+  <dgm:styleLbl name="bgSibTrans2D1">
+    <dgm:fillClrLst meth="repeat">
+      <a:schemeClr val="dk2">
+        <a:tint val="60000"/>
+      </a:schemeClr>
+    </dgm:fillClrLst>
+    <dgm:linClrLst meth="repeat">
+      <a:schemeClr val="dk2">
+        <a:tint val="60000"/>
+      </a:schemeClr>
+    </dgm:linClrLst>
+    <dgm:effectClrLst/>
+    <dgm:txLinClrLst/>
+    <dgm:txFillClrLst/>
+    <dgm:txEffectClrLst/>
+  </dgm:styleLbl>
+  <dgm:styleLbl name="sibTrans1D1">
+    <dgm:fillClrLst meth="repeat">
+      <a:schemeClr val="dk2"/>
+    </dgm:fillClrLst>
+    <dgm:linClrLst meth="repeat">
+      <a:schemeClr val="dk2"/>
+    </dgm:linClrLst>
+    <dgm:effectClrLst/>
+    <dgm:txLinClrLst/>
+    <dgm:txFillClrLst meth="repeat">
+      <a:schemeClr val="lt2"/>
+    </dgm:txFillClrLst>
+    <dgm:txEffectClrLst/>
+  </dgm:styleLbl>
+  <dgm:styleLbl name="callout">
+    <dgm:fillClrLst meth="repeat">
+      <a:schemeClr val="dk2"/>
+    </dgm:fillClrLst>
+    <dgm:linClrLst meth="repeat">
+      <a:schemeClr val="dk2">
+        <a:tint val="50000"/>
+      </a:schemeClr>
+    </dgm:linClrLst>
+    <dgm:effectClrLst/>
+    <dgm:txLinClrLst/>
+    <dgm:txFillClrLst meth="repeat">
+      <a:schemeClr val="lt2"/>
+    </dgm:txFillClrLst>
+    <dgm:txEffectClrLst/>
+  </dgm:styleLbl>
+  <dgm:styleLbl name="asst0">
+    <dgm:fillClrLst meth="repeat">
+      <a:schemeClr val="dk2"/>
+    </dgm:fillClrLst>
+    <dgm:linClrLst meth="repeat">
+      <a:schemeClr val="lt2"/>
+    </dgm:linClrLst>
+    <dgm:effectClrLst/>
+    <dgm:txLinClrLst/>
+    <dgm:txFillClrLst/>
+    <dgm:txEffectClrLst/>
+  </dgm:styleLbl>
+  <dgm:styleLbl name="asst1">
+    <dgm:fillClrLst meth="repeat">
+      <a:schemeClr val="dk2"/>
+    </dgm:fillClrLst>
+    <dgm:linClrLst meth="repeat">
+      <a:schemeClr val="lt2"/>
+    </dgm:linClrLst>
+    <dgm:effectClrLst/>
+    <dgm:txLinClrLst/>
+    <dgm:txFillClrLst/>
+    <dgm:txEffectClrLst/>
+  </dgm:styleLbl>
+  <dgm:styleLbl name="asst2">
+    <dgm:fillClrLst meth="repeat">
+      <a:schemeClr val="dk2"/>
+    </dgm:fillClrLst>
+    <dgm:linClrLst meth="repeat">
+      <a:schemeClr val="lt2"/>
+    </dgm:linClrLst>
+    <dgm:effectClrLst/>
+    <dgm:txLinClrLst/>
+    <dgm:txFillClrLst/>
+    <dgm:txEffectClrLst/>
+  </dgm:styleLbl>
+  <dgm:styleLbl name="asst3">
+    <dgm:fillClrLst meth="repeat">
+      <a:schemeClr val="dk2"/>
+    </dgm:fillClrLst>
+    <dgm:linClrLst meth="repeat">
+      <a:schemeClr val="lt2"/>
+    </dgm:linClrLst>
+    <dgm:effectClrLst/>
+    <dgm:txLinClrLst/>
+    <dgm:txFillClrLst/>
+    <dgm:txEffectClrLst/>
+  </dgm:styleLbl>
+  <dgm:styleLbl name="asst4">
+    <dgm:fillClrLst meth="repeat">
+      <a:schemeClr val="dk2"/>
+    </dgm:fillClrLst>
+    <dgm:linClrLst meth="repeat">
+      <a:schemeClr val="lt2"/>
+    </dgm:linClrLst>
+    <dgm:effectClrLst/>
+    <dgm:txLinClrLst/>
+    <dgm:txFillClrLst/>
+    <dgm:txEffectClrLst/>
+  </dgm:styleLbl>
+  <dgm:styleLbl name="parChTrans2D1">
+    <dgm:fillClrLst meth="repeat">
+      <a:schemeClr val="dk2">
+        <a:tint val="60000"/>
+      </a:schemeClr>
+    </dgm:fillClrLst>
+    <dgm:linClrLst meth="repeat">
+      <a:schemeClr val="dk2">
+        <a:tint val="60000"/>
+      </a:schemeClr>
+    </dgm:linClrLst>
+    <dgm:effectClrLst/>
+    <dgm:txLinClrLst/>
+    <dgm:txFillClrLst meth="repeat">
+      <a:schemeClr val="lt2"/>
+    </dgm:txFillClrLst>
+    <dgm:txEffectClrLst/>
+  </dgm:styleLbl>
+  <dgm:styleLbl name="parChTrans2D2">
+    <dgm:fillClrLst meth="repeat">
+      <a:schemeClr val="dk2"/>
+    </dgm:fillClrLst>
+    <dgm:linClrLst meth="repeat">
+      <a:schemeClr val="dk2"/>
+    </dgm:linClrLst>
+    <dgm:effectClrLst/>
+    <dgm:txLinClrLst/>
+    <dgm:txFillClrLst meth="repeat">
+      <a:schemeClr val="lt2"/>
+    </dgm:txFillClrLst>
+    <dgm:txEffectClrLst/>
+  </dgm:styleLbl>
+  <dgm:styleLbl name="parChTrans2D3">
+    <dgm:fillClrLst meth="repeat">
+      <a:schemeClr val="dk2"/>
+    </dgm:fillClrLst>
+    <dgm:linClrLst meth="repeat">
+      <a:schemeClr val="dk2"/>
+    </dgm:linClrLst>
+    <dgm:effectClrLst/>
+    <dgm:txLinClrLst/>
+    <dgm:txFillClrLst meth="repeat">
+      <a:schemeClr val="lt2"/>
+    </dgm:txFillClrLst>
+    <dgm:txEffectClrLst/>
+  </dgm:styleLbl>
+  <dgm:styleLbl name="parChTrans2D4">
+    <dgm:fillClrLst meth="repeat">
+      <a:schemeClr val="dk2"/>
+    </dgm:fillClrLst>
+    <dgm:linClrLst meth="repeat">
+      <a:schemeClr val="dk2"/>
+    </dgm:linClrLst>
+    <dgm:effectClrLst/>
+    <dgm:txLinClrLst/>
+    <dgm:txFillClrLst meth="repeat">
+      <a:schemeClr val="lt2"/>
+    </dgm:txFillClrLst>
+    <dgm:txEffectClrLst/>
+  </dgm:styleLbl>
+  <dgm:styleLbl name="parChTrans1D1">
+    <dgm:fillClrLst meth="repeat">
+      <a:schemeClr val="dk2"/>
+    </dgm:fillClrLst>
+    <dgm:linClrLst meth="repeat">
+      <a:schemeClr val="dk2">
+        <a:shade val="60000"/>
+      </a:schemeClr>
+    </dgm:linClrLst>
+    <dgm:effectClrLst/>
+    <dgm:txLinClrLst/>
+    <dgm:txFillClrLst meth="repeat">
+      <a:schemeClr val="tx1"/>
+    </dgm:txFillClrLst>
+    <dgm:txEffectClrLst/>
+  </dgm:styleLbl>
+  <dgm:styleLbl name="parChTrans1D2">
+    <dgm:fillClrLst meth="repeat">
+      <a:schemeClr val="dk2"/>
+    </dgm:fillClrLst>
+    <dgm:linClrLst meth="repeat">
+      <a:schemeClr val="dk2">
+        <a:shade val="60000"/>
+      </a:schemeClr>
+    </dgm:linClrLst>
+    <dgm:effectClrLst/>
+    <dgm:txLinClrLst/>
+    <dgm:txFillClrLst meth="repeat">
+      <a:schemeClr val="tx1"/>
+    </dgm:txFillClrLst>
+    <dgm:txEffectClrLst/>
+  </dgm:styleLbl>
+  <dgm:styleLbl name="parChTrans1D3">
+    <dgm:fillClrLst meth="repeat">
+      <a:schemeClr val="dk2"/>
+    </dgm:fillClrLst>
+    <dgm:linClrLst meth="repeat">
+      <a:schemeClr val="dk2">
+        <a:shade val="80000"/>
+      </a:schemeClr>
+    </dgm:linClrLst>
+    <dgm:effectClrLst/>
+    <dgm:txLinClrLst/>
+    <dgm:txFillClrLst meth="repeat">
+      <a:schemeClr val="tx1"/>
+    </dgm:txFillClrLst>
+    <dgm:txEffectClrLst/>
+  </dgm:styleLbl>
+  <dgm:styleLbl name="parChTrans1D4">
+    <dgm:fillClrLst meth="repeat">
+      <a:schemeClr val="dk2"/>
+    </dgm:fillClrLst>
+    <dgm:linClrLst meth="repeat">
+      <a:schemeClr val="dk2">
+        <a:shade val="80000"/>
+      </a:schemeClr>
+    </dgm:linClrLst>
+    <dgm:effectClrLst/>
+    <dgm:txLinClrLst/>
+    <dgm:txFillClrLst meth="repeat">
+      <a:schemeClr val="tx1"/>
+    </dgm:txFillClrLst>
+    <dgm:txEffectClrLst/>
+  </dgm:styleLbl>
+  <dgm:styleLbl name="fgAcc1">
+    <dgm:fillClrLst meth="repeat">
+      <a:schemeClr val="lt2">
+        <a:alpha val="90000"/>
+      </a:schemeClr>
+    </dgm:fillClrLst>
+    <dgm:linClrLst meth="repeat">
+      <a:schemeClr val="dk2"/>
+    </dgm:linClrLst>
+    <dgm:effectClrLst/>
+    <dgm:txLinClrLst/>
+    <dgm:txFillClrLst meth="repeat">
+      <a:schemeClr val="dk1"/>
+    </dgm:txFillClrLst>
+    <dgm:txEffectClrLst/>
+  </dgm:styleLbl>
+  <dgm:styleLbl name="conFgAcc1">
+    <dgm:fillClrLst meth="repeat">
+      <a:schemeClr val="lt2">
+        <a:alpha val="90000"/>
+      </a:schemeClr>
+    </dgm:fillClrLst>
+    <dgm:linClrLst meth="repeat">
+      <a:schemeClr val="dk2"/>
+    </dgm:linClrLst>
+    <dgm:effectClrLst/>
+    <dgm:txLinClrLst/>
+    <dgm:txFillClrLst meth="repeat">
+      <a:schemeClr val="dk1"/>
+    </dgm:txFillClrLst>
+    <dgm:txEffectClrLst/>
+  </dgm:styleLbl>
+  <dgm:styleLbl name="alignAcc1">
+    <dgm:fillClrLst meth="repeat">
+      <a:schemeClr val="lt2">
+        <a:alpha val="90000"/>
+      </a:schemeClr>
+    </dgm:fillClrLst>
+    <dgm:linClrLst meth="repeat">
+      <a:schemeClr val="dk2"/>
+    </dgm:linClrLst>
+    <dgm:effectClrLst/>
+    <dgm:txLinClrLst/>
+    <dgm:txFillClrLst meth="repeat">
+      <a:schemeClr val="dk1"/>
+    </dgm:txFillClrLst>
+    <dgm:txEffectClrLst/>
+  </dgm:styleLbl>
+  <dgm:styleLbl name="trAlignAcc1">
+    <dgm:fillClrLst meth="repeat">
+      <a:schemeClr val="lt2">
+        <a:alpha val="40000"/>
+      </a:schemeClr>
+    </dgm:fillClrLst>
+    <dgm:linClrLst meth="repeat">
+      <a:schemeClr val="dk2"/>
+    </dgm:linClrLst>
+    <dgm:effectClrLst/>
+    <dgm:txLinClrLst/>
+    <dgm:txFillClrLst meth="repeat">
+      <a:schemeClr val="dk1"/>
+    </dgm:txFillClrLst>
+    <dgm:txEffectClrLst/>
+  </dgm:styleLbl>
+  <dgm:styleLbl name="bgAcc1">
+    <dgm:fillClrLst meth="repeat">
+      <a:schemeClr val="lt2">
+        <a:alpha val="90000"/>
+      </a:schemeClr>
+    </dgm:fillClrLst>
+    <dgm:linClrLst meth="repeat">
+      <a:schemeClr val="dk2"/>
+    </dgm:linClrLst>
+    <dgm:effectClrLst/>
+    <dgm:txLinClrLst/>
+    <dgm:txFillClrLst meth="repeat">
+      <a:schemeClr val="dk1"/>
+    </dgm:txFillClrLst>
+    <dgm:txEffectClrLst/>
+  </dgm:styleLbl>
+  <dgm:styleLbl name="solidFgAcc1">
+    <dgm:fillClrLst meth="repeat">
+      <a:schemeClr val="lt2"/>
+    </dgm:fillClrLst>
+    <dgm:linClrLst meth="repeat">
+      <a:schemeClr val="dk2"/>
+    </dgm:linClrLst>
+    <dgm:effectClrLst/>
+    <dgm:txLinClrLst/>
+    <dgm:txFillClrLst meth="repeat">
+      <a:schemeClr val="dk1"/>
+    </dgm:txFillClrLst>
+    <dgm:txEffectClrLst/>
+  </dgm:styleLbl>
+  <dgm:styleLbl name="solidAlignAcc1">
+    <dgm:fillClrLst meth="repeat">
+      <a:schemeClr val="lt2"/>
+    </dgm:fillClrLst>
+    <dgm:linClrLst meth="repeat">
+      <a:schemeClr val="dk2"/>
+    </dgm:linClrLst>
+    <dgm:effectClrLst/>
+    <dgm:txLinClrLst/>
+    <dgm:txFillClrLst meth="repeat">
+      <a:schemeClr val="dk1"/>
+    </dgm:txFillClrLst>
+    <dgm:txEffectClrLst/>
+  </dgm:styleLbl>
+  <dgm:styleLbl name="solidBgAcc1">
+    <dgm:fillClrLst meth="repeat">
+      <a:schemeClr val="lt2"/>
+    </dgm:fillClrLst>
+    <dgm:linClrLst meth="repeat">
+      <a:schemeClr val="dk2"/>
+    </dgm:linClrLst>
+    <dgm:effectClrLst/>
+    <dgm:txLinClrLst/>
+    <dgm:txFillClrLst meth="repeat">
+      <a:schemeClr val="dk1"/>
+    </dgm:txFillClrLst>
+    <dgm:txEffectClrLst/>
+  </dgm:styleLbl>
+  <dgm:styleLbl name="fgAccFollowNode1">
+    <dgm:fillClrLst meth="repeat">
+      <a:schemeClr val="dk2">
+        <a:alpha val="90000"/>
+        <a:tint val="40000"/>
+      </a:schemeClr>
+    </dgm:fillClrLst>
+    <dgm:linClrLst meth="repeat">
+      <a:schemeClr val="dk2">
+        <a:alpha val="90000"/>
+        <a:tint val="40000"/>
+      </a:schemeClr>
+    </dgm:linClrLst>
+    <dgm:effectClrLst/>
+    <dgm:txLinClrLst/>
+    <dgm:txFillClrLst meth="repeat">
+      <a:schemeClr val="dk1"/>
+    </dgm:txFillClrLst>
+    <dgm:txEffectClrLst/>
+  </dgm:styleLbl>
+  <dgm:styleLbl name="alignAccFollowNode1">
+    <dgm:fillClrLst meth="repeat">
+      <a:schemeClr val="dk2">
+        <a:alpha val="90000"/>
+        <a:tint val="40000"/>
+      </a:schemeClr>
+    </dgm:fillClrLst>
+    <dgm:linClrLst meth="repeat">
+      <a:schemeClr val="dk2">
+        <a:alpha val="90000"/>
+        <a:tint val="40000"/>
+      </a:schemeClr>
+    </dgm:linClrLst>
+    <dgm:effectClrLst/>
+    <dgm:txLinClrLst/>
+    <dgm:txFillClrLst meth="repeat">
+      <a:schemeClr val="dk1"/>
+    </dgm:txFillClrLst>
+    <dgm:txEffectClrLst/>
+  </dgm:styleLbl>
+  <dgm:styleLbl name="bgAccFollowNode1">
+    <dgm:fillClrLst meth="repeat">
+      <a:schemeClr val="dk2">
+        <a:alpha val="90000"/>
+        <a:tint val="40000"/>
+      </a:schemeClr>
+    </dgm:fillClrLst>
+    <dgm:linClrLst meth="repeat">
+      <a:schemeClr val="dk2">
+        <a:alpha val="90000"/>
+        <a:tint val="40000"/>
+      </a:schemeClr>
+    </dgm:linClrLst>
+    <dgm:effectClrLst/>
+    <dgm:txLinClrLst/>
+    <dgm:txFillClrLst meth="repeat">
+      <a:schemeClr val="dk1"/>
+    </dgm:txFillClrLst>
+    <dgm:txEffectClrLst/>
+  </dgm:styleLbl>
+  <dgm:styleLbl name="fgAcc0">
+    <dgm:fillClrLst meth="repeat">
+      <a:schemeClr val="lt2">
+        <a:alpha val="90000"/>
+      </a:schemeClr>
+    </dgm:fillClrLst>
+    <dgm:linClrLst meth="repeat">
+      <a:schemeClr val="dk2"/>
+    </dgm:linClrLst>
+    <dgm:effectClrLst/>
+    <dgm:txLinClrLst/>
+    <dgm:txFillClrLst meth="repeat">
+      <a:schemeClr val="dk1"/>
+    </dgm:txFillClrLst>
+    <dgm:txEffectClrLst/>
+  </dgm:styleLbl>
+  <dgm:styleLbl name="fgAcc2">
+    <dgm:fillClrLst meth="repeat">
+      <a:schemeClr val="lt2">
+        <a:alpha val="90000"/>
+      </a:schemeClr>
+    </dgm:fillClrLst>
+    <dgm:linClrLst meth="repeat">
+      <a:schemeClr val="dk2"/>
+    </dgm:linClrLst>
+    <dgm:effectClrLst/>
+    <dgm:txLinClrLst/>
+    <dgm:txFillClrLst meth="repeat">
+      <a:schemeClr val="dk1"/>
+    </dgm:txFillClrLst>
+    <dgm:txEffectClrLst/>
+  </dgm:styleLbl>
+  <dgm:styleLbl name="fgAcc3">
+    <dgm:fillClrLst meth="repeat">
+      <a:schemeClr val="lt2">
+        <a:alpha val="90000"/>
+      </a:schemeClr>
+    </dgm:fillClrLst>
+    <dgm:linClrLst meth="repeat">
+      <a:schemeClr val="dk2"/>
+    </dgm:linClrLst>
+    <dgm:effectClrLst/>
+    <dgm:txLinClrLst/>
+    <dgm:txFillClrLst meth="repeat">
+      <a:schemeClr val="dk1"/>
+    </dgm:txFillClrLst>
+    <dgm:txEffectClrLst/>
+  </dgm:styleLbl>
+  <dgm:styleLbl name="fgAcc4">
+    <dgm:fillClrLst meth="repeat">
+      <a:schemeClr val="lt2">
+        <a:alpha val="90000"/>
+      </a:schemeClr>
+    </dgm:fillClrLst>
+    <dgm:linClrLst meth="repeat">
+      <a:schemeClr val="dk2"/>
+    </dgm:linClrLst>
+    <dgm:effectClrLst/>
+    <dgm:txLinClrLst/>
+    <dgm:txFillClrLst meth="repeat">
+      <a:schemeClr val="dk1"/>
+    </dgm:txFillClrLst>
+    <dgm:txEffectClrLst/>
+  </dgm:styleLbl>
+  <dgm:styleLbl name="bgShp">
+    <dgm:fillClrLst meth="repeat">
+      <a:schemeClr val="dk2">
+        <a:tint val="40000"/>
+      </a:schemeClr>
+    </dgm:fillClrLst>
+    <dgm:linClrLst meth="repeat">
+      <a:schemeClr val="dk2"/>
+    </dgm:linClrLst>
+    <dgm:effectClrLst/>
+    <dgm:txLinClrLst/>
+    <dgm:txFillClrLst meth="repeat">
+      <a:schemeClr val="dk1"/>
+    </dgm:txFillClrLst>
+    <dgm:txEffectClrLst/>
+  </dgm:styleLbl>
+  <dgm:styleLbl name="dkBgShp">
+    <dgm:fillClrLst meth="repeat">
+      <a:schemeClr val="dk2">
+        <a:shade val="80000"/>
+      </a:schemeClr>
+    </dgm:fillClrLst>
+    <dgm:linClrLst meth="repeat">
+      <a:schemeClr val="dk2"/>
+    </dgm:linClrLst>
+    <dgm:effectClrLst/>
+    <dgm:txLinClrLst/>
+    <dgm:txFillClrLst meth="repeat">
+      <a:schemeClr val="lt1"/>
+    </dgm:txFillClrLst>
+    <dgm:txEffectClrLst/>
+  </dgm:styleLbl>
+  <dgm:styleLbl name="trBgShp">
+    <dgm:fillClrLst meth="repeat">
+      <a:schemeClr val="dk2">
+        <a:tint val="50000"/>
+        <a:alpha val="40000"/>
+      </a:schemeClr>
+    </dgm:fillClrLst>
+    <dgm:linClrLst meth="repeat">
+      <a:schemeClr val="dk2"/>
+    </dgm:linClrLst>
+    <dgm:effectClrLst/>
+    <dgm:txLinClrLst/>
+    <dgm:txFillClrLst meth="repeat">
+      <a:schemeClr val="lt1"/>
+    </dgm:txFillClrLst>
+    <dgm:txEffectClrLst/>
+  </dgm:styleLbl>
+  <dgm:styleLbl name="fgShp">
+    <dgm:fillClrLst meth="repeat">
+      <a:schemeClr val="dk2">
+        <a:tint val="60000"/>
+      </a:schemeClr>
+    </dgm:fillClrLst>
+    <dgm:linClrLst meth="repeat">
+      <a:schemeClr val="lt2"/>
+    </dgm:linClrLst>
+    <dgm:effectClrLst/>
+    <dgm:txLinClrLst/>
+    <dgm:txFillClrLst meth="repeat">
+      <a:schemeClr val="dk1"/>
+    </dgm:txFillClrLst>
+    <dgm:txEffectClrLst/>
+  </dgm:styleLbl>
+  <dgm:styleLbl name="revTx">
+    <dgm:fillClrLst meth="repeat">
+      <a:schemeClr val="lt2">
+        <a:alpha val="0"/>
+      </a:schemeClr>
+    </dgm:fillClrLst>
+    <dgm:linClrLst meth="repeat">
+      <a:schemeClr val="dk1">
+        <a:alpha val="0"/>
+      </a:schemeClr>
+    </dgm:linClrLst>
+    <dgm:effectClrLst/>
+    <dgm:txLinClrLst/>
+    <dgm:txFillClrLst meth="repeat">
+      <a:schemeClr val="tx1"/>
+    </dgm:txFillClrLst>
+    <dgm:txEffectClrLst/>
+  </dgm:styleLbl>
+</dgm:colorsDef>
+</file>
+
+<file path=ppt/diagrams/colors3.xml><?xml version="1.0" encoding="utf-8"?>
+<dgm:colorsDef xmlns:dgm="http://schemas.openxmlformats.org/drawingml/2006/diagram" xmlns:a="http://schemas.openxmlformats.org/drawingml/2006/main" uniqueId="urn:microsoft.com/office/officeart/2005/8/colors/accent0_3">
+  <dgm:title val=""/>
+  <dgm:desc val=""/>
+  <dgm:catLst>
+    <dgm:cat type="mainScheme" pri="10300"/>
+  </dgm:catLst>
+  <dgm:styleLbl name="node0">
+    <dgm:fillClrLst meth="repeat">
+      <a:schemeClr val="dk2"/>
+    </dgm:fillClrLst>
+    <dgm:linClrLst meth="repeat">
+      <a:schemeClr val="lt2"/>
+    </dgm:linClrLst>
+    <dgm:effectClrLst/>
+    <dgm:txLinClrLst/>
+    <dgm:txFillClrLst/>
+    <dgm:txEffectClrLst/>
+  </dgm:styleLbl>
+  <dgm:styleLbl name="alignNode1">
+    <dgm:fillClrLst meth="repeat">
+      <a:schemeClr val="dk2"/>
+    </dgm:fillClrLst>
+    <dgm:linClrLst meth="repeat">
+      <a:schemeClr val="dk2"/>
+    </dgm:linClrLst>
+    <dgm:effectClrLst/>
+    <dgm:txLinClrLst/>
+    <dgm:txFillClrLst/>
+    <dgm:txEffectClrLst/>
+  </dgm:styleLbl>
+  <dgm:styleLbl name="node1">
+    <dgm:fillClrLst meth="repeat">
+      <a:schemeClr val="dk2"/>
+    </dgm:fillClrLst>
+    <dgm:linClrLst meth="repeat">
+      <a:schemeClr val="lt2"/>
+    </dgm:linClrLst>
+    <dgm:effectClrLst/>
+    <dgm:txLinClrLst/>
+    <dgm:txFillClrLst/>
+    <dgm:txEffectClrLst/>
+  </dgm:styleLbl>
+  <dgm:styleLbl name="lnNode1">
+    <dgm:fillClrLst meth="repeat">
+      <a:schemeClr val="dk2"/>
+    </dgm:fillClrLst>
+    <dgm:linClrLst meth="repeat">
+      <a:schemeClr val="lt2"/>
+    </dgm:linClrLst>
+    <dgm:effectClrLst/>
+    <dgm:txLinClrLst/>
+    <dgm:txFillClrLst/>
+    <dgm:txEffectClrLst/>
+  </dgm:styleLbl>
+  <dgm:styleLbl name="vennNode1">
+    <dgm:fillClrLst meth="repeat">
+      <a:schemeClr val="dk2">
+        <a:alpha val="50000"/>
+      </a:schemeClr>
+    </dgm:fillClrLst>
+    <dgm:linClrLst meth="repeat">
+      <a:schemeClr val="lt2"/>
+    </dgm:linClrLst>
+    <dgm:effectClrLst/>
+    <dgm:txLinClrLst/>
+    <dgm:txFillClrLst/>
+    <dgm:txEffectClrLst/>
+  </dgm:styleLbl>
+  <dgm:styleLbl name="node2">
+    <dgm:fillClrLst meth="repeat">
+      <a:schemeClr val="dk2"/>
+    </dgm:fillClrLst>
+    <dgm:linClrLst meth="repeat">
+      <a:schemeClr val="lt2"/>
+    </dgm:linClrLst>
+    <dgm:effectClrLst/>
+    <dgm:txLinClrLst/>
+    <dgm:txFillClrLst/>
+    <dgm:txEffectClrLst/>
+  </dgm:styleLbl>
+  <dgm:styleLbl name="node3">
+    <dgm:fillClrLst meth="repeat">
+      <a:schemeClr val="dk2"/>
+    </dgm:fillClrLst>
+    <dgm:linClrLst meth="repeat">
+      <a:schemeClr val="lt2"/>
+    </dgm:linClrLst>
+    <dgm:effectClrLst/>
+    <dgm:txLinClrLst/>
+    <dgm:txFillClrLst/>
+    <dgm:txEffectClrLst/>
+  </dgm:styleLbl>
+  <dgm:styleLbl name="node4">
+    <dgm:fillClrLst meth="repeat">
+      <a:schemeClr val="dk2"/>
+    </dgm:fillClrLst>
+    <dgm:linClrLst meth="repeat">
+      <a:schemeClr val="lt2"/>
+    </dgm:linClrLst>
+    <dgm:effectClrLst/>
+    <dgm:txLinClrLst/>
+    <dgm:txFillClrLst/>
+    <dgm:txEffectClrLst/>
+  </dgm:styleLbl>
+  <dgm:styleLbl name="fgImgPlace1">
+    <dgm:fillClrLst meth="repeat">
+      <a:schemeClr val="dk2">
+        <a:tint val="50000"/>
+      </a:schemeClr>
+    </dgm:fillClrLst>
+    <dgm:linClrLst meth="repeat">
+      <a:schemeClr val="lt2"/>
+    </dgm:linClrLst>
+    <dgm:effectClrLst/>
+    <dgm:txLinClrLst/>
+    <dgm:txFillClrLst meth="repeat">
+      <a:schemeClr val="lt2"/>
+    </dgm:txFillClrLst>
+    <dgm:txEffectClrLst/>
+  </dgm:styleLbl>
+  <dgm:styleLbl name="alignImgPlace1">
+    <dgm:fillClrLst meth="repeat">
+      <a:schemeClr val="dk2">
+        <a:tint val="50000"/>
+      </a:schemeClr>
+    </dgm:fillClrLst>
+    <dgm:linClrLst meth="repeat">
+      <a:schemeClr val="dk2">
+        <a:shade val="80000"/>
+      </a:schemeClr>
+    </dgm:linClrLst>
+    <dgm:effectClrLst/>
+    <dgm:txLinClrLst/>
+    <dgm:txFillClrLst meth="repeat">
+      <a:schemeClr val="lt2"/>
+    </dgm:txFillClrLst>
+    <dgm:txEffectClrLst/>
+  </dgm:styleLbl>
+  <dgm:styleLbl name="bgImgPlace1">
+    <dgm:fillClrLst meth="repeat">
+      <a:schemeClr val="dk2">
+        <a:tint val="50000"/>
+      </a:schemeClr>
+    </dgm:fillClrLst>
+    <dgm:linClrLst meth="repeat">
+      <a:schemeClr val="dk2">
+        <a:shade val="80000"/>
+      </a:schemeClr>
+    </dgm:linClrLst>
+    <dgm:effectClrLst/>
+    <dgm:txLinClrLst/>
+    <dgm:txFillClrLst meth="repeat">
+      <a:schemeClr val="lt2"/>
+    </dgm:txFillClrLst>
+    <dgm:txEffectClrLst/>
+  </dgm:styleLbl>
+  <dgm:styleLbl name="sibTrans2D1">
+    <dgm:fillClrLst meth="repeat">
+      <a:schemeClr val="dk2">
+        <a:tint val="60000"/>
+      </a:schemeClr>
+    </dgm:fillClrLst>
+    <dgm:linClrLst meth="repeat">
+      <a:schemeClr val="dk2">
+        <a:tint val="60000"/>
+      </a:schemeClr>
+    </dgm:linClrLst>
+    <dgm:effectClrLst/>
+    <dgm:txLinClrLst/>
+    <dgm:txFillClrLst/>
+    <dgm:txEffectClrLst/>
+  </dgm:styleLbl>
+  <dgm:styleLbl name="fgSibTrans2D1">
+    <dgm:fillClrLst meth="repeat">
+      <a:schemeClr val="dk2">
+        <a:tint val="60000"/>
+      </a:schemeClr>
+    </dgm:fillClrLst>
+    <dgm:linClrLst meth="repeat">
+      <a:schemeClr val="dk2">
+        <a:tint val="60000"/>
+      </a:schemeClr>
+    </dgm:linClrLst>
+    <dgm:effectClrLst/>
+    <dgm:txLinClrLst/>
+    <dgm:txFillClrLst/>
+    <dgm:txEffectClrLst/>
+  </dgm:styleLbl>
+  <dgm:styleLbl name="bgSibTrans2D1">
+    <dgm:fillClrLst meth="repeat">
+      <a:schemeClr val="dk2">
+        <a:tint val="60000"/>
+      </a:schemeClr>
+    </dgm:fillClrLst>
+    <dgm:linClrLst meth="repeat">
+      <a:schemeClr val="dk2">
+        <a:tint val="60000"/>
+      </a:schemeClr>
+    </dgm:linClrLst>
+    <dgm:effectClrLst/>
+    <dgm:txLinClrLst/>
+    <dgm:txFillClrLst/>
+    <dgm:txEffectClrLst/>
+  </dgm:styleLbl>
+  <dgm:styleLbl name="sibTrans1D1">
+    <dgm:fillClrLst meth="repeat">
+      <a:schemeClr val="dk2"/>
+    </dgm:fillClrLst>
+    <dgm:linClrLst meth="repeat">
+      <a:schemeClr val="dk2"/>
+    </dgm:linClrLst>
+    <dgm:effectClrLst/>
+    <dgm:txLinClrLst/>
+    <dgm:txFillClrLst meth="repeat">
+      <a:schemeClr val="lt2"/>
+    </dgm:txFillClrLst>
+    <dgm:txEffectClrLst/>
+  </dgm:styleLbl>
+  <dgm:styleLbl name="callout">
+    <dgm:fillClrLst meth="repeat">
+      <a:schemeClr val="dk2"/>
+    </dgm:fillClrLst>
+    <dgm:linClrLst meth="repeat">
+      <a:schemeClr val="dk2">
+        <a:tint val="50000"/>
+      </a:schemeClr>
+    </dgm:linClrLst>
+    <dgm:effectClrLst/>
+    <dgm:txLinClrLst/>
+    <dgm:txFillClrLst meth="repeat">
+      <a:schemeClr val="lt2"/>
+    </dgm:txFillClrLst>
+    <dgm:txEffectClrLst/>
+  </dgm:styleLbl>
+  <dgm:styleLbl name="asst0">
+    <dgm:fillClrLst meth="repeat">
+      <a:schemeClr val="dk2"/>
+    </dgm:fillClrLst>
+    <dgm:linClrLst meth="repeat">
+      <a:schemeClr val="lt2"/>
+    </dgm:linClrLst>
+    <dgm:effectClrLst/>
+    <dgm:txLinClrLst/>
+    <dgm:txFillClrLst/>
+    <dgm:txEffectClrLst/>
+  </dgm:styleLbl>
+  <dgm:styleLbl name="asst1">
+    <dgm:fillClrLst meth="repeat">
+      <a:schemeClr val="dk2"/>
+    </dgm:fillClrLst>
+    <dgm:linClrLst meth="repeat">
+      <a:schemeClr val="lt2"/>
+    </dgm:linClrLst>
+    <dgm:effectClrLst/>
+    <dgm:txLinClrLst/>
+    <dgm:txFillClrLst/>
+    <dgm:txEffectClrLst/>
+  </dgm:styleLbl>
+  <dgm:styleLbl name="asst2">
+    <dgm:fillClrLst meth="repeat">
+      <a:schemeClr val="dk2"/>
+    </dgm:fillClrLst>
+    <dgm:linClrLst meth="repeat">
+      <a:schemeClr val="lt2"/>
+    </dgm:linClrLst>
+    <dgm:effectClrLst/>
+    <dgm:txLinClrLst/>
+    <dgm:txFillClrLst/>
+    <dgm:txEffectClrLst/>
+  </dgm:styleLbl>
+  <dgm:styleLbl name="asst3">
+    <dgm:fillClrLst meth="repeat">
+      <a:schemeClr val="dk2"/>
+    </dgm:fillClrLst>
+    <dgm:linClrLst meth="repeat">
+      <a:schemeClr val="lt2"/>
+    </dgm:linClrLst>
+    <dgm:effectClrLst/>
+    <dgm:txLinClrLst/>
+    <dgm:txFillClrLst/>
+    <dgm:txEffectClrLst/>
+  </dgm:styleLbl>
+  <dgm:styleLbl name="asst4">
+    <dgm:fillClrLst meth="repeat">
+      <a:schemeClr val="dk2"/>
+    </dgm:fillClrLst>
+    <dgm:linClrLst meth="repeat">
+      <a:schemeClr val="lt2"/>
+    </dgm:linClrLst>
+    <dgm:effectClrLst/>
+    <dgm:txLinClrLst/>
+    <dgm:txFillClrLst/>
+    <dgm:txEffectClrLst/>
+  </dgm:styleLbl>
+  <dgm:styleLbl name="parChTrans2D1">
+    <dgm:fillClrLst meth="repeat">
+      <a:schemeClr val="dk2">
+        <a:tint val="60000"/>
+      </a:schemeClr>
+    </dgm:fillClrLst>
+    <dgm:linClrLst meth="repeat">
+      <a:schemeClr val="dk2">
+        <a:tint val="60000"/>
+      </a:schemeClr>
+    </dgm:linClrLst>
+    <dgm:effectClrLst/>
+    <dgm:txLinClrLst/>
+    <dgm:txFillClrLst meth="repeat">
+      <a:schemeClr val="lt2"/>
+    </dgm:txFillClrLst>
+    <dgm:txEffectClrLst/>
+  </dgm:styleLbl>
+  <dgm:styleLbl name="parChTrans2D2">
+    <dgm:fillClrLst meth="repeat">
+      <a:schemeClr val="dk2"/>
+    </dgm:fillClrLst>
+    <dgm:linClrLst meth="repeat">
+      <a:schemeClr val="dk2"/>
+    </dgm:linClrLst>
+    <dgm:effectClrLst/>
+    <dgm:txLinClrLst/>
+    <dgm:txFillClrLst meth="repeat">
+      <a:schemeClr val="lt2"/>
+    </dgm:txFillClrLst>
+    <dgm:txEffectClrLst/>
+  </dgm:styleLbl>
+  <dgm:styleLbl name="parChTrans2D3">
+    <dgm:fillClrLst meth="repeat">
+      <a:schemeClr val="dk2"/>
+    </dgm:fillClrLst>
+    <dgm:linClrLst meth="repeat">
+      <a:schemeClr val="dk2"/>
+    </dgm:linClrLst>
+    <dgm:effectClrLst/>
+    <dgm:txLinClrLst/>
+    <dgm:txFillClrLst meth="repeat">
+      <a:schemeClr val="lt2"/>
+    </dgm:txFillClrLst>
+    <dgm:txEffectClrLst/>
+  </dgm:styleLbl>
+  <dgm:styleLbl name="parChTrans2D4">
+    <dgm:fillClrLst meth="repeat">
+      <a:schemeClr val="dk2"/>
+    </dgm:fillClrLst>
+    <dgm:linClrLst meth="repeat">
+      <a:schemeClr val="dk2"/>
+    </dgm:linClrLst>
+    <dgm:effectClrLst/>
+    <dgm:txLinClrLst/>
+    <dgm:txFillClrLst meth="repeat">
+      <a:schemeClr val="lt2"/>
+    </dgm:txFillClrLst>
+    <dgm:txEffectClrLst/>
+  </dgm:styleLbl>
+  <dgm:styleLbl name="parChTrans1D1">
+    <dgm:fillClrLst meth="repeat">
+      <a:schemeClr val="dk2"/>
+    </dgm:fillClrLst>
+    <dgm:linClrLst meth="repeat">
+      <a:schemeClr val="dk2">
+        <a:shade val="60000"/>
+      </a:schemeClr>
+    </dgm:linClrLst>
+    <dgm:effectClrLst/>
+    <dgm:txLinClrLst/>
+    <dgm:txFillClrLst meth="repeat">
+      <a:schemeClr val="tx1"/>
+    </dgm:txFillClrLst>
+    <dgm:txEffectClrLst/>
+  </dgm:styleLbl>
+  <dgm:styleLbl name="parChTrans1D2">
+    <dgm:fillClrLst meth="repeat">
+      <a:schemeClr val="dk2"/>
+    </dgm:fillClrLst>
+    <dgm:linClrLst meth="repeat">
+      <a:schemeClr val="dk2">
+        <a:shade val="60000"/>
+      </a:schemeClr>
+    </dgm:linClrLst>
+    <dgm:effectClrLst/>
+    <dgm:txLinClrLst/>
+    <dgm:txFillClrLst meth="repeat">
+      <a:schemeClr val="tx1"/>
+    </dgm:txFillClrLst>
+    <dgm:txEffectClrLst/>
+  </dgm:styleLbl>
+  <dgm:styleLbl name="parChTrans1D3">
+    <dgm:fillClrLst meth="repeat">
+      <a:schemeClr val="dk2"/>
+    </dgm:fillClrLst>
+    <dgm:linClrLst meth="repeat">
+      <a:schemeClr val="dk2">
+        <a:shade val="80000"/>
+      </a:schemeClr>
+    </dgm:linClrLst>
+    <dgm:effectClrLst/>
+    <dgm:txLinClrLst/>
+    <dgm:txFillClrLst meth="repeat">
+      <a:schemeClr val="tx1"/>
+    </dgm:txFillClrLst>
+    <dgm:txEffectClrLst/>
+  </dgm:styleLbl>
+  <dgm:styleLbl name="parChTrans1D4">
+    <dgm:fillClrLst meth="repeat">
+      <a:schemeClr val="dk2"/>
+    </dgm:fillClrLst>
+    <dgm:linClrLst meth="repeat">
+      <a:schemeClr val="dk2">
+        <a:shade val="80000"/>
+      </a:schemeClr>
+    </dgm:linClrLst>
+    <dgm:effectClrLst/>
+    <dgm:txLinClrLst/>
+    <dgm:txFillClrLst meth="repeat">
+      <a:schemeClr val="tx1"/>
+    </dgm:txFillClrLst>
+    <dgm:txEffectClrLst/>
+  </dgm:styleLbl>
+  <dgm:styleLbl name="fgAcc1">
+    <dgm:fillClrLst meth="repeat">
+      <a:schemeClr val="lt2">
+        <a:alpha val="90000"/>
+      </a:schemeClr>
+    </dgm:fillClrLst>
+    <dgm:linClrLst meth="repeat">
+      <a:schemeClr val="dk2"/>
+    </dgm:linClrLst>
+    <dgm:effectClrLst/>
+    <dgm:txLinClrLst/>
+    <dgm:txFillClrLst meth="repeat">
+      <a:schemeClr val="dk1"/>
+    </dgm:txFillClrLst>
+    <dgm:txEffectClrLst/>
+  </dgm:styleLbl>
+  <dgm:styleLbl name="conFgAcc1">
+    <dgm:fillClrLst meth="repeat">
+      <a:schemeClr val="lt2">
+        <a:alpha val="90000"/>
+      </a:schemeClr>
+    </dgm:fillClrLst>
+    <dgm:linClrLst meth="repeat">
+      <a:schemeClr val="dk2"/>
+    </dgm:linClrLst>
+    <dgm:effectClrLst/>
+    <dgm:txLinClrLst/>
+    <dgm:txFillClrLst meth="repeat">
+      <a:schemeClr val="dk1"/>
+    </dgm:txFillClrLst>
+    <dgm:txEffectClrLst/>
+  </dgm:styleLbl>
+  <dgm:styleLbl name="alignAcc1">
+    <dgm:fillClrLst meth="repeat">
+      <a:schemeClr val="lt2">
+        <a:alpha val="90000"/>
+      </a:schemeClr>
+    </dgm:fillClrLst>
+    <dgm:linClrLst meth="repeat">
+      <a:schemeClr val="dk2"/>
+    </dgm:linClrLst>
+    <dgm:effectClrLst/>
+    <dgm:txLinClrLst/>
+    <dgm:txFillClrLst meth="repeat">
+      <a:schemeClr val="dk1"/>
+    </dgm:txFillClrLst>
+    <dgm:txEffectClrLst/>
+  </dgm:styleLbl>
+  <dgm:styleLbl name="trAlignAcc1">
+    <dgm:fillClrLst meth="repeat">
+      <a:schemeClr val="lt2">
+        <a:alpha val="40000"/>
+      </a:schemeClr>
+    </dgm:fillClrLst>
+    <dgm:linClrLst meth="repeat">
+      <a:schemeClr val="dk2"/>
+    </dgm:linClrLst>
+    <dgm:effectClrLst/>
+    <dgm:txLinClrLst/>
+    <dgm:txFillClrLst meth="repeat">
+      <a:schemeClr val="dk1"/>
+    </dgm:txFillClrLst>
+    <dgm:txEffectClrLst/>
+  </dgm:styleLbl>
+  <dgm:styleLbl name="bgAcc1">
+    <dgm:fillClrLst meth="repeat">
+      <a:schemeClr val="lt2">
+        <a:alpha val="90000"/>
+      </a:schemeClr>
+    </dgm:fillClrLst>
+    <dgm:linClrLst meth="repeat">
+      <a:schemeClr val="dk2"/>
+    </dgm:linClrLst>
+    <dgm:effectClrLst/>
+    <dgm:txLinClrLst/>
+    <dgm:txFillClrLst meth="repeat">
+      <a:schemeClr val="dk1"/>
+    </dgm:txFillClrLst>
+    <dgm:txEffectClrLst/>
+  </dgm:styleLbl>
+  <dgm:styleLbl name="solidFgAcc1">
+    <dgm:fillClrLst meth="repeat">
+      <a:schemeClr val="lt2"/>
+    </dgm:fillClrLst>
+    <dgm:linClrLst meth="repeat">
+      <a:schemeClr val="dk2"/>
+    </dgm:linClrLst>
+    <dgm:effectClrLst/>
+    <dgm:txLinClrLst/>
+    <dgm:txFillClrLst meth="repeat">
+      <a:schemeClr val="dk1"/>
+    </dgm:txFillClrLst>
+    <dgm:txEffectClrLst/>
+  </dgm:styleLbl>
+  <dgm:styleLbl name="solidAlignAcc1">
+    <dgm:fillClrLst meth="repeat">
+      <a:schemeClr val="lt2"/>
+    </dgm:fillClrLst>
+    <dgm:linClrLst meth="repeat">
+      <a:schemeClr val="dk2"/>
+    </dgm:linClrLst>
+    <dgm:effectClrLst/>
+    <dgm:txLinClrLst/>
+    <dgm:txFillClrLst meth="repeat">
+      <a:schemeClr val="dk1"/>
+    </dgm:txFillClrLst>
+    <dgm:txEffectClrLst/>
+  </dgm:styleLbl>
+  <dgm:styleLbl name="solidBgAcc1">
+    <dgm:fillClrLst meth="repeat">
+      <a:schemeClr val="lt2"/>
+    </dgm:fillClrLst>
+    <dgm:linClrLst meth="repeat">
+      <a:schemeClr val="dk2"/>
+    </dgm:linClrLst>
+    <dgm:effectClrLst/>
+    <dgm:txLinClrLst/>
+    <dgm:txFillClrLst meth="repeat">
+      <a:schemeClr val="dk1"/>
+    </dgm:txFillClrLst>
+    <dgm:txEffectClrLst/>
+  </dgm:styleLbl>
+  <dgm:styleLbl name="fgAccFollowNode1">
+    <dgm:fillClrLst meth="repeat">
+      <a:schemeClr val="dk2">
+        <a:alpha val="90000"/>
+        <a:tint val="40000"/>
+      </a:schemeClr>
+    </dgm:fillClrLst>
+    <dgm:linClrLst meth="repeat">
+      <a:schemeClr val="dk2">
+        <a:alpha val="90000"/>
+        <a:tint val="40000"/>
+      </a:schemeClr>
+    </dgm:linClrLst>
+    <dgm:effectClrLst/>
+    <dgm:txLinClrLst/>
+    <dgm:txFillClrLst meth="repeat">
+      <a:schemeClr val="dk1"/>
+    </dgm:txFillClrLst>
+    <dgm:txEffectClrLst/>
+  </dgm:styleLbl>
+  <dgm:styleLbl name="alignAccFollowNode1">
+    <dgm:fillClrLst meth="repeat">
+      <a:schemeClr val="dk2">
+        <a:alpha val="90000"/>
+        <a:tint val="40000"/>
+      </a:schemeClr>
+    </dgm:fillClrLst>
+    <dgm:linClrLst meth="repeat">
+      <a:schemeClr val="dk2">
+        <a:alpha val="90000"/>
+        <a:tint val="40000"/>
+      </a:schemeClr>
+    </dgm:linClrLst>
+    <dgm:effectClrLst/>
+    <dgm:txLinClrLst/>
+    <dgm:txFillClrLst meth="repeat">
+      <a:schemeClr val="dk1"/>
+    </dgm:txFillClrLst>
+    <dgm:txEffectClrLst/>
+  </dgm:styleLbl>
+  <dgm:styleLbl name="bgAccFollowNode1">
+    <dgm:fillClrLst meth="repeat">
+      <a:schemeClr val="dk2">
+        <a:alpha val="90000"/>
+        <a:tint val="40000"/>
+      </a:schemeClr>
+    </dgm:fillClrLst>
+    <dgm:linClrLst meth="repeat">
+      <a:schemeClr val="dk2">
+        <a:alpha val="90000"/>
+        <a:tint val="40000"/>
+      </a:schemeClr>
+    </dgm:linClrLst>
+    <dgm:effectClrLst/>
+    <dgm:txLinClrLst/>
+    <dgm:txFillClrLst meth="repeat">
+      <a:schemeClr val="dk1"/>
+    </dgm:txFillClrLst>
+    <dgm:txEffectClrLst/>
+  </dgm:styleLbl>
+  <dgm:styleLbl name="fgAcc0">
+    <dgm:fillClrLst meth="repeat">
+      <a:schemeClr val="lt2">
+        <a:alpha val="90000"/>
+      </a:schemeClr>
+    </dgm:fillClrLst>
+    <dgm:linClrLst meth="repeat">
+      <a:schemeClr val="dk2"/>
+    </dgm:linClrLst>
+    <dgm:effectClrLst/>
+    <dgm:txLinClrLst/>
+    <dgm:txFillClrLst meth="repeat">
+      <a:schemeClr val="dk1"/>
+    </dgm:txFillClrLst>
+    <dgm:txEffectClrLst/>
+  </dgm:styleLbl>
+  <dgm:styleLbl name="fgAcc2">
+    <dgm:fillClrLst meth="repeat">
+      <a:schemeClr val="lt2">
+        <a:alpha val="90000"/>
+      </a:schemeClr>
+    </dgm:fillClrLst>
+    <dgm:linClrLst meth="repeat">
+      <a:schemeClr val="dk2"/>
+    </dgm:linClrLst>
+    <dgm:effectClrLst/>
+    <dgm:txLinClrLst/>
+    <dgm:txFillClrLst meth="repeat">
+      <a:schemeClr val="dk1"/>
+    </dgm:txFillClrLst>
+    <dgm:txEffectClrLst/>
+  </dgm:styleLbl>
+  <dgm:styleLbl name="fgAcc3">
+    <dgm:fillClrLst meth="repeat">
+      <a:schemeClr val="lt2">
+        <a:alpha val="90000"/>
+      </a:schemeClr>
+    </dgm:fillClrLst>
+    <dgm:linClrLst meth="repeat">
+      <a:schemeClr val="dk2"/>
+    </dgm:linClrLst>
+    <dgm:effectClrLst/>
+    <dgm:txLinClrLst/>
+    <dgm:txFillClrLst meth="repeat">
+      <a:schemeClr val="dk1"/>
+    </dgm:txFillClrLst>
+    <dgm:txEffectClrLst/>
+  </dgm:styleLbl>
+  <dgm:styleLbl name="fgAcc4">
+    <dgm:fillClrLst meth="repeat">
+      <a:schemeClr val="lt2">
+        <a:alpha val="90000"/>
+      </a:schemeClr>
+    </dgm:fillClrLst>
+    <dgm:linClrLst meth="repeat">
+      <a:schemeClr val="dk2"/>
+    </dgm:linClrLst>
+    <dgm:effectClrLst/>
+    <dgm:txLinClrLst/>
+    <dgm:txFillClrLst meth="repeat">
+      <a:schemeClr val="dk1"/>
+    </dgm:txFillClrLst>
+    <dgm:txEffectClrLst/>
+  </dgm:styleLbl>
+  <dgm:styleLbl name="bgShp">
+    <dgm:fillClrLst meth="repeat">
+      <a:schemeClr val="dk2">
+        <a:tint val="40000"/>
+      </a:schemeClr>
+    </dgm:fillClrLst>
+    <dgm:linClrLst meth="repeat">
+      <a:schemeClr val="dk2"/>
+    </dgm:linClrLst>
+    <dgm:effectClrLst/>
+    <dgm:txLinClrLst/>
+    <dgm:txFillClrLst meth="repeat">
+      <a:schemeClr val="dk1"/>
+    </dgm:txFillClrLst>
+    <dgm:txEffectClrLst/>
+  </dgm:styleLbl>
+  <dgm:styleLbl name="dkBgShp">
+    <dgm:fillClrLst meth="repeat">
+      <a:schemeClr val="dk2">
+        <a:shade val="80000"/>
+      </a:schemeClr>
+    </dgm:fillClrLst>
+    <dgm:linClrLst meth="repeat">
+      <a:schemeClr val="dk2"/>
+    </dgm:linClrLst>
+    <dgm:effectClrLst/>
+    <dgm:txLinClrLst/>
+    <dgm:txFillClrLst meth="repeat">
+      <a:schemeClr val="lt1"/>
+    </dgm:txFillClrLst>
+    <dgm:txEffectClrLst/>
+  </dgm:styleLbl>
+  <dgm:styleLbl name="trBgShp">
+    <dgm:fillClrLst meth="repeat">
+      <a:schemeClr val="dk2">
+        <a:tint val="50000"/>
+        <a:alpha val="40000"/>
+      </a:schemeClr>
+    </dgm:fillClrLst>
+    <dgm:linClrLst meth="repeat">
+      <a:schemeClr val="dk2"/>
+    </dgm:linClrLst>
+    <dgm:effectClrLst/>
+    <dgm:txLinClrLst/>
+    <dgm:txFillClrLst meth="repeat">
+      <a:schemeClr val="lt1"/>
+    </dgm:txFillClrLst>
+    <dgm:txEffectClrLst/>
+  </dgm:styleLbl>
+  <dgm:styleLbl name="fgShp">
+    <dgm:fillClrLst meth="repeat">
+      <a:schemeClr val="dk2">
+        <a:tint val="60000"/>
+      </a:schemeClr>
+    </dgm:fillClrLst>
+    <dgm:linClrLst meth="repeat">
+      <a:schemeClr val="lt2"/>
+    </dgm:linClrLst>
+    <dgm:effectClrLst/>
+    <dgm:txLinClrLst/>
+    <dgm:txFillClrLst meth="repeat">
+      <a:schemeClr val="dk1"/>
+    </dgm:txFillClrLst>
+    <dgm:txEffectClrLst/>
+  </dgm:styleLbl>
+  <dgm:styleLbl name="revTx">
+    <dgm:fillClrLst meth="repeat">
+      <a:schemeClr val="lt2">
+        <a:alpha val="0"/>
+      </a:schemeClr>
+    </dgm:fillClrLst>
+    <dgm:linClrLst meth="repeat">
+      <a:schemeClr val="dk1">
+        <a:alpha val="0"/>
+      </a:schemeClr>
+    </dgm:linClrLst>
+    <dgm:effectClrLst/>
+    <dgm:txLinClrLst/>
+    <dgm:txFillClrLst meth="repeat">
+      <a:schemeClr val="tx1"/>
+    </dgm:txFillClrLst>
+    <dgm:txEffectClrLst/>
+  </dgm:styleLbl>
+</dgm:colorsDef>
+</file>
+
 <file path=ppt/diagrams/data1.xml><?xml version="1.0" encoding="utf-8"?>
 <dgm:dataModel xmlns:dgm="http://schemas.openxmlformats.org/drawingml/2006/diagram" xmlns:a="http://schemas.openxmlformats.org/drawingml/2006/main">
   <dgm:ptLst>
@@ -882,31 +2385,67 @@
       </dgm:t>
     </dgm:pt>
     <dgm:pt modelId="{212B004E-068D-4AF3-8AE2-8E83A262173C}">
-      <dgm:prSet/>
+      <dgm:prSet custT="1"/>
       <dgm:spPr/>
       <dgm:t>
         <a:bodyPr/>
         <a:lstStyle/>
         <a:p>
           <a:r>
-            <a:rPr kumimoji="1" lang="en-US" b="1" dirty="0"/>
+            <a:rPr kumimoji="1" lang="en-US" sz="1600" b="1" dirty="0"/>
             <a:t>1997</a:t>
           </a:r>
         </a:p>
         <a:p>
           <a:r>
-            <a:rPr kumimoji="1" lang="ja-JP" dirty="0"/>
+            <a:rPr kumimoji="1" lang="ja-JP" sz="1800" u="none" baseline="0" dirty="0">
+              <a:solidFill>
+                <a:schemeClr val="tx1"/>
+              </a:solidFill>
+              <a:uFill>
+                <a:solidFill>
+                  <a:srgbClr val="FF0000"/>
+                </a:solidFill>
+              </a:uFill>
+            </a:rPr>
             <a:t>郵送による</a:t>
           </a:r>
           <a:r>
-            <a:rPr kumimoji="1" lang="en-US" dirty="0"/>
+            <a:rPr kumimoji="1" lang="en-US" sz="1800" u="none" baseline="0" dirty="0">
+              <a:solidFill>
+                <a:schemeClr val="tx1"/>
+              </a:solidFill>
+              <a:uFill>
+                <a:solidFill>
+                  <a:srgbClr val="FF0000"/>
+                </a:solidFill>
+              </a:uFill>
+            </a:rPr>
             <a:t>DVD</a:t>
           </a:r>
           <a:r>
-            <a:rPr kumimoji="1" lang="ja-JP" dirty="0"/>
+            <a:rPr kumimoji="1" lang="ja-JP" sz="1800" u="none" baseline="0" dirty="0">
+              <a:solidFill>
+                <a:schemeClr val="tx1"/>
+              </a:solidFill>
+              <a:uFill>
+                <a:solidFill>
+                  <a:srgbClr val="FF0000"/>
+                </a:solidFill>
+              </a:uFill>
+            </a:rPr>
             <a:t>レンタル事業を設立</a:t>
           </a:r>
-          <a:endParaRPr lang="ja-JP" dirty="0"/>
+          <a:endParaRPr lang="ja-JP" sz="1800" u="none" baseline="0" dirty="0">
+            <a:solidFill>
+              <a:schemeClr val="tx1"/>
+            </a:solidFill>
+            <a:uFill>
+              <a:solidFill>
+                <a:srgbClr val="FF0000"/>
+              </a:solidFill>
+            </a:uFill>
+          </a:endParaRPr>
         </a:p>
       </dgm:t>
     </dgm:pt>
@@ -933,38 +2472,92 @@
       </dgm:t>
     </dgm:pt>
     <dgm:pt modelId="{BEEDC8F5-274C-45CF-A5AF-F549640B02DB}">
-      <dgm:prSet/>
+      <dgm:prSet custT="1"/>
       <dgm:spPr/>
       <dgm:t>
         <a:bodyPr/>
         <a:lstStyle/>
         <a:p>
           <a:r>
-            <a:rPr kumimoji="1" lang="en-US" b="1" dirty="0"/>
+            <a:rPr kumimoji="1" lang="en-US" sz="1600" b="1" dirty="0"/>
             <a:t>1999</a:t>
           </a:r>
         </a:p>
         <a:p>
           <a:r>
-            <a:rPr kumimoji="1" lang="ja-JP" dirty="0"/>
+            <a:rPr kumimoji="1" lang="ja-JP" sz="1800" u="none" baseline="0" dirty="0">
+              <a:solidFill>
+                <a:schemeClr val="tx1"/>
+              </a:solidFill>
+              <a:uFill>
+                <a:solidFill>
+                  <a:srgbClr val="FF0000"/>
+                </a:solidFill>
+              </a:uFill>
+            </a:rPr>
             <a:t>定額制サービスを開始</a:t>
           </a:r>
-          <a:endParaRPr kumimoji="1" lang="en-US" altLang="ja-JP" dirty="0"/>
+          <a:endParaRPr kumimoji="1" lang="en-US" altLang="ja-JP" sz="1800" u="none" baseline="0" dirty="0">
+            <a:solidFill>
+              <a:schemeClr val="tx1"/>
+            </a:solidFill>
+            <a:uFill>
+              <a:solidFill>
+                <a:srgbClr val="FF0000"/>
+              </a:solidFill>
+            </a:uFill>
+          </a:endParaRPr>
         </a:p>
         <a:p>
           <a:r>
-            <a:rPr kumimoji="1" lang="en-US" dirty="0"/>
+            <a:rPr kumimoji="1" lang="en-US" sz="1800" u="none" baseline="0" dirty="0">
+              <a:solidFill>
+                <a:schemeClr val="tx1"/>
+              </a:solidFill>
+              <a:uFill>
+                <a:solidFill>
+                  <a:srgbClr val="FF0000"/>
+                </a:solidFill>
+              </a:uFill>
+            </a:rPr>
             <a:t>(</a:t>
           </a:r>
           <a:r>
-            <a:rPr kumimoji="1" lang="ja-JP" dirty="0"/>
+            <a:rPr kumimoji="1" lang="ja-JP" sz="1800" u="none" baseline="0" dirty="0">
+              <a:solidFill>
+                <a:schemeClr val="tx1"/>
+              </a:solidFill>
+              <a:uFill>
+                <a:solidFill>
+                  <a:srgbClr val="FF0000"/>
+                </a:solidFill>
+              </a:uFill>
+            </a:rPr>
             <a:t>借り放題</a:t>
           </a:r>
           <a:r>
-            <a:rPr kumimoji="1" lang="en-US" dirty="0"/>
+            <a:rPr kumimoji="1" lang="en-US" sz="1800" u="none" baseline="0" dirty="0">
+              <a:solidFill>
+                <a:schemeClr val="tx1"/>
+              </a:solidFill>
+              <a:uFill>
+                <a:solidFill>
+                  <a:srgbClr val="FF0000"/>
+                </a:solidFill>
+              </a:uFill>
+            </a:rPr>
             <a:t>)</a:t>
           </a:r>
-          <a:endParaRPr lang="ja-JP" dirty="0"/>
+          <a:endParaRPr lang="ja-JP" sz="1800" u="none" baseline="0" dirty="0">
+            <a:solidFill>
+              <a:schemeClr val="tx1"/>
+            </a:solidFill>
+            <a:uFill>
+              <a:solidFill>
+                <a:srgbClr val="FF0000"/>
+              </a:solidFill>
+            </a:uFill>
+          </a:endParaRPr>
         </a:p>
       </dgm:t>
     </dgm:pt>
@@ -991,23 +2584,35 @@
       </dgm:t>
     </dgm:pt>
     <dgm:pt modelId="{279587BE-8210-4F80-9700-1E29320BE65F}">
-      <dgm:prSet/>
+      <dgm:prSet custT="1"/>
       <dgm:spPr/>
       <dgm:t>
         <a:bodyPr/>
         <a:lstStyle/>
         <a:p>
           <a:r>
-            <a:rPr kumimoji="1" lang="en-US" b="1" dirty="0"/>
+            <a:rPr kumimoji="1" lang="en-US" sz="1600" b="1" dirty="0"/>
             <a:t>2007</a:t>
           </a:r>
         </a:p>
         <a:p>
           <a:r>
-            <a:rPr kumimoji="1" lang="ja-JP" dirty="0"/>
+            <a:rPr kumimoji="1" lang="ja-JP" sz="1800" u="none" baseline="0" dirty="0">
+              <a:uFill>
+                <a:solidFill>
+                  <a:srgbClr val="FF0000"/>
+                </a:solidFill>
+              </a:uFill>
+            </a:rPr>
             <a:t>ストリーミング配信サービスの導入</a:t>
           </a:r>
-          <a:endParaRPr lang="ja-JP" dirty="0"/>
+          <a:endParaRPr lang="ja-JP" sz="1800" u="none" baseline="0" dirty="0">
+            <a:uFill>
+              <a:solidFill>
+                <a:srgbClr val="FF0000"/>
+              </a:solidFill>
+            </a:uFill>
+          </a:endParaRPr>
         </a:p>
       </dgm:t>
     </dgm:pt>
@@ -1034,31 +2639,55 @@
       </dgm:t>
     </dgm:pt>
     <dgm:pt modelId="{752605B8-836C-4BCE-AF53-4213837C62CD}">
-      <dgm:prSet/>
+      <dgm:prSet custT="1"/>
       <dgm:spPr/>
       <dgm:t>
         <a:bodyPr/>
         <a:lstStyle/>
         <a:p>
           <a:r>
-            <a:rPr kumimoji="1" lang="en-US" b="1" dirty="0"/>
+            <a:rPr kumimoji="1" lang="en-US" sz="1700" b="1" dirty="0"/>
             <a:t>2014</a:t>
           </a:r>
         </a:p>
         <a:p>
           <a:r>
-            <a:rPr kumimoji="1" lang="ja-JP" dirty="0"/>
+            <a:rPr kumimoji="1" lang="ja-JP" sz="1800" u="none" baseline="0" dirty="0">
+              <a:uFill>
+                <a:solidFill>
+                  <a:srgbClr val="FF0000"/>
+                </a:solidFill>
+              </a:uFill>
+            </a:rPr>
             <a:t>有料会員数が</a:t>
           </a:r>
           <a:r>
-            <a:rPr kumimoji="1" lang="en-US" dirty="0"/>
+            <a:rPr kumimoji="1" lang="en-US" sz="1800" u="none" baseline="0" dirty="0">
+              <a:uFill>
+                <a:solidFill>
+                  <a:srgbClr val="FF0000"/>
+                </a:solidFill>
+              </a:uFill>
+            </a:rPr>
             <a:t>5000</a:t>
           </a:r>
           <a:r>
-            <a:rPr kumimoji="1" lang="ja-JP" dirty="0"/>
+            <a:rPr kumimoji="1" lang="ja-JP" sz="1800" u="none" baseline="0" dirty="0">
+              <a:uFill>
+                <a:solidFill>
+                  <a:srgbClr val="FF0000"/>
+                </a:solidFill>
+              </a:uFill>
+            </a:rPr>
             <a:t>万人を突破</a:t>
           </a:r>
-          <a:endParaRPr lang="ja-JP" dirty="0"/>
+          <a:endParaRPr lang="ja-JP" sz="1800" u="none" baseline="0" dirty="0">
+            <a:uFill>
+              <a:solidFill>
+                <a:srgbClr val="FF0000"/>
+              </a:solidFill>
+            </a:uFill>
+          </a:endParaRPr>
         </a:p>
       </dgm:t>
     </dgm:pt>
@@ -1085,26 +2714,38 @@
       </dgm:t>
     </dgm:pt>
     <dgm:pt modelId="{8B3C0C56-4F1D-471F-9712-343519D8A1C8}">
-      <dgm:prSet/>
+      <dgm:prSet custT="1"/>
       <dgm:spPr/>
       <dgm:t>
         <a:bodyPr/>
         <a:lstStyle/>
         <a:p>
           <a:r>
-            <a:rPr kumimoji="1" lang="en-US" b="1" dirty="0"/>
+            <a:rPr kumimoji="1" lang="en-US" sz="1600" b="1" dirty="0"/>
             <a:t>2016</a:t>
           </a:r>
         </a:p>
         <a:p>
           <a:r>
-            <a:rPr kumimoji="1" lang="ja-JP" dirty="0"/>
+            <a:rPr kumimoji="1" lang="ja-JP" sz="1800" u="none" baseline="0" dirty="0">
+              <a:uFill>
+                <a:solidFill>
+                  <a:srgbClr val="FF0000"/>
+                </a:solidFill>
+              </a:uFill>
+            </a:rPr>
             <a:t>有料会員数が一億人を突破</a:t>
           </a:r>
-          <a:endParaRPr kumimoji="1" lang="en-US" altLang="ja-JP" dirty="0"/>
+          <a:endParaRPr kumimoji="1" lang="en-US" altLang="ja-JP" sz="1800" u="none" baseline="0" dirty="0">
+            <a:uFill>
+              <a:solidFill>
+                <a:srgbClr val="FF0000"/>
+              </a:solidFill>
+            </a:uFill>
+          </a:endParaRPr>
         </a:p>
         <a:p>
-          <a:endParaRPr kumimoji="1" lang="en-US" altLang="ja-JP" dirty="0"/>
+          <a:endParaRPr kumimoji="1" lang="en-US" altLang="ja-JP" sz="1600" dirty="0"/>
         </a:p>
       </dgm:t>
     </dgm:pt>
@@ -1143,10 +2784,7 @@
       <dgm:prSet presAssocID="{C329BFCD-D6A5-4CD9-9BDA-2F030269E7BE}" presName="arrow" presStyleLbl="bgShp" presStyleIdx="0" presStyleCnt="1"/>
       <dgm:spPr>
         <a:solidFill>
-          <a:schemeClr val="tx1">
-            <a:lumMod val="65000"/>
-            <a:lumOff val="35000"/>
-          </a:schemeClr>
+          <a:srgbClr val="44546A"/>
         </a:solidFill>
       </dgm:spPr>
     </dgm:pt>
@@ -1173,8 +2811,9 @@
           <a:avLst/>
         </a:prstGeom>
         <a:solidFill>
-          <a:schemeClr val="bg2">
-            <a:lumMod val="75000"/>
+          <a:schemeClr val="tx1">
+            <a:lumMod val="50000"/>
+            <a:lumOff val="50000"/>
           </a:schemeClr>
         </a:solidFill>
       </dgm:spPr>
@@ -1206,8 +2845,9 @@
           <a:avLst/>
         </a:prstGeom>
         <a:solidFill>
-          <a:schemeClr val="bg2">
-            <a:lumMod val="75000"/>
+          <a:schemeClr val="tx1">
+            <a:lumMod val="50000"/>
+            <a:lumOff val="50000"/>
           </a:schemeClr>
         </a:solidFill>
       </dgm:spPr>
@@ -1239,8 +2879,9 @@
           <a:avLst/>
         </a:prstGeom>
         <a:solidFill>
-          <a:schemeClr val="bg2">
-            <a:lumMod val="75000"/>
+          <a:schemeClr val="tx1">
+            <a:lumMod val="50000"/>
+            <a:lumOff val="50000"/>
           </a:schemeClr>
         </a:solidFill>
       </dgm:spPr>
@@ -1272,8 +2913,9 @@
           <a:avLst/>
         </a:prstGeom>
         <a:solidFill>
-          <a:schemeClr val="bg2">
-            <a:lumMod val="75000"/>
+          <a:schemeClr val="tx1">
+            <a:lumMod val="50000"/>
+            <a:lumOff val="50000"/>
           </a:schemeClr>
         </a:solidFill>
       </dgm:spPr>
@@ -1305,8 +2947,9 @@
           <a:avLst/>
         </a:prstGeom>
         <a:solidFill>
-          <a:schemeClr val="bg2">
-            <a:lumMod val="75000"/>
+          <a:schemeClr val="tx1">
+            <a:lumMod val="50000"/>
+            <a:lumOff val="50000"/>
           </a:schemeClr>
         </a:solidFill>
       </dgm:spPr>
@@ -1365,6 +3008,409 @@
 </dgm:dataModel>
 </file>
 
+<file path=ppt/diagrams/data2.xml><?xml version="1.0" encoding="utf-8"?>
+<dgm:dataModel xmlns:dgm="http://schemas.openxmlformats.org/drawingml/2006/diagram" xmlns:a="http://schemas.openxmlformats.org/drawingml/2006/main">
+  <dgm:ptLst>
+    <dgm:pt modelId="{BB823C24-0EE0-4F6B-A13B-7929DD2294D4}" type="doc">
+      <dgm:prSet loTypeId="urn:microsoft.com/office/officeart/2005/8/layout/default" loCatId="list" qsTypeId="urn:microsoft.com/office/officeart/2005/8/quickstyle/simple1" qsCatId="simple" csTypeId="urn:microsoft.com/office/officeart/2005/8/colors/accent0_3" csCatId="mainScheme"/>
+      <dgm:spPr/>
+      <dgm:t>
+        <a:bodyPr/>
+        <a:lstStyle/>
+        <a:p>
+          <a:endParaRPr kumimoji="1" lang="ja-JP" altLang="en-US"/>
+        </a:p>
+      </dgm:t>
+    </dgm:pt>
+    <dgm:pt modelId="{946BFAD3-5C3C-43E5-AD04-1E75F27A9ACD}">
+      <dgm:prSet/>
+      <dgm:spPr/>
+      <dgm:t>
+        <a:bodyPr/>
+        <a:lstStyle/>
+        <a:p>
+          <a:r>
+            <a:rPr kumimoji="1" lang="ja-JP" b="0" dirty="0"/>
+            <a:t>複数人によるアカウント共有</a:t>
+          </a:r>
+          <a:endParaRPr lang="ja-JP" b="0" dirty="0"/>
+        </a:p>
+      </dgm:t>
+    </dgm:pt>
+    <dgm:pt modelId="{EA723422-A47B-4810-9375-856D012502E0}" type="parTrans" cxnId="{CD05DE51-9621-4D02-A46A-2AF774B435A3}">
+      <dgm:prSet/>
+      <dgm:spPr/>
+      <dgm:t>
+        <a:bodyPr/>
+        <a:lstStyle/>
+        <a:p>
+          <a:endParaRPr kumimoji="1" lang="ja-JP" altLang="en-US"/>
+        </a:p>
+      </dgm:t>
+    </dgm:pt>
+    <dgm:pt modelId="{C4AB9D90-60E7-4755-AF8D-D44CD7E4F6F3}" type="sibTrans" cxnId="{CD05DE51-9621-4D02-A46A-2AF774B435A3}">
+      <dgm:prSet/>
+      <dgm:spPr/>
+      <dgm:t>
+        <a:bodyPr/>
+        <a:lstStyle/>
+        <a:p>
+          <a:endParaRPr kumimoji="1" lang="ja-JP" altLang="en-US"/>
+        </a:p>
+      </dgm:t>
+    </dgm:pt>
+    <dgm:pt modelId="{9F304649-27B8-4DF1-9995-18CE6390EDBC}">
+      <dgm:prSet/>
+      <dgm:spPr/>
+      <dgm:t>
+        <a:bodyPr/>
+        <a:lstStyle/>
+        <a:p>
+          <a:r>
+            <a:rPr kumimoji="1" lang="ja-JP"/>
+            <a:t>他社との競合</a:t>
+          </a:r>
+          <a:endParaRPr lang="ja-JP"/>
+        </a:p>
+      </dgm:t>
+    </dgm:pt>
+    <dgm:pt modelId="{4BF9B8A2-8EF5-4601-9382-8A47B7E2C14D}" type="parTrans" cxnId="{BFA92D26-F034-4EBC-93F2-2C6DFD62340D}">
+      <dgm:prSet/>
+      <dgm:spPr/>
+      <dgm:t>
+        <a:bodyPr/>
+        <a:lstStyle/>
+        <a:p>
+          <a:endParaRPr kumimoji="1" lang="ja-JP" altLang="en-US"/>
+        </a:p>
+      </dgm:t>
+    </dgm:pt>
+    <dgm:pt modelId="{1A9E39DB-B8E2-48A1-890B-95E498789311}" type="sibTrans" cxnId="{BFA92D26-F034-4EBC-93F2-2C6DFD62340D}">
+      <dgm:prSet/>
+      <dgm:spPr/>
+      <dgm:t>
+        <a:bodyPr/>
+        <a:lstStyle/>
+        <a:p>
+          <a:endParaRPr kumimoji="1" lang="ja-JP" altLang="en-US"/>
+        </a:p>
+      </dgm:t>
+    </dgm:pt>
+    <dgm:pt modelId="{B13ED78E-C4BD-44FA-A8F8-A759892F8132}">
+      <dgm:prSet/>
+      <dgm:spPr/>
+      <dgm:t>
+        <a:bodyPr/>
+        <a:lstStyle/>
+        <a:p>
+          <a:r>
+            <a:rPr kumimoji="1" lang="ja-JP"/>
+            <a:t>ロシアでのサービス停止</a:t>
+          </a:r>
+          <a:endParaRPr lang="ja-JP"/>
+        </a:p>
+      </dgm:t>
+    </dgm:pt>
+    <dgm:pt modelId="{52E47B0F-77B6-48A2-843F-FA0C58713128}" type="parTrans" cxnId="{F7B5D979-6B64-4CE2-8119-39113EA54A2E}">
+      <dgm:prSet/>
+      <dgm:spPr/>
+      <dgm:t>
+        <a:bodyPr/>
+        <a:lstStyle/>
+        <a:p>
+          <a:endParaRPr kumimoji="1" lang="ja-JP" altLang="en-US"/>
+        </a:p>
+      </dgm:t>
+    </dgm:pt>
+    <dgm:pt modelId="{67BBE40B-E194-436E-AD0C-A26A81800630}" type="sibTrans" cxnId="{F7B5D979-6B64-4CE2-8119-39113EA54A2E}">
+      <dgm:prSet/>
+      <dgm:spPr/>
+      <dgm:t>
+        <a:bodyPr/>
+        <a:lstStyle/>
+        <a:p>
+          <a:endParaRPr kumimoji="1" lang="ja-JP" altLang="en-US"/>
+        </a:p>
+      </dgm:t>
+    </dgm:pt>
+    <dgm:pt modelId="{2C4EAD95-B602-4262-99A3-029CD5044900}">
+      <dgm:prSet/>
+      <dgm:spPr/>
+      <dgm:t>
+        <a:bodyPr/>
+        <a:lstStyle/>
+        <a:p>
+          <a:r>
+            <a:rPr kumimoji="1" lang="ja-JP" dirty="0"/>
+            <a:t>コロナブーストの低下</a:t>
+          </a:r>
+          <a:endParaRPr lang="ja-JP" dirty="0"/>
+        </a:p>
+      </dgm:t>
+    </dgm:pt>
+    <dgm:pt modelId="{F2BC24D9-91AC-4CA3-BEA1-BBD1480B40D3}" type="parTrans" cxnId="{F6E30117-BBA0-4BEC-BEDA-4E52A44F3D4E}">
+      <dgm:prSet/>
+      <dgm:spPr/>
+      <dgm:t>
+        <a:bodyPr/>
+        <a:lstStyle/>
+        <a:p>
+          <a:endParaRPr kumimoji="1" lang="ja-JP" altLang="en-US"/>
+        </a:p>
+      </dgm:t>
+    </dgm:pt>
+    <dgm:pt modelId="{AF087E5C-8573-433E-A7B6-7A2F7394FDE9}" type="sibTrans" cxnId="{F6E30117-BBA0-4BEC-BEDA-4E52A44F3D4E}">
+      <dgm:prSet/>
+      <dgm:spPr/>
+      <dgm:t>
+        <a:bodyPr/>
+        <a:lstStyle/>
+        <a:p>
+          <a:endParaRPr kumimoji="1" lang="ja-JP" altLang="en-US"/>
+        </a:p>
+      </dgm:t>
+    </dgm:pt>
+    <dgm:pt modelId="{231E204E-2A05-4BCE-81D2-6A26DD4F3F56}" type="pres">
+      <dgm:prSet presAssocID="{BB823C24-0EE0-4F6B-A13B-7929DD2294D4}" presName="diagram" presStyleCnt="0">
+        <dgm:presLayoutVars>
+          <dgm:dir/>
+          <dgm:resizeHandles val="exact"/>
+        </dgm:presLayoutVars>
+      </dgm:prSet>
+      <dgm:spPr/>
+    </dgm:pt>
+    <dgm:pt modelId="{D1CFDABB-FD16-4C97-A613-9068CED4A0AB}" type="pres">
+      <dgm:prSet presAssocID="{946BFAD3-5C3C-43E5-AD04-1E75F27A9ACD}" presName="node" presStyleLbl="node1" presStyleIdx="0" presStyleCnt="4">
+        <dgm:presLayoutVars>
+          <dgm:bulletEnabled val="1"/>
+        </dgm:presLayoutVars>
+      </dgm:prSet>
+      <dgm:spPr/>
+    </dgm:pt>
+    <dgm:pt modelId="{7F22881E-D718-455F-A378-6AD5745B0971}" type="pres">
+      <dgm:prSet presAssocID="{C4AB9D90-60E7-4755-AF8D-D44CD7E4F6F3}" presName="sibTrans" presStyleCnt="0"/>
+      <dgm:spPr/>
+    </dgm:pt>
+    <dgm:pt modelId="{0B05DC6A-58A1-4BA1-98D0-CB9D339DE478}" type="pres">
+      <dgm:prSet presAssocID="{9F304649-27B8-4DF1-9995-18CE6390EDBC}" presName="node" presStyleLbl="node1" presStyleIdx="1" presStyleCnt="4">
+        <dgm:presLayoutVars>
+          <dgm:bulletEnabled val="1"/>
+        </dgm:presLayoutVars>
+      </dgm:prSet>
+      <dgm:spPr/>
+    </dgm:pt>
+    <dgm:pt modelId="{E0CC96AE-7E58-4BCE-A2ED-3FCA586CD4DB}" type="pres">
+      <dgm:prSet presAssocID="{1A9E39DB-B8E2-48A1-890B-95E498789311}" presName="sibTrans" presStyleCnt="0"/>
+      <dgm:spPr/>
+    </dgm:pt>
+    <dgm:pt modelId="{163E5547-4CB0-4A23-9984-12DDC0C44EDB}" type="pres">
+      <dgm:prSet presAssocID="{B13ED78E-C4BD-44FA-A8F8-A759892F8132}" presName="node" presStyleLbl="node1" presStyleIdx="2" presStyleCnt="4">
+        <dgm:presLayoutVars>
+          <dgm:bulletEnabled val="1"/>
+        </dgm:presLayoutVars>
+      </dgm:prSet>
+      <dgm:spPr/>
+    </dgm:pt>
+    <dgm:pt modelId="{F9A5CB87-D7CA-4D7A-88C6-C52A5F656945}" type="pres">
+      <dgm:prSet presAssocID="{67BBE40B-E194-436E-AD0C-A26A81800630}" presName="sibTrans" presStyleCnt="0"/>
+      <dgm:spPr/>
+    </dgm:pt>
+    <dgm:pt modelId="{D34CCFC2-A643-4139-A00F-AC1F2C55384E}" type="pres">
+      <dgm:prSet presAssocID="{2C4EAD95-B602-4262-99A3-029CD5044900}" presName="node" presStyleLbl="node1" presStyleIdx="3" presStyleCnt="4">
+        <dgm:presLayoutVars>
+          <dgm:bulletEnabled val="1"/>
+        </dgm:presLayoutVars>
+      </dgm:prSet>
+      <dgm:spPr/>
+    </dgm:pt>
+  </dgm:ptLst>
+  <dgm:cxnLst>
+    <dgm:cxn modelId="{F6E30117-BBA0-4BEC-BEDA-4E52A44F3D4E}" srcId="{BB823C24-0EE0-4F6B-A13B-7929DD2294D4}" destId="{2C4EAD95-B602-4262-99A3-029CD5044900}" srcOrd="3" destOrd="0" parTransId="{F2BC24D9-91AC-4CA3-BEA1-BBD1480B40D3}" sibTransId="{AF087E5C-8573-433E-A7B6-7A2F7394FDE9}"/>
+    <dgm:cxn modelId="{BFA92D26-F034-4EBC-93F2-2C6DFD62340D}" srcId="{BB823C24-0EE0-4F6B-A13B-7929DD2294D4}" destId="{9F304649-27B8-4DF1-9995-18CE6390EDBC}" srcOrd="1" destOrd="0" parTransId="{4BF9B8A2-8EF5-4601-9382-8A47B7E2C14D}" sibTransId="{1A9E39DB-B8E2-48A1-890B-95E498789311}"/>
+    <dgm:cxn modelId="{29427B2E-8001-49D8-B52E-12600700F37D}" type="presOf" srcId="{946BFAD3-5C3C-43E5-AD04-1E75F27A9ACD}" destId="{D1CFDABB-FD16-4C97-A613-9068CED4A0AB}" srcOrd="0" destOrd="0" presId="urn:microsoft.com/office/officeart/2005/8/layout/default"/>
+    <dgm:cxn modelId="{6845BA3B-F80B-401E-BE60-B1B128787A0A}" type="presOf" srcId="{2C4EAD95-B602-4262-99A3-029CD5044900}" destId="{D34CCFC2-A643-4139-A00F-AC1F2C55384E}" srcOrd="0" destOrd="0" presId="urn:microsoft.com/office/officeart/2005/8/layout/default"/>
+    <dgm:cxn modelId="{6782ED60-3089-4658-8E57-00B2B47414B3}" type="presOf" srcId="{B13ED78E-C4BD-44FA-A8F8-A759892F8132}" destId="{163E5547-4CB0-4A23-9984-12DDC0C44EDB}" srcOrd="0" destOrd="0" presId="urn:microsoft.com/office/officeart/2005/8/layout/default"/>
+    <dgm:cxn modelId="{1E13BA66-910F-4D54-BCA8-64A8899E3DE9}" type="presOf" srcId="{BB823C24-0EE0-4F6B-A13B-7929DD2294D4}" destId="{231E204E-2A05-4BCE-81D2-6A26DD4F3F56}" srcOrd="0" destOrd="0" presId="urn:microsoft.com/office/officeart/2005/8/layout/default"/>
+    <dgm:cxn modelId="{3E68C948-6097-4DE6-8F2E-BF24875AFDB1}" type="presOf" srcId="{9F304649-27B8-4DF1-9995-18CE6390EDBC}" destId="{0B05DC6A-58A1-4BA1-98D0-CB9D339DE478}" srcOrd="0" destOrd="0" presId="urn:microsoft.com/office/officeart/2005/8/layout/default"/>
+    <dgm:cxn modelId="{CD05DE51-9621-4D02-A46A-2AF774B435A3}" srcId="{BB823C24-0EE0-4F6B-A13B-7929DD2294D4}" destId="{946BFAD3-5C3C-43E5-AD04-1E75F27A9ACD}" srcOrd="0" destOrd="0" parTransId="{EA723422-A47B-4810-9375-856D012502E0}" sibTransId="{C4AB9D90-60E7-4755-AF8D-D44CD7E4F6F3}"/>
+    <dgm:cxn modelId="{F7B5D979-6B64-4CE2-8119-39113EA54A2E}" srcId="{BB823C24-0EE0-4F6B-A13B-7929DD2294D4}" destId="{B13ED78E-C4BD-44FA-A8F8-A759892F8132}" srcOrd="2" destOrd="0" parTransId="{52E47B0F-77B6-48A2-843F-FA0C58713128}" sibTransId="{67BBE40B-E194-436E-AD0C-A26A81800630}"/>
+    <dgm:cxn modelId="{EBC0549D-5A96-440B-87F6-553EDBCF4CDE}" type="presParOf" srcId="{231E204E-2A05-4BCE-81D2-6A26DD4F3F56}" destId="{D1CFDABB-FD16-4C97-A613-9068CED4A0AB}" srcOrd="0" destOrd="0" presId="urn:microsoft.com/office/officeart/2005/8/layout/default"/>
+    <dgm:cxn modelId="{026E7405-7190-4E60-A073-C99327689014}" type="presParOf" srcId="{231E204E-2A05-4BCE-81D2-6A26DD4F3F56}" destId="{7F22881E-D718-455F-A378-6AD5745B0971}" srcOrd="1" destOrd="0" presId="urn:microsoft.com/office/officeart/2005/8/layout/default"/>
+    <dgm:cxn modelId="{9B283181-75BD-4526-886B-7C3F1666A0F8}" type="presParOf" srcId="{231E204E-2A05-4BCE-81D2-6A26DD4F3F56}" destId="{0B05DC6A-58A1-4BA1-98D0-CB9D339DE478}" srcOrd="2" destOrd="0" presId="urn:microsoft.com/office/officeart/2005/8/layout/default"/>
+    <dgm:cxn modelId="{A1737224-6BE0-4209-87BB-CD71FC5E3C00}" type="presParOf" srcId="{231E204E-2A05-4BCE-81D2-6A26DD4F3F56}" destId="{E0CC96AE-7E58-4BCE-A2ED-3FCA586CD4DB}" srcOrd="3" destOrd="0" presId="urn:microsoft.com/office/officeart/2005/8/layout/default"/>
+    <dgm:cxn modelId="{7171717C-F423-4B8B-8815-305FEB67FA90}" type="presParOf" srcId="{231E204E-2A05-4BCE-81D2-6A26DD4F3F56}" destId="{163E5547-4CB0-4A23-9984-12DDC0C44EDB}" srcOrd="4" destOrd="0" presId="urn:microsoft.com/office/officeart/2005/8/layout/default"/>
+    <dgm:cxn modelId="{0B3C5485-BEDC-4DD4-89B4-932F341C5D5D}" type="presParOf" srcId="{231E204E-2A05-4BCE-81D2-6A26DD4F3F56}" destId="{F9A5CB87-D7CA-4D7A-88C6-C52A5F656945}" srcOrd="5" destOrd="0" presId="urn:microsoft.com/office/officeart/2005/8/layout/default"/>
+    <dgm:cxn modelId="{9F85F621-5D6B-485E-94F3-2BDCE3ED6A9C}" type="presParOf" srcId="{231E204E-2A05-4BCE-81D2-6A26DD4F3F56}" destId="{D34CCFC2-A643-4139-A00F-AC1F2C55384E}" srcOrd="6" destOrd="0" presId="urn:microsoft.com/office/officeart/2005/8/layout/default"/>
+  </dgm:cxnLst>
+  <dgm:bg/>
+  <dgm:whole/>
+  <dgm:extLst>
+    <a:ext uri="http://schemas.microsoft.com/office/drawing/2008/diagram">
+      <dsp:dataModelExt xmlns:dsp="http://schemas.microsoft.com/office/drawing/2008/diagram" relId="rId7" minVer="http://schemas.openxmlformats.org/drawingml/2006/diagram"/>
+    </a:ext>
+  </dgm:extLst>
+</dgm:dataModel>
+</file>
+
+<file path=ppt/diagrams/data3.xml><?xml version="1.0" encoding="utf-8"?>
+<dgm:dataModel xmlns:dgm="http://schemas.openxmlformats.org/drawingml/2006/diagram" xmlns:a="http://schemas.openxmlformats.org/drawingml/2006/main">
+  <dgm:ptLst>
+    <dgm:pt modelId="{B8334DB3-1B9B-4E72-8DD0-B0D8EC64CD83}" type="doc">
+      <dgm:prSet loTypeId="urn:microsoft.com/office/officeart/2005/8/layout/vList2" loCatId="list" qsTypeId="urn:microsoft.com/office/officeart/2005/8/quickstyle/simple1" qsCatId="simple" csTypeId="urn:microsoft.com/office/officeart/2005/8/colors/accent0_3" csCatId="mainScheme" phldr="1"/>
+      <dgm:spPr/>
+      <dgm:t>
+        <a:bodyPr/>
+        <a:lstStyle/>
+        <a:p>
+          <a:endParaRPr kumimoji="1" lang="ja-JP" altLang="en-US"/>
+        </a:p>
+      </dgm:t>
+    </dgm:pt>
+    <dgm:pt modelId="{53C70650-A122-4CE5-83B2-B8E36C1EF164}">
+      <dgm:prSet/>
+      <dgm:spPr/>
+      <dgm:t>
+        <a:bodyPr/>
+        <a:lstStyle/>
+        <a:p>
+          <a:r>
+            <a:rPr kumimoji="1" lang="en-US" dirty="0"/>
+            <a:t>Netflix</a:t>
+          </a:r>
+          <a:r>
+            <a:rPr kumimoji="1" lang="ja-JP" dirty="0"/>
+            <a:t>の株価は</a:t>
+          </a:r>
+          <a:r>
+            <a:rPr kumimoji="1" lang="ja-JP" altLang="en-US" dirty="0"/>
+            <a:t>配信されている</a:t>
+          </a:r>
+          <a:r>
+            <a:rPr kumimoji="1" lang="ja-JP" dirty="0"/>
+            <a:t>作品の影響を受けているのではないだろうか</a:t>
+          </a:r>
+          <a:endParaRPr lang="ja-JP" dirty="0"/>
+        </a:p>
+      </dgm:t>
+    </dgm:pt>
+    <dgm:pt modelId="{1B39FC47-3395-4BA6-9BE1-66CA966A0222}" type="parTrans" cxnId="{D675506A-8DBC-4AB5-A968-DB8835F3BC20}">
+      <dgm:prSet/>
+      <dgm:spPr/>
+      <dgm:t>
+        <a:bodyPr/>
+        <a:lstStyle/>
+        <a:p>
+          <a:endParaRPr kumimoji="1" lang="ja-JP" altLang="en-US"/>
+        </a:p>
+      </dgm:t>
+    </dgm:pt>
+    <dgm:pt modelId="{FE2114C2-A51C-4522-93E8-E69058B4C685}" type="sibTrans" cxnId="{D675506A-8DBC-4AB5-A968-DB8835F3BC20}">
+      <dgm:prSet/>
+      <dgm:spPr/>
+      <dgm:t>
+        <a:bodyPr/>
+        <a:lstStyle/>
+        <a:p>
+          <a:endParaRPr kumimoji="1" lang="ja-JP" altLang="en-US"/>
+        </a:p>
+      </dgm:t>
+    </dgm:pt>
+    <dgm:pt modelId="{26ABF95B-D833-4FBE-8672-D6630003DDD0}">
+      <dgm:prSet/>
+      <dgm:spPr/>
+      <dgm:t>
+        <a:bodyPr/>
+        <a:lstStyle/>
+        <a:p>
+          <a:r>
+            <a:rPr kumimoji="1" lang="en-US"/>
+            <a:t>Netflix</a:t>
+          </a:r>
+          <a:r>
+            <a:rPr kumimoji="1" lang="ja-JP"/>
+            <a:t>で人気のある作品には決まった特徴があるのではないか</a:t>
+          </a:r>
+          <a:endParaRPr lang="ja-JP"/>
+        </a:p>
+      </dgm:t>
+    </dgm:pt>
+    <dgm:pt modelId="{6AD4F869-8548-4B7F-B345-FE70BDAC01E4}" type="parTrans" cxnId="{0F3D509F-7DD9-4C22-9369-6B25959C71F0}">
+      <dgm:prSet/>
+      <dgm:spPr/>
+      <dgm:t>
+        <a:bodyPr/>
+        <a:lstStyle/>
+        <a:p>
+          <a:endParaRPr kumimoji="1" lang="ja-JP" altLang="en-US"/>
+        </a:p>
+      </dgm:t>
+    </dgm:pt>
+    <dgm:pt modelId="{8544ADB2-A813-4DC9-98C3-DAC949665F51}" type="sibTrans" cxnId="{0F3D509F-7DD9-4C22-9369-6B25959C71F0}">
+      <dgm:prSet/>
+      <dgm:spPr/>
+      <dgm:t>
+        <a:bodyPr/>
+        <a:lstStyle/>
+        <a:p>
+          <a:endParaRPr kumimoji="1" lang="ja-JP" altLang="en-US"/>
+        </a:p>
+      </dgm:t>
+    </dgm:pt>
+    <dgm:pt modelId="{4E9DCDA8-256A-441C-83F4-C0808D7BF7A8}" type="pres">
+      <dgm:prSet presAssocID="{B8334DB3-1B9B-4E72-8DD0-B0D8EC64CD83}" presName="linear" presStyleCnt="0">
+        <dgm:presLayoutVars>
+          <dgm:animLvl val="lvl"/>
+          <dgm:resizeHandles val="exact"/>
+        </dgm:presLayoutVars>
+      </dgm:prSet>
+      <dgm:spPr/>
+    </dgm:pt>
+    <dgm:pt modelId="{E95DDB0C-D613-430C-AC6E-2165BDC06B81}" type="pres">
+      <dgm:prSet presAssocID="{53C70650-A122-4CE5-83B2-B8E36C1EF164}" presName="parentText" presStyleLbl="node1" presStyleIdx="0" presStyleCnt="2">
+        <dgm:presLayoutVars>
+          <dgm:chMax val="0"/>
+          <dgm:bulletEnabled val="1"/>
+        </dgm:presLayoutVars>
+      </dgm:prSet>
+      <dgm:spPr/>
+    </dgm:pt>
+    <dgm:pt modelId="{B24C9137-23A3-4895-9E92-DD93E120E028}" type="pres">
+      <dgm:prSet presAssocID="{FE2114C2-A51C-4522-93E8-E69058B4C685}" presName="spacer" presStyleCnt="0"/>
+      <dgm:spPr/>
+    </dgm:pt>
+    <dgm:pt modelId="{2BCC5407-2030-430B-BEE2-58E6073DFB67}" type="pres">
+      <dgm:prSet presAssocID="{26ABF95B-D833-4FBE-8672-D6630003DDD0}" presName="parentText" presStyleLbl="node1" presStyleIdx="1" presStyleCnt="2">
+        <dgm:presLayoutVars>
+          <dgm:chMax val="0"/>
+          <dgm:bulletEnabled val="1"/>
+        </dgm:presLayoutVars>
+      </dgm:prSet>
+      <dgm:spPr/>
+    </dgm:pt>
+  </dgm:ptLst>
+  <dgm:cxnLst>
+    <dgm:cxn modelId="{E0A93D41-D355-4839-8B5C-CF738D39D68D}" type="presOf" srcId="{B8334DB3-1B9B-4E72-8DD0-B0D8EC64CD83}" destId="{4E9DCDA8-256A-441C-83F4-C0808D7BF7A8}" srcOrd="0" destOrd="0" presId="urn:microsoft.com/office/officeart/2005/8/layout/vList2"/>
+    <dgm:cxn modelId="{28D05F49-244A-497B-9CDA-46B652826DEA}" type="presOf" srcId="{53C70650-A122-4CE5-83B2-B8E36C1EF164}" destId="{E95DDB0C-D613-430C-AC6E-2165BDC06B81}" srcOrd="0" destOrd="0" presId="urn:microsoft.com/office/officeart/2005/8/layout/vList2"/>
+    <dgm:cxn modelId="{D675506A-8DBC-4AB5-A968-DB8835F3BC20}" srcId="{B8334DB3-1B9B-4E72-8DD0-B0D8EC64CD83}" destId="{53C70650-A122-4CE5-83B2-B8E36C1EF164}" srcOrd="0" destOrd="0" parTransId="{1B39FC47-3395-4BA6-9BE1-66CA966A0222}" sibTransId="{FE2114C2-A51C-4522-93E8-E69058B4C685}"/>
+    <dgm:cxn modelId="{0F3D509F-7DD9-4C22-9369-6B25959C71F0}" srcId="{B8334DB3-1B9B-4E72-8DD0-B0D8EC64CD83}" destId="{26ABF95B-D833-4FBE-8672-D6630003DDD0}" srcOrd="1" destOrd="0" parTransId="{6AD4F869-8548-4B7F-B345-FE70BDAC01E4}" sibTransId="{8544ADB2-A813-4DC9-98C3-DAC949665F51}"/>
+    <dgm:cxn modelId="{7B029BD2-C9FA-4AD0-A041-38F5B532A70D}" type="presOf" srcId="{26ABF95B-D833-4FBE-8672-D6630003DDD0}" destId="{2BCC5407-2030-430B-BEE2-58E6073DFB67}" srcOrd="0" destOrd="0" presId="urn:microsoft.com/office/officeart/2005/8/layout/vList2"/>
+    <dgm:cxn modelId="{2D533F6C-1862-467C-94C8-6B04A17B936D}" type="presParOf" srcId="{4E9DCDA8-256A-441C-83F4-C0808D7BF7A8}" destId="{E95DDB0C-D613-430C-AC6E-2165BDC06B81}" srcOrd="0" destOrd="0" presId="urn:microsoft.com/office/officeart/2005/8/layout/vList2"/>
+    <dgm:cxn modelId="{49E2B876-A5B2-4D7B-88CD-35699152C404}" type="presParOf" srcId="{4E9DCDA8-256A-441C-83F4-C0808D7BF7A8}" destId="{B24C9137-23A3-4895-9E92-DD93E120E028}" srcOrd="1" destOrd="0" presId="urn:microsoft.com/office/officeart/2005/8/layout/vList2"/>
+    <dgm:cxn modelId="{1B8C32D3-7DD0-4976-89C1-22AA4986A1BB}" type="presParOf" srcId="{4E9DCDA8-256A-441C-83F4-C0808D7BF7A8}" destId="{2BCC5407-2030-430B-BEE2-58E6073DFB67}" srcOrd="2" destOrd="0" presId="urn:microsoft.com/office/officeart/2005/8/layout/vList2"/>
+  </dgm:cxnLst>
+  <dgm:bg/>
+  <dgm:whole/>
+  <dgm:extLst>
+    <a:ext uri="http://schemas.microsoft.com/office/drawing/2008/diagram">
+      <dsp:dataModelExt xmlns:dsp="http://schemas.microsoft.com/office/drawing/2008/diagram" relId="rId6" minVer="http://schemas.openxmlformats.org/drawingml/2006/diagram"/>
+    </a:ext>
+    <a:ext uri="{C62137D5-CB1D-491B-B009-E17868A290BF}">
+      <dgm14:recolorImg xmlns:dgm14="http://schemas.microsoft.com/office/drawing/2010/diagram" val="1"/>
+    </a:ext>
+  </dgm:extLst>
+</dgm:dataModel>
+</file>
+
 <file path=ppt/diagrams/drawing1.xml><?xml version="1.0" encoding="utf-8"?>
 <dsp:drawing xmlns:dgm="http://schemas.openxmlformats.org/drawingml/2006/diagram" xmlns:dsp="http://schemas.microsoft.com/office/drawing/2008/diagram" xmlns:a="http://schemas.openxmlformats.org/drawingml/2006/main">
   <dsp:spTree>
@@ -1387,10 +3433,7 @@
           <a:avLst/>
         </a:prstGeom>
         <a:solidFill>
-          <a:schemeClr val="tx1">
-            <a:lumMod val="65000"/>
-            <a:lumOff val="35000"/>
-          </a:schemeClr>
+          <a:srgbClr val="44546A"/>
         </a:solidFill>
         <a:ln>
           <a:noFill/>
@@ -1478,18 +3521,54 @@
             <a:buNone/>
           </a:pPr>
           <a:r>
-            <a:rPr kumimoji="1" lang="ja-JP" sz="1600" kern="1200" dirty="0"/>
+            <a:rPr kumimoji="1" lang="ja-JP" sz="1800" u="none" kern="1200" baseline="0" dirty="0">
+              <a:solidFill>
+                <a:schemeClr val="tx1"/>
+              </a:solidFill>
+              <a:uFill>
+                <a:solidFill>
+                  <a:srgbClr val="FF0000"/>
+                </a:solidFill>
+              </a:uFill>
+            </a:rPr>
             <a:t>郵送による</a:t>
           </a:r>
           <a:r>
-            <a:rPr kumimoji="1" lang="en-US" sz="1600" kern="1200" dirty="0"/>
+            <a:rPr kumimoji="1" lang="en-US" sz="1800" u="none" kern="1200" baseline="0" dirty="0">
+              <a:solidFill>
+                <a:schemeClr val="tx1"/>
+              </a:solidFill>
+              <a:uFill>
+                <a:solidFill>
+                  <a:srgbClr val="FF0000"/>
+                </a:solidFill>
+              </a:uFill>
+            </a:rPr>
             <a:t>DVD</a:t>
           </a:r>
           <a:r>
-            <a:rPr kumimoji="1" lang="ja-JP" sz="1600" kern="1200" dirty="0"/>
+            <a:rPr kumimoji="1" lang="ja-JP" sz="1800" u="none" kern="1200" baseline="0" dirty="0">
+              <a:solidFill>
+                <a:schemeClr val="tx1"/>
+              </a:solidFill>
+              <a:uFill>
+                <a:solidFill>
+                  <a:srgbClr val="FF0000"/>
+                </a:solidFill>
+              </a:uFill>
+            </a:rPr>
             <a:t>レンタル事業を設立</a:t>
           </a:r>
-          <a:endParaRPr lang="ja-JP" sz="1600" kern="1200" dirty="0"/>
+          <a:endParaRPr lang="ja-JP" sz="1800" u="none" kern="1200" baseline="0" dirty="0">
+            <a:solidFill>
+              <a:schemeClr val="tx1"/>
+            </a:solidFill>
+            <a:uFill>
+              <a:solidFill>
+                <a:srgbClr val="FF0000"/>
+              </a:solidFill>
+            </a:uFill>
+          </a:endParaRPr>
         </a:p>
       </dsp:txBody>
       <dsp:txXfrm>
@@ -1511,8 +3590,9 @@
           <a:avLst/>
         </a:prstGeom>
         <a:solidFill>
-          <a:schemeClr val="bg2">
-            <a:lumMod val="75000"/>
+          <a:schemeClr val="tx1">
+            <a:lumMod val="50000"/>
+            <a:lumOff val="50000"/>
           </a:schemeClr>
         </a:solidFill>
         <a:ln w="12700" cap="flat" cmpd="sng" algn="ctr">
@@ -1612,10 +3692,28 @@
             <a:buNone/>
           </a:pPr>
           <a:r>
-            <a:rPr kumimoji="1" lang="ja-JP" sz="1600" kern="1200" dirty="0"/>
+            <a:rPr kumimoji="1" lang="ja-JP" sz="1800" u="none" kern="1200" baseline="0" dirty="0">
+              <a:solidFill>
+                <a:schemeClr val="tx1"/>
+              </a:solidFill>
+              <a:uFill>
+                <a:solidFill>
+                  <a:srgbClr val="FF0000"/>
+                </a:solidFill>
+              </a:uFill>
+            </a:rPr>
             <a:t>定額制サービスを開始</a:t>
           </a:r>
-          <a:endParaRPr kumimoji="1" lang="en-US" altLang="ja-JP" sz="1600" kern="1200" dirty="0"/>
+          <a:endParaRPr kumimoji="1" lang="en-US" altLang="ja-JP" sz="1800" u="none" kern="1200" baseline="0" dirty="0">
+            <a:solidFill>
+              <a:schemeClr val="tx1"/>
+            </a:solidFill>
+            <a:uFill>
+              <a:solidFill>
+                <a:srgbClr val="FF0000"/>
+              </a:solidFill>
+            </a:uFill>
+          </a:endParaRPr>
         </a:p>
         <a:p>
           <a:pPr marL="0" lvl="0" indent="0" algn="ctr" defTabSz="711200">
@@ -1631,18 +3729,54 @@
             <a:buNone/>
           </a:pPr>
           <a:r>
-            <a:rPr kumimoji="1" lang="en-US" sz="1600" kern="1200" dirty="0"/>
+            <a:rPr kumimoji="1" lang="en-US" sz="1800" u="none" kern="1200" baseline="0" dirty="0">
+              <a:solidFill>
+                <a:schemeClr val="tx1"/>
+              </a:solidFill>
+              <a:uFill>
+                <a:solidFill>
+                  <a:srgbClr val="FF0000"/>
+                </a:solidFill>
+              </a:uFill>
+            </a:rPr>
             <a:t>(</a:t>
           </a:r>
           <a:r>
-            <a:rPr kumimoji="1" lang="ja-JP" sz="1600" kern="1200" dirty="0"/>
+            <a:rPr kumimoji="1" lang="ja-JP" sz="1800" u="none" kern="1200" baseline="0" dirty="0">
+              <a:solidFill>
+                <a:schemeClr val="tx1"/>
+              </a:solidFill>
+              <a:uFill>
+                <a:solidFill>
+                  <a:srgbClr val="FF0000"/>
+                </a:solidFill>
+              </a:uFill>
+            </a:rPr>
             <a:t>借り放題</a:t>
           </a:r>
           <a:r>
-            <a:rPr kumimoji="1" lang="en-US" sz="1600" kern="1200" dirty="0"/>
+            <a:rPr kumimoji="1" lang="en-US" sz="1800" u="none" kern="1200" baseline="0" dirty="0">
+              <a:solidFill>
+                <a:schemeClr val="tx1"/>
+              </a:solidFill>
+              <a:uFill>
+                <a:solidFill>
+                  <a:srgbClr val="FF0000"/>
+                </a:solidFill>
+              </a:uFill>
+            </a:rPr>
             <a:t>)</a:t>
           </a:r>
-          <a:endParaRPr lang="ja-JP" sz="1600" kern="1200" dirty="0"/>
+          <a:endParaRPr lang="ja-JP" sz="1800" u="none" kern="1200" baseline="0" dirty="0">
+            <a:solidFill>
+              <a:schemeClr val="tx1"/>
+            </a:solidFill>
+            <a:uFill>
+              <a:solidFill>
+                <a:srgbClr val="FF0000"/>
+              </a:solidFill>
+            </a:uFill>
+          </a:endParaRPr>
         </a:p>
       </dsp:txBody>
       <dsp:txXfrm>
@@ -1664,8 +3798,9 @@
           <a:avLst/>
         </a:prstGeom>
         <a:solidFill>
-          <a:schemeClr val="bg2">
-            <a:lumMod val="75000"/>
+          <a:schemeClr val="tx1">
+            <a:lumMod val="50000"/>
+            <a:lumOff val="50000"/>
           </a:schemeClr>
         </a:solidFill>
         <a:ln w="12700" cap="flat" cmpd="sng" algn="ctr">
@@ -1765,10 +3900,22 @@
             <a:buNone/>
           </a:pPr>
           <a:r>
-            <a:rPr kumimoji="1" lang="ja-JP" sz="1600" kern="1200" dirty="0"/>
+            <a:rPr kumimoji="1" lang="ja-JP" sz="1800" u="none" kern="1200" baseline="0" dirty="0">
+              <a:uFill>
+                <a:solidFill>
+                  <a:srgbClr val="FF0000"/>
+                </a:solidFill>
+              </a:uFill>
+            </a:rPr>
             <a:t>ストリーミング配信サービスの導入</a:t>
           </a:r>
-          <a:endParaRPr lang="ja-JP" sz="1600" kern="1200" dirty="0"/>
+          <a:endParaRPr lang="ja-JP" sz="1800" u="none" kern="1200" baseline="0" dirty="0">
+            <a:uFill>
+              <a:solidFill>
+                <a:srgbClr val="FF0000"/>
+              </a:solidFill>
+            </a:uFill>
+          </a:endParaRPr>
         </a:p>
       </dsp:txBody>
       <dsp:txXfrm>
@@ -1790,8 +3937,9 @@
           <a:avLst/>
         </a:prstGeom>
         <a:solidFill>
-          <a:schemeClr val="bg2">
-            <a:lumMod val="75000"/>
+          <a:schemeClr val="tx1">
+            <a:lumMod val="50000"/>
+            <a:lumOff val="50000"/>
           </a:schemeClr>
         </a:solidFill>
         <a:ln w="12700" cap="flat" cmpd="sng" algn="ctr">
@@ -1855,12 +4003,12 @@
         <a:fontRef idx="minor"/>
       </dsp:style>
       <dsp:txBody>
-        <a:bodyPr spcFirstLastPara="0" vert="horz" wrap="square" lIns="113792" tIns="113792" rIns="113792" bIns="113792" numCol="1" spcCol="1270" anchor="t" anchorCtr="0">
+        <a:bodyPr spcFirstLastPara="0" vert="horz" wrap="square" lIns="120904" tIns="120904" rIns="120904" bIns="120904" numCol="1" spcCol="1270" anchor="t" anchorCtr="0">
           <a:noAutofit/>
         </a:bodyPr>
         <a:lstStyle/>
         <a:p>
-          <a:pPr marL="0" lvl="0" indent="0" algn="ctr" defTabSz="711200">
+          <a:pPr marL="0" lvl="0" indent="0" algn="ctr" defTabSz="755650">
             <a:lnSpc>
               <a:spcPct val="90000"/>
             </a:lnSpc>
@@ -1873,12 +4021,12 @@
             <a:buNone/>
           </a:pPr>
           <a:r>
-            <a:rPr kumimoji="1" lang="en-US" sz="1600" b="1" kern="1200" dirty="0"/>
+            <a:rPr kumimoji="1" lang="en-US" sz="1700" b="1" kern="1200" dirty="0"/>
             <a:t>2014</a:t>
           </a:r>
         </a:p>
         <a:p>
-          <a:pPr marL="0" lvl="0" indent="0" algn="ctr" defTabSz="711200">
+          <a:pPr marL="0" lvl="0" indent="0" algn="ctr" defTabSz="755650">
             <a:lnSpc>
               <a:spcPct val="90000"/>
             </a:lnSpc>
@@ -1891,18 +4039,42 @@
             <a:buNone/>
           </a:pPr>
           <a:r>
-            <a:rPr kumimoji="1" lang="ja-JP" sz="1600" kern="1200" dirty="0"/>
+            <a:rPr kumimoji="1" lang="ja-JP" sz="1800" u="none" kern="1200" baseline="0" dirty="0">
+              <a:uFill>
+                <a:solidFill>
+                  <a:srgbClr val="FF0000"/>
+                </a:solidFill>
+              </a:uFill>
+            </a:rPr>
             <a:t>有料会員数が</a:t>
           </a:r>
           <a:r>
-            <a:rPr kumimoji="1" lang="en-US" sz="1600" kern="1200" dirty="0"/>
+            <a:rPr kumimoji="1" lang="en-US" sz="1800" u="none" kern="1200" baseline="0" dirty="0">
+              <a:uFill>
+                <a:solidFill>
+                  <a:srgbClr val="FF0000"/>
+                </a:solidFill>
+              </a:uFill>
+            </a:rPr>
             <a:t>5000</a:t>
           </a:r>
           <a:r>
-            <a:rPr kumimoji="1" lang="ja-JP" sz="1600" kern="1200" dirty="0"/>
+            <a:rPr kumimoji="1" lang="ja-JP" sz="1800" u="none" kern="1200" baseline="0" dirty="0">
+              <a:uFill>
+                <a:solidFill>
+                  <a:srgbClr val="FF0000"/>
+                </a:solidFill>
+              </a:uFill>
+            </a:rPr>
             <a:t>万人を突破</a:t>
           </a:r>
-          <a:endParaRPr lang="ja-JP" sz="1600" kern="1200" dirty="0"/>
+          <a:endParaRPr lang="ja-JP" sz="1800" u="none" kern="1200" baseline="0" dirty="0">
+            <a:uFill>
+              <a:solidFill>
+                <a:srgbClr val="FF0000"/>
+              </a:solidFill>
+            </a:uFill>
+          </a:endParaRPr>
         </a:p>
       </dsp:txBody>
       <dsp:txXfrm>
@@ -1924,8 +4096,9 @@
           <a:avLst/>
         </a:prstGeom>
         <a:solidFill>
-          <a:schemeClr val="bg2">
-            <a:lumMod val="75000"/>
+          <a:schemeClr val="tx1">
+            <a:lumMod val="50000"/>
+            <a:lumOff val="50000"/>
           </a:schemeClr>
         </a:solidFill>
         <a:ln w="12700" cap="flat" cmpd="sng" algn="ctr">
@@ -2025,10 +4198,22 @@
             <a:buNone/>
           </a:pPr>
           <a:r>
-            <a:rPr kumimoji="1" lang="ja-JP" sz="1600" kern="1200" dirty="0"/>
+            <a:rPr kumimoji="1" lang="ja-JP" sz="1800" u="none" kern="1200" baseline="0" dirty="0">
+              <a:uFill>
+                <a:solidFill>
+                  <a:srgbClr val="FF0000"/>
+                </a:solidFill>
+              </a:uFill>
+            </a:rPr>
             <a:t>有料会員数が一億人を突破</a:t>
           </a:r>
-          <a:endParaRPr kumimoji="1" lang="en-US" altLang="ja-JP" sz="1600" kern="1200" dirty="0"/>
+          <a:endParaRPr kumimoji="1" lang="en-US" altLang="ja-JP" sz="1800" u="none" kern="1200" baseline="0" dirty="0">
+            <a:uFill>
+              <a:solidFill>
+                <a:srgbClr val="FF0000"/>
+              </a:solidFill>
+            </a:uFill>
+          </a:endParaRPr>
         </a:p>
         <a:p>
           <a:pPr marL="0" lvl="0" indent="0" algn="ctr" defTabSz="711200">
@@ -2065,8 +4250,9 @@
           <a:avLst/>
         </a:prstGeom>
         <a:solidFill>
-          <a:schemeClr val="bg2">
-            <a:lumMod val="75000"/>
+          <a:schemeClr val="tx1">
+            <a:lumMod val="50000"/>
+            <a:lumOff val="50000"/>
           </a:schemeClr>
         </a:solidFill>
         <a:ln w="12700" cap="flat" cmpd="sng" algn="ctr">
@@ -2097,6 +4283,520 @@
           <a:schemeClr val="lt1"/>
         </a:fontRef>
       </dsp:style>
+    </dsp:sp>
+  </dsp:spTree>
+</dsp:drawing>
+</file>
+
+<file path=ppt/diagrams/drawing2.xml><?xml version="1.0" encoding="utf-8"?>
+<dsp:drawing xmlns:dgm="http://schemas.openxmlformats.org/drawingml/2006/diagram" xmlns:dsp="http://schemas.microsoft.com/office/drawing/2008/diagram" xmlns:a="http://schemas.openxmlformats.org/drawingml/2006/main">
+  <dsp:spTree>
+    <dsp:nvGrpSpPr>
+      <dsp:cNvPr id="0" name=""/>
+      <dsp:cNvGrpSpPr/>
+    </dsp:nvGrpSpPr>
+    <dsp:grpSpPr/>
+    <dsp:sp modelId="{D1CFDABB-FD16-4C97-A613-9068CED4A0AB}">
+      <dsp:nvSpPr>
+        <dsp:cNvPr id="0" name=""/>
+        <dsp:cNvSpPr/>
+      </dsp:nvSpPr>
+      <dsp:spPr>
+        <a:xfrm>
+          <a:off x="206573" y="972"/>
+          <a:ext cx="2028095" cy="1216857"/>
+        </a:xfrm>
+        <a:prstGeom prst="rect">
+          <a:avLst/>
+        </a:prstGeom>
+        <a:solidFill>
+          <a:schemeClr val="dk2">
+            <a:hueOff val="0"/>
+            <a:satOff val="0"/>
+            <a:lumOff val="0"/>
+            <a:alphaOff val="0"/>
+          </a:schemeClr>
+        </a:solidFill>
+        <a:ln w="12700" cap="flat" cmpd="sng" algn="ctr">
+          <a:solidFill>
+            <a:schemeClr val="lt2">
+              <a:hueOff val="0"/>
+              <a:satOff val="0"/>
+              <a:lumOff val="0"/>
+              <a:alphaOff val="0"/>
+            </a:schemeClr>
+          </a:solidFill>
+          <a:prstDash val="solid"/>
+          <a:miter lim="800000"/>
+        </a:ln>
+        <a:effectLst/>
+      </dsp:spPr>
+      <dsp:style>
+        <a:lnRef idx="2">
+          <a:scrgbClr r="0" g="0" b="0"/>
+        </a:lnRef>
+        <a:fillRef idx="1">
+          <a:scrgbClr r="0" g="0" b="0"/>
+        </a:fillRef>
+        <a:effectRef idx="0">
+          <a:scrgbClr r="0" g="0" b="0"/>
+        </a:effectRef>
+        <a:fontRef idx="minor">
+          <a:schemeClr val="lt1"/>
+        </a:fontRef>
+      </dsp:style>
+      <dsp:txBody>
+        <a:bodyPr spcFirstLastPara="0" vert="horz" wrap="square" lIns="80010" tIns="80010" rIns="80010" bIns="80010" numCol="1" spcCol="1270" anchor="ctr" anchorCtr="0">
+          <a:noAutofit/>
+        </a:bodyPr>
+        <a:lstStyle/>
+        <a:p>
+          <a:pPr marL="0" lvl="0" indent="0" algn="ctr" defTabSz="933450">
+            <a:lnSpc>
+              <a:spcPct val="90000"/>
+            </a:lnSpc>
+            <a:spcBef>
+              <a:spcPct val="0"/>
+            </a:spcBef>
+            <a:spcAft>
+              <a:spcPct val="35000"/>
+            </a:spcAft>
+            <a:buNone/>
+          </a:pPr>
+          <a:r>
+            <a:rPr kumimoji="1" lang="ja-JP" sz="2100" b="0" kern="1200" dirty="0"/>
+            <a:t>複数人によるアカウント共有</a:t>
+          </a:r>
+          <a:endParaRPr lang="ja-JP" sz="2100" b="0" kern="1200" dirty="0"/>
+        </a:p>
+      </dsp:txBody>
+      <dsp:txXfrm>
+        <a:off x="206573" y="972"/>
+        <a:ext cx="2028095" cy="1216857"/>
+      </dsp:txXfrm>
+    </dsp:sp>
+    <dsp:sp modelId="{0B05DC6A-58A1-4BA1-98D0-CB9D339DE478}">
+      <dsp:nvSpPr>
+        <dsp:cNvPr id="0" name=""/>
+        <dsp:cNvSpPr/>
+      </dsp:nvSpPr>
+      <dsp:spPr>
+        <a:xfrm>
+          <a:off x="2437479" y="972"/>
+          <a:ext cx="2028095" cy="1216857"/>
+        </a:xfrm>
+        <a:prstGeom prst="rect">
+          <a:avLst/>
+        </a:prstGeom>
+        <a:solidFill>
+          <a:schemeClr val="dk2">
+            <a:hueOff val="0"/>
+            <a:satOff val="0"/>
+            <a:lumOff val="0"/>
+            <a:alphaOff val="0"/>
+          </a:schemeClr>
+        </a:solidFill>
+        <a:ln w="12700" cap="flat" cmpd="sng" algn="ctr">
+          <a:solidFill>
+            <a:schemeClr val="lt2">
+              <a:hueOff val="0"/>
+              <a:satOff val="0"/>
+              <a:lumOff val="0"/>
+              <a:alphaOff val="0"/>
+            </a:schemeClr>
+          </a:solidFill>
+          <a:prstDash val="solid"/>
+          <a:miter lim="800000"/>
+        </a:ln>
+        <a:effectLst/>
+      </dsp:spPr>
+      <dsp:style>
+        <a:lnRef idx="2">
+          <a:scrgbClr r="0" g="0" b="0"/>
+        </a:lnRef>
+        <a:fillRef idx="1">
+          <a:scrgbClr r="0" g="0" b="0"/>
+        </a:fillRef>
+        <a:effectRef idx="0">
+          <a:scrgbClr r="0" g="0" b="0"/>
+        </a:effectRef>
+        <a:fontRef idx="minor">
+          <a:schemeClr val="lt1"/>
+        </a:fontRef>
+      </dsp:style>
+      <dsp:txBody>
+        <a:bodyPr spcFirstLastPara="0" vert="horz" wrap="square" lIns="80010" tIns="80010" rIns="80010" bIns="80010" numCol="1" spcCol="1270" anchor="ctr" anchorCtr="0">
+          <a:noAutofit/>
+        </a:bodyPr>
+        <a:lstStyle/>
+        <a:p>
+          <a:pPr marL="0" lvl="0" indent="0" algn="ctr" defTabSz="933450">
+            <a:lnSpc>
+              <a:spcPct val="90000"/>
+            </a:lnSpc>
+            <a:spcBef>
+              <a:spcPct val="0"/>
+            </a:spcBef>
+            <a:spcAft>
+              <a:spcPct val="35000"/>
+            </a:spcAft>
+            <a:buNone/>
+          </a:pPr>
+          <a:r>
+            <a:rPr kumimoji="1" lang="ja-JP" sz="2100" kern="1200"/>
+            <a:t>他社との競合</a:t>
+          </a:r>
+          <a:endParaRPr lang="ja-JP" sz="2100" kern="1200"/>
+        </a:p>
+      </dsp:txBody>
+      <dsp:txXfrm>
+        <a:off x="2437479" y="972"/>
+        <a:ext cx="2028095" cy="1216857"/>
+      </dsp:txXfrm>
+    </dsp:sp>
+    <dsp:sp modelId="{163E5547-4CB0-4A23-9984-12DDC0C44EDB}">
+      <dsp:nvSpPr>
+        <dsp:cNvPr id="0" name=""/>
+        <dsp:cNvSpPr/>
+      </dsp:nvSpPr>
+      <dsp:spPr>
+        <a:xfrm>
+          <a:off x="206573" y="1420639"/>
+          <a:ext cx="2028095" cy="1216857"/>
+        </a:xfrm>
+        <a:prstGeom prst="rect">
+          <a:avLst/>
+        </a:prstGeom>
+        <a:solidFill>
+          <a:schemeClr val="dk2">
+            <a:hueOff val="0"/>
+            <a:satOff val="0"/>
+            <a:lumOff val="0"/>
+            <a:alphaOff val="0"/>
+          </a:schemeClr>
+        </a:solidFill>
+        <a:ln w="12700" cap="flat" cmpd="sng" algn="ctr">
+          <a:solidFill>
+            <a:schemeClr val="lt2">
+              <a:hueOff val="0"/>
+              <a:satOff val="0"/>
+              <a:lumOff val="0"/>
+              <a:alphaOff val="0"/>
+            </a:schemeClr>
+          </a:solidFill>
+          <a:prstDash val="solid"/>
+          <a:miter lim="800000"/>
+        </a:ln>
+        <a:effectLst/>
+      </dsp:spPr>
+      <dsp:style>
+        <a:lnRef idx="2">
+          <a:scrgbClr r="0" g="0" b="0"/>
+        </a:lnRef>
+        <a:fillRef idx="1">
+          <a:scrgbClr r="0" g="0" b="0"/>
+        </a:fillRef>
+        <a:effectRef idx="0">
+          <a:scrgbClr r="0" g="0" b="0"/>
+        </a:effectRef>
+        <a:fontRef idx="minor">
+          <a:schemeClr val="lt1"/>
+        </a:fontRef>
+      </dsp:style>
+      <dsp:txBody>
+        <a:bodyPr spcFirstLastPara="0" vert="horz" wrap="square" lIns="80010" tIns="80010" rIns="80010" bIns="80010" numCol="1" spcCol="1270" anchor="ctr" anchorCtr="0">
+          <a:noAutofit/>
+        </a:bodyPr>
+        <a:lstStyle/>
+        <a:p>
+          <a:pPr marL="0" lvl="0" indent="0" algn="ctr" defTabSz="933450">
+            <a:lnSpc>
+              <a:spcPct val="90000"/>
+            </a:lnSpc>
+            <a:spcBef>
+              <a:spcPct val="0"/>
+            </a:spcBef>
+            <a:spcAft>
+              <a:spcPct val="35000"/>
+            </a:spcAft>
+            <a:buNone/>
+          </a:pPr>
+          <a:r>
+            <a:rPr kumimoji="1" lang="ja-JP" sz="2100" kern="1200"/>
+            <a:t>ロシアでのサービス停止</a:t>
+          </a:r>
+          <a:endParaRPr lang="ja-JP" sz="2100" kern="1200"/>
+        </a:p>
+      </dsp:txBody>
+      <dsp:txXfrm>
+        <a:off x="206573" y="1420639"/>
+        <a:ext cx="2028095" cy="1216857"/>
+      </dsp:txXfrm>
+    </dsp:sp>
+    <dsp:sp modelId="{D34CCFC2-A643-4139-A00F-AC1F2C55384E}">
+      <dsp:nvSpPr>
+        <dsp:cNvPr id="0" name=""/>
+        <dsp:cNvSpPr/>
+      </dsp:nvSpPr>
+      <dsp:spPr>
+        <a:xfrm>
+          <a:off x="2437479" y="1420639"/>
+          <a:ext cx="2028095" cy="1216857"/>
+        </a:xfrm>
+        <a:prstGeom prst="rect">
+          <a:avLst/>
+        </a:prstGeom>
+        <a:solidFill>
+          <a:schemeClr val="dk2">
+            <a:hueOff val="0"/>
+            <a:satOff val="0"/>
+            <a:lumOff val="0"/>
+            <a:alphaOff val="0"/>
+          </a:schemeClr>
+        </a:solidFill>
+        <a:ln w="12700" cap="flat" cmpd="sng" algn="ctr">
+          <a:solidFill>
+            <a:schemeClr val="lt2">
+              <a:hueOff val="0"/>
+              <a:satOff val="0"/>
+              <a:lumOff val="0"/>
+              <a:alphaOff val="0"/>
+            </a:schemeClr>
+          </a:solidFill>
+          <a:prstDash val="solid"/>
+          <a:miter lim="800000"/>
+        </a:ln>
+        <a:effectLst/>
+      </dsp:spPr>
+      <dsp:style>
+        <a:lnRef idx="2">
+          <a:scrgbClr r="0" g="0" b="0"/>
+        </a:lnRef>
+        <a:fillRef idx="1">
+          <a:scrgbClr r="0" g="0" b="0"/>
+        </a:fillRef>
+        <a:effectRef idx="0">
+          <a:scrgbClr r="0" g="0" b="0"/>
+        </a:effectRef>
+        <a:fontRef idx="minor">
+          <a:schemeClr val="lt1"/>
+        </a:fontRef>
+      </dsp:style>
+      <dsp:txBody>
+        <a:bodyPr spcFirstLastPara="0" vert="horz" wrap="square" lIns="80010" tIns="80010" rIns="80010" bIns="80010" numCol="1" spcCol="1270" anchor="ctr" anchorCtr="0">
+          <a:noAutofit/>
+        </a:bodyPr>
+        <a:lstStyle/>
+        <a:p>
+          <a:pPr marL="0" lvl="0" indent="0" algn="ctr" defTabSz="933450">
+            <a:lnSpc>
+              <a:spcPct val="90000"/>
+            </a:lnSpc>
+            <a:spcBef>
+              <a:spcPct val="0"/>
+            </a:spcBef>
+            <a:spcAft>
+              <a:spcPct val="35000"/>
+            </a:spcAft>
+            <a:buNone/>
+          </a:pPr>
+          <a:r>
+            <a:rPr kumimoji="1" lang="ja-JP" sz="2100" kern="1200" dirty="0"/>
+            <a:t>コロナブーストの低下</a:t>
+          </a:r>
+          <a:endParaRPr lang="ja-JP" sz="2100" kern="1200" dirty="0"/>
+        </a:p>
+      </dsp:txBody>
+      <dsp:txXfrm>
+        <a:off x="2437479" y="1420639"/>
+        <a:ext cx="2028095" cy="1216857"/>
+      </dsp:txXfrm>
+    </dsp:sp>
+  </dsp:spTree>
+</dsp:drawing>
+</file>
+
+<file path=ppt/diagrams/drawing3.xml><?xml version="1.0" encoding="utf-8"?>
+<dsp:drawing xmlns:dgm="http://schemas.openxmlformats.org/drawingml/2006/diagram" xmlns:dsp="http://schemas.microsoft.com/office/drawing/2008/diagram" xmlns:a="http://schemas.openxmlformats.org/drawingml/2006/main">
+  <dsp:spTree>
+    <dsp:nvGrpSpPr>
+      <dsp:cNvPr id="0" name=""/>
+      <dsp:cNvGrpSpPr/>
+    </dsp:nvGrpSpPr>
+    <dsp:grpSpPr/>
+    <dsp:sp modelId="{E95DDB0C-D613-430C-AC6E-2165BDC06B81}">
+      <dsp:nvSpPr>
+        <dsp:cNvPr id="0" name=""/>
+        <dsp:cNvSpPr/>
+      </dsp:nvSpPr>
+      <dsp:spPr>
+        <a:xfrm>
+          <a:off x="0" y="5949"/>
+          <a:ext cx="10515600" cy="2110680"/>
+        </a:xfrm>
+        <a:prstGeom prst="roundRect">
+          <a:avLst/>
+        </a:prstGeom>
+        <a:solidFill>
+          <a:schemeClr val="dk2">
+            <a:hueOff val="0"/>
+            <a:satOff val="0"/>
+            <a:lumOff val="0"/>
+            <a:alphaOff val="0"/>
+          </a:schemeClr>
+        </a:solidFill>
+        <a:ln w="12700" cap="flat" cmpd="sng" algn="ctr">
+          <a:solidFill>
+            <a:schemeClr val="lt2">
+              <a:hueOff val="0"/>
+              <a:satOff val="0"/>
+              <a:lumOff val="0"/>
+              <a:alphaOff val="0"/>
+            </a:schemeClr>
+          </a:solidFill>
+          <a:prstDash val="solid"/>
+          <a:miter lim="800000"/>
+        </a:ln>
+        <a:effectLst/>
+      </dsp:spPr>
+      <dsp:style>
+        <a:lnRef idx="2">
+          <a:scrgbClr r="0" g="0" b="0"/>
+        </a:lnRef>
+        <a:fillRef idx="1">
+          <a:scrgbClr r="0" g="0" b="0"/>
+        </a:fillRef>
+        <a:effectRef idx="0">
+          <a:scrgbClr r="0" g="0" b="0"/>
+        </a:effectRef>
+        <a:fontRef idx="minor">
+          <a:schemeClr val="lt1"/>
+        </a:fontRef>
+      </dsp:style>
+      <dsp:txBody>
+        <a:bodyPr spcFirstLastPara="0" vert="horz" wrap="square" lIns="156210" tIns="156210" rIns="156210" bIns="156210" numCol="1" spcCol="1270" anchor="ctr" anchorCtr="0">
+          <a:noAutofit/>
+        </a:bodyPr>
+        <a:lstStyle/>
+        <a:p>
+          <a:pPr marL="0" lvl="0" indent="0" algn="l" defTabSz="1822450">
+            <a:lnSpc>
+              <a:spcPct val="90000"/>
+            </a:lnSpc>
+            <a:spcBef>
+              <a:spcPct val="0"/>
+            </a:spcBef>
+            <a:spcAft>
+              <a:spcPct val="35000"/>
+            </a:spcAft>
+            <a:buNone/>
+          </a:pPr>
+          <a:r>
+            <a:rPr kumimoji="1" lang="en-US" sz="4100" kern="1200" dirty="0"/>
+            <a:t>Netflix</a:t>
+          </a:r>
+          <a:r>
+            <a:rPr kumimoji="1" lang="ja-JP" sz="4100" kern="1200" dirty="0"/>
+            <a:t>の株価は</a:t>
+          </a:r>
+          <a:r>
+            <a:rPr kumimoji="1" lang="ja-JP" altLang="en-US" sz="4100" kern="1200" dirty="0"/>
+            <a:t>配信されている</a:t>
+          </a:r>
+          <a:r>
+            <a:rPr kumimoji="1" lang="ja-JP" sz="4100" kern="1200" dirty="0"/>
+            <a:t>作品の影響を受けているのではないだろうか</a:t>
+          </a:r>
+          <a:endParaRPr lang="ja-JP" sz="4100" kern="1200" dirty="0"/>
+        </a:p>
+      </dsp:txBody>
+      <dsp:txXfrm>
+        <a:off x="103035" y="108984"/>
+        <a:ext cx="10309530" cy="1904610"/>
+      </dsp:txXfrm>
+    </dsp:sp>
+    <dsp:sp modelId="{2BCC5407-2030-430B-BEE2-58E6073DFB67}">
+      <dsp:nvSpPr>
+        <dsp:cNvPr id="0" name=""/>
+        <dsp:cNvSpPr/>
+      </dsp:nvSpPr>
+      <dsp:spPr>
+        <a:xfrm>
+          <a:off x="0" y="2234709"/>
+          <a:ext cx="10515600" cy="2110680"/>
+        </a:xfrm>
+        <a:prstGeom prst="roundRect">
+          <a:avLst/>
+        </a:prstGeom>
+        <a:solidFill>
+          <a:schemeClr val="dk2">
+            <a:hueOff val="0"/>
+            <a:satOff val="0"/>
+            <a:lumOff val="0"/>
+            <a:alphaOff val="0"/>
+          </a:schemeClr>
+        </a:solidFill>
+        <a:ln w="12700" cap="flat" cmpd="sng" algn="ctr">
+          <a:solidFill>
+            <a:schemeClr val="lt2">
+              <a:hueOff val="0"/>
+              <a:satOff val="0"/>
+              <a:lumOff val="0"/>
+              <a:alphaOff val="0"/>
+            </a:schemeClr>
+          </a:solidFill>
+          <a:prstDash val="solid"/>
+          <a:miter lim="800000"/>
+        </a:ln>
+        <a:effectLst/>
+      </dsp:spPr>
+      <dsp:style>
+        <a:lnRef idx="2">
+          <a:scrgbClr r="0" g="0" b="0"/>
+        </a:lnRef>
+        <a:fillRef idx="1">
+          <a:scrgbClr r="0" g="0" b="0"/>
+        </a:fillRef>
+        <a:effectRef idx="0">
+          <a:scrgbClr r="0" g="0" b="0"/>
+        </a:effectRef>
+        <a:fontRef idx="minor">
+          <a:schemeClr val="lt1"/>
+        </a:fontRef>
+      </dsp:style>
+      <dsp:txBody>
+        <a:bodyPr spcFirstLastPara="0" vert="horz" wrap="square" lIns="156210" tIns="156210" rIns="156210" bIns="156210" numCol="1" spcCol="1270" anchor="ctr" anchorCtr="0">
+          <a:noAutofit/>
+        </a:bodyPr>
+        <a:lstStyle/>
+        <a:p>
+          <a:pPr marL="0" lvl="0" indent="0" algn="l" defTabSz="1822450">
+            <a:lnSpc>
+              <a:spcPct val="90000"/>
+            </a:lnSpc>
+            <a:spcBef>
+              <a:spcPct val="0"/>
+            </a:spcBef>
+            <a:spcAft>
+              <a:spcPct val="35000"/>
+            </a:spcAft>
+            <a:buNone/>
+          </a:pPr>
+          <a:r>
+            <a:rPr kumimoji="1" lang="en-US" sz="4100" kern="1200"/>
+            <a:t>Netflix</a:t>
+          </a:r>
+          <a:r>
+            <a:rPr kumimoji="1" lang="ja-JP" sz="4100" kern="1200"/>
+            <a:t>で人気のある作品には決まった特徴があるのではないか</a:t>
+          </a:r>
+          <a:endParaRPr lang="ja-JP" sz="4100" kern="1200"/>
+        </a:p>
+      </dsp:txBody>
+      <dsp:txXfrm>
+        <a:off x="103035" y="2337744"/>
+        <a:ext cx="10309530" cy="1904610"/>
+      </dsp:txXfrm>
     </dsp:sp>
   </dsp:spTree>
 </dsp:drawing>
@@ -2374,7 +5074,2389 @@
 </dgm:layoutDef>
 </file>
 
+<file path=ppt/diagrams/layout2.xml><?xml version="1.0" encoding="utf-8"?>
+<dgm:layoutDef xmlns:dgm="http://schemas.openxmlformats.org/drawingml/2006/diagram" xmlns:a="http://schemas.openxmlformats.org/drawingml/2006/main" uniqueId="urn:microsoft.com/office/officeart/2005/8/layout/default">
+  <dgm:title val=""/>
+  <dgm:desc val=""/>
+  <dgm:catLst>
+    <dgm:cat type="list" pri="400"/>
+  </dgm:catLst>
+  <dgm:sampData>
+    <dgm:dataModel>
+      <dgm:ptLst>
+        <dgm:pt modelId="0" type="doc"/>
+        <dgm:pt modelId="1">
+          <dgm:prSet phldr="1"/>
+        </dgm:pt>
+        <dgm:pt modelId="2">
+          <dgm:prSet phldr="1"/>
+        </dgm:pt>
+        <dgm:pt modelId="3">
+          <dgm:prSet phldr="1"/>
+        </dgm:pt>
+        <dgm:pt modelId="4">
+          <dgm:prSet phldr="1"/>
+        </dgm:pt>
+        <dgm:pt modelId="5">
+          <dgm:prSet phldr="1"/>
+        </dgm:pt>
+      </dgm:ptLst>
+      <dgm:cxnLst>
+        <dgm:cxn modelId="6" srcId="0" destId="1" srcOrd="0" destOrd="0"/>
+        <dgm:cxn modelId="7" srcId="0" destId="2" srcOrd="1" destOrd="0"/>
+        <dgm:cxn modelId="8" srcId="0" destId="3" srcOrd="2" destOrd="0"/>
+        <dgm:cxn modelId="9" srcId="0" destId="4" srcOrd="3" destOrd="0"/>
+        <dgm:cxn modelId="10" srcId="0" destId="5" srcOrd="4" destOrd="0"/>
+      </dgm:cxnLst>
+      <dgm:bg/>
+      <dgm:whole/>
+    </dgm:dataModel>
+  </dgm:sampData>
+  <dgm:styleData>
+    <dgm:dataModel>
+      <dgm:ptLst>
+        <dgm:pt modelId="0" type="doc"/>
+        <dgm:pt modelId="1"/>
+        <dgm:pt modelId="2"/>
+      </dgm:ptLst>
+      <dgm:cxnLst>
+        <dgm:cxn modelId="3" srcId="0" destId="1" srcOrd="0" destOrd="0"/>
+        <dgm:cxn modelId="4" srcId="0" destId="2" srcOrd="1" destOrd="0"/>
+      </dgm:cxnLst>
+      <dgm:bg/>
+      <dgm:whole/>
+    </dgm:dataModel>
+  </dgm:styleData>
+  <dgm:clrData>
+    <dgm:dataModel>
+      <dgm:ptLst>
+        <dgm:pt modelId="0" type="doc"/>
+        <dgm:pt modelId="1"/>
+        <dgm:pt modelId="2"/>
+        <dgm:pt modelId="3"/>
+        <dgm:pt modelId="4"/>
+        <dgm:pt modelId="5"/>
+        <dgm:pt modelId="6"/>
+      </dgm:ptLst>
+      <dgm:cxnLst>
+        <dgm:cxn modelId="7" srcId="0" destId="1" srcOrd="0" destOrd="0"/>
+        <dgm:cxn modelId="8" srcId="0" destId="2" srcOrd="1" destOrd="0"/>
+        <dgm:cxn modelId="9" srcId="0" destId="3" srcOrd="2" destOrd="0"/>
+        <dgm:cxn modelId="10" srcId="0" destId="4" srcOrd="3" destOrd="0"/>
+        <dgm:cxn modelId="11" srcId="0" destId="5" srcOrd="4" destOrd="0"/>
+        <dgm:cxn modelId="12" srcId="0" destId="6" srcOrd="5" destOrd="0"/>
+      </dgm:cxnLst>
+      <dgm:bg/>
+      <dgm:whole/>
+    </dgm:dataModel>
+  </dgm:clrData>
+  <dgm:layoutNode name="diagram">
+    <dgm:varLst>
+      <dgm:dir/>
+      <dgm:resizeHandles val="exact"/>
+    </dgm:varLst>
+    <dgm:choose name="Name0">
+      <dgm:if name="Name1" func="var" arg="dir" op="equ" val="norm">
+        <dgm:alg type="snake">
+          <dgm:param type="grDir" val="tL"/>
+          <dgm:param type="flowDir" val="row"/>
+          <dgm:param type="contDir" val="sameDir"/>
+          <dgm:param type="off" val="ctr"/>
+        </dgm:alg>
+      </dgm:if>
+      <dgm:else name="Name2">
+        <dgm:alg type="snake">
+          <dgm:param type="grDir" val="tR"/>
+          <dgm:param type="flowDir" val="row"/>
+          <dgm:param type="contDir" val="sameDir"/>
+          <dgm:param type="off" val="ctr"/>
+        </dgm:alg>
+      </dgm:else>
+    </dgm:choose>
+    <dgm:shape xmlns:r="http://schemas.openxmlformats.org/officeDocument/2006/relationships" r:blip="">
+      <dgm:adjLst/>
+    </dgm:shape>
+    <dgm:presOf/>
+    <dgm:constrLst>
+      <dgm:constr type="w" for="ch" forName="node" refType="w"/>
+      <dgm:constr type="h" for="ch" forName="node" refType="w" refFor="ch" refForName="node" fact="0.6"/>
+      <dgm:constr type="w" for="ch" forName="sibTrans" refType="w" refFor="ch" refForName="node" fact="0.1"/>
+      <dgm:constr type="sp" refType="w" refFor="ch" refForName="sibTrans"/>
+      <dgm:constr type="primFontSz" for="ch" forName="node" op="equ" val="65"/>
+    </dgm:constrLst>
+    <dgm:ruleLst/>
+    <dgm:forEach name="Name3" axis="ch" ptType="node">
+      <dgm:layoutNode name="node">
+        <dgm:varLst>
+          <dgm:bulletEnabled val="1"/>
+        </dgm:varLst>
+        <dgm:alg type="tx"/>
+        <dgm:shape xmlns:r="http://schemas.openxmlformats.org/officeDocument/2006/relationships" type="rect" r:blip="">
+          <dgm:adjLst/>
+        </dgm:shape>
+        <dgm:presOf axis="desOrSelf" ptType="node"/>
+        <dgm:constrLst>
+          <dgm:constr type="lMarg" refType="primFontSz" fact="0.3"/>
+          <dgm:constr type="rMarg" refType="primFontSz" fact="0.3"/>
+          <dgm:constr type="tMarg" refType="primFontSz" fact="0.3"/>
+          <dgm:constr type="bMarg" refType="primFontSz" fact="0.3"/>
+        </dgm:constrLst>
+        <dgm:ruleLst>
+          <dgm:rule type="primFontSz" val="5" fact="NaN" max="NaN"/>
+        </dgm:ruleLst>
+      </dgm:layoutNode>
+      <dgm:forEach name="Name4" axis="followSib" ptType="sibTrans" cnt="1">
+        <dgm:layoutNode name="sibTrans">
+          <dgm:alg type="sp"/>
+          <dgm:shape xmlns:r="http://schemas.openxmlformats.org/officeDocument/2006/relationships" r:blip="">
+            <dgm:adjLst/>
+          </dgm:shape>
+          <dgm:presOf/>
+          <dgm:constrLst/>
+          <dgm:ruleLst/>
+        </dgm:layoutNode>
+      </dgm:forEach>
+    </dgm:forEach>
+  </dgm:layoutNode>
+</dgm:layoutDef>
+</file>
+
+<file path=ppt/diagrams/layout3.xml><?xml version="1.0" encoding="utf-8"?>
+<dgm:layoutDef xmlns:dgm="http://schemas.openxmlformats.org/drawingml/2006/diagram" xmlns:a="http://schemas.openxmlformats.org/drawingml/2006/main" uniqueId="urn:microsoft.com/office/officeart/2005/8/layout/vList2">
+  <dgm:title val=""/>
+  <dgm:desc val=""/>
+  <dgm:catLst>
+    <dgm:cat type="list" pri="3000"/>
+    <dgm:cat type="convert" pri="1000"/>
+  </dgm:catLst>
+  <dgm:sampData>
+    <dgm:dataModel>
+      <dgm:ptLst>
+        <dgm:pt modelId="0" type="doc"/>
+        <dgm:pt modelId="1">
+          <dgm:prSet phldr="1"/>
+        </dgm:pt>
+        <dgm:pt modelId="11">
+          <dgm:prSet phldr="1"/>
+        </dgm:pt>
+        <dgm:pt modelId="2">
+          <dgm:prSet phldr="1"/>
+        </dgm:pt>
+        <dgm:pt modelId="21">
+          <dgm:prSet phldr="1"/>
+        </dgm:pt>
+      </dgm:ptLst>
+      <dgm:cxnLst>
+        <dgm:cxn modelId="4" srcId="0" destId="1" srcOrd="0" destOrd="0"/>
+        <dgm:cxn modelId="5" srcId="0" destId="2" srcOrd="1" destOrd="0"/>
+        <dgm:cxn modelId="12" srcId="1" destId="11" srcOrd="0" destOrd="0"/>
+        <dgm:cxn modelId="23" srcId="2" destId="21" srcOrd="0" destOrd="0"/>
+      </dgm:cxnLst>
+      <dgm:bg/>
+      <dgm:whole/>
+    </dgm:dataModel>
+  </dgm:sampData>
+  <dgm:styleData>
+    <dgm:dataModel>
+      <dgm:ptLst>
+        <dgm:pt modelId="0" type="doc"/>
+        <dgm:pt modelId="1"/>
+        <dgm:pt modelId="2"/>
+      </dgm:ptLst>
+      <dgm:cxnLst>
+        <dgm:cxn modelId="3" srcId="0" destId="1" srcOrd="0" destOrd="0"/>
+        <dgm:cxn modelId="4" srcId="0" destId="2" srcOrd="1" destOrd="0"/>
+      </dgm:cxnLst>
+      <dgm:bg/>
+      <dgm:whole/>
+    </dgm:dataModel>
+  </dgm:styleData>
+  <dgm:clrData>
+    <dgm:dataModel>
+      <dgm:ptLst>
+        <dgm:pt modelId="0" type="doc"/>
+        <dgm:pt modelId="1"/>
+        <dgm:pt modelId="2"/>
+        <dgm:pt modelId="3"/>
+        <dgm:pt modelId="4"/>
+      </dgm:ptLst>
+      <dgm:cxnLst>
+        <dgm:cxn modelId="5" srcId="0" destId="1" srcOrd="0" destOrd="0"/>
+        <dgm:cxn modelId="6" srcId="0" destId="2" srcOrd="1" destOrd="0"/>
+        <dgm:cxn modelId="7" srcId="0" destId="3" srcOrd="2" destOrd="0"/>
+        <dgm:cxn modelId="8" srcId="0" destId="4" srcOrd="3" destOrd="0"/>
+      </dgm:cxnLst>
+      <dgm:bg/>
+      <dgm:whole/>
+    </dgm:dataModel>
+  </dgm:clrData>
+  <dgm:layoutNode name="linear">
+    <dgm:varLst>
+      <dgm:animLvl val="lvl"/>
+      <dgm:resizeHandles val="exact"/>
+    </dgm:varLst>
+    <dgm:alg type="lin">
+      <dgm:param type="linDir" val="fromT"/>
+      <dgm:param type="vertAlign" val="mid"/>
+    </dgm:alg>
+    <dgm:shape xmlns:r="http://schemas.openxmlformats.org/officeDocument/2006/relationships" r:blip="">
+      <dgm:adjLst/>
+    </dgm:shape>
+    <dgm:presOf/>
+    <dgm:constrLst>
+      <dgm:constr type="w" for="ch" forName="parentText" refType="w"/>
+      <dgm:constr type="h" for="ch" forName="parentText" refType="primFontSz" refFor="ch" refForName="parentText" fact="0.52"/>
+      <dgm:constr type="w" for="ch" forName="childText" refType="w"/>
+      <dgm:constr type="h" for="ch" forName="childText" refType="primFontSz" refFor="ch" refForName="parentText" fact="0.46"/>
+      <dgm:constr type="h" for="ch" forName="parentText" op="equ"/>
+      <dgm:constr type="primFontSz" for="ch" forName="parentText" op="equ" val="65"/>
+      <dgm:constr type="primFontSz" for="ch" forName="childText" refType="primFontSz" refFor="ch" refForName="parentText" op="equ"/>
+      <dgm:constr type="h" for="ch" forName="spacer" refType="primFontSz" refFor="ch" refForName="parentText" fact="0.08"/>
+    </dgm:constrLst>
+    <dgm:ruleLst>
+      <dgm:rule type="primFontSz" for="ch" forName="parentText" val="5" fact="NaN" max="NaN"/>
+    </dgm:ruleLst>
+    <dgm:forEach name="Name0" axis="ch" ptType="node">
+      <dgm:layoutNode name="parentText" styleLbl="node1">
+        <dgm:varLst>
+          <dgm:chMax val="0"/>
+          <dgm:bulletEnabled val="1"/>
+        </dgm:varLst>
+        <dgm:alg type="tx">
+          <dgm:param type="parTxLTRAlign" val="l"/>
+          <dgm:param type="parTxRTLAlign" val="r"/>
+        </dgm:alg>
+        <dgm:shape xmlns:r="http://schemas.openxmlformats.org/officeDocument/2006/relationships" type="roundRect" r:blip="">
+          <dgm:adjLst/>
+        </dgm:shape>
+        <dgm:presOf axis="self"/>
+        <dgm:constrLst>
+          <dgm:constr type="tMarg" refType="primFontSz" fact="0.3"/>
+          <dgm:constr type="bMarg" refType="primFontSz" fact="0.3"/>
+          <dgm:constr type="lMarg" refType="primFontSz" fact="0.3"/>
+          <dgm:constr type="rMarg" refType="primFontSz" fact="0.3"/>
+        </dgm:constrLst>
+        <dgm:ruleLst>
+          <dgm:rule type="h" val="INF" fact="NaN" max="NaN"/>
+        </dgm:ruleLst>
+      </dgm:layoutNode>
+      <dgm:choose name="Name1">
+        <dgm:if name="Name2" axis="ch" ptType="node" func="cnt" op="gte" val="1">
+          <dgm:layoutNode name="childText" styleLbl="revTx">
+            <dgm:varLst>
+              <dgm:bulletEnabled val="1"/>
+            </dgm:varLst>
+            <dgm:alg type="tx">
+              <dgm:param type="stBulletLvl" val="1"/>
+              <dgm:param type="lnSpAfChP" val="20"/>
+            </dgm:alg>
+            <dgm:shape xmlns:r="http://schemas.openxmlformats.org/officeDocument/2006/relationships" type="rect" r:blip="">
+              <dgm:adjLst/>
+            </dgm:shape>
+            <dgm:presOf axis="des" ptType="node"/>
+            <dgm:constrLst>
+              <dgm:constr type="tMarg" refType="primFontSz" fact="0.1"/>
+              <dgm:constr type="bMarg" refType="primFontSz" fact="0.1"/>
+              <dgm:constr type="lMarg" refType="w" fact="0.09"/>
+            </dgm:constrLst>
+            <dgm:ruleLst>
+              <dgm:rule type="h" val="INF" fact="NaN" max="NaN"/>
+            </dgm:ruleLst>
+          </dgm:layoutNode>
+        </dgm:if>
+        <dgm:else name="Name3">
+          <dgm:choose name="Name4">
+            <dgm:if name="Name5" axis="par ch" ptType="doc node" func="cnt" op="gte" val="2">
+              <dgm:forEach name="Name6" axis="followSib" ptType="sibTrans" cnt="1">
+                <dgm:layoutNode name="spacer">
+                  <dgm:alg type="sp"/>
+                  <dgm:shape xmlns:r="http://schemas.openxmlformats.org/officeDocument/2006/relationships" r:blip="">
+                    <dgm:adjLst/>
+                  </dgm:shape>
+                  <dgm:presOf/>
+                  <dgm:constrLst/>
+                  <dgm:ruleLst/>
+                </dgm:layoutNode>
+              </dgm:forEach>
+            </dgm:if>
+            <dgm:else name="Name7"/>
+          </dgm:choose>
+        </dgm:else>
+      </dgm:choose>
+    </dgm:forEach>
+  </dgm:layoutNode>
+</dgm:layoutDef>
+</file>
+
 <file path=ppt/diagrams/quickStyle1.xml><?xml version="1.0" encoding="utf-8"?>
+<dgm:styleDef xmlns:dgm="http://schemas.openxmlformats.org/drawingml/2006/diagram" xmlns:a="http://schemas.openxmlformats.org/drawingml/2006/main" uniqueId="urn:microsoft.com/office/officeart/2005/8/quickstyle/simple1">
+  <dgm:title val=""/>
+  <dgm:desc val=""/>
+  <dgm:catLst>
+    <dgm:cat type="simple" pri="10100"/>
+  </dgm:catLst>
+  <dgm:scene3d>
+    <a:camera prst="orthographicFront"/>
+    <a:lightRig rig="threePt" dir="t"/>
+  </dgm:scene3d>
+  <dgm:styleLbl name="node0">
+    <dgm:scene3d>
+      <a:camera prst="orthographicFront"/>
+      <a:lightRig rig="threePt" dir="t"/>
+    </dgm:scene3d>
+    <dgm:sp3d/>
+    <dgm:txPr/>
+    <dgm:style>
+      <a:lnRef idx="2">
+        <a:scrgbClr r="0" g="0" b="0"/>
+      </a:lnRef>
+      <a:fillRef idx="1">
+        <a:scrgbClr r="0" g="0" b="0"/>
+      </a:fillRef>
+      <a:effectRef idx="0">
+        <a:scrgbClr r="0" g="0" b="0"/>
+      </a:effectRef>
+      <a:fontRef idx="minor">
+        <a:schemeClr val="lt1"/>
+      </a:fontRef>
+    </dgm:style>
+  </dgm:styleLbl>
+  <dgm:styleLbl name="lnNode1">
+    <dgm:scene3d>
+      <a:camera prst="orthographicFront"/>
+      <a:lightRig rig="threePt" dir="t"/>
+    </dgm:scene3d>
+    <dgm:sp3d/>
+    <dgm:txPr/>
+    <dgm:style>
+      <a:lnRef idx="2">
+        <a:scrgbClr r="0" g="0" b="0"/>
+      </a:lnRef>
+      <a:fillRef idx="1">
+        <a:scrgbClr r="0" g="0" b="0"/>
+      </a:fillRef>
+      <a:effectRef idx="0">
+        <a:scrgbClr r="0" g="0" b="0"/>
+      </a:effectRef>
+      <a:fontRef idx="minor">
+        <a:schemeClr val="lt1"/>
+      </a:fontRef>
+    </dgm:style>
+  </dgm:styleLbl>
+  <dgm:styleLbl name="vennNode1">
+    <dgm:scene3d>
+      <a:camera prst="orthographicFront"/>
+      <a:lightRig rig="threePt" dir="t"/>
+    </dgm:scene3d>
+    <dgm:sp3d/>
+    <dgm:txPr/>
+    <dgm:style>
+      <a:lnRef idx="2">
+        <a:scrgbClr r="0" g="0" b="0"/>
+      </a:lnRef>
+      <a:fillRef idx="1">
+        <a:scrgbClr r="0" g="0" b="0"/>
+      </a:fillRef>
+      <a:effectRef idx="0">
+        <a:scrgbClr r="0" g="0" b="0"/>
+      </a:effectRef>
+      <a:fontRef idx="minor">
+        <a:schemeClr val="tx1"/>
+      </a:fontRef>
+    </dgm:style>
+  </dgm:styleLbl>
+  <dgm:styleLbl name="alignNode1">
+    <dgm:scene3d>
+      <a:camera prst="orthographicFront"/>
+      <a:lightRig rig="threePt" dir="t"/>
+    </dgm:scene3d>
+    <dgm:sp3d/>
+    <dgm:txPr/>
+    <dgm:style>
+      <a:lnRef idx="2">
+        <a:scrgbClr r="0" g="0" b="0"/>
+      </a:lnRef>
+      <a:fillRef idx="1">
+        <a:scrgbClr r="0" g="0" b="0"/>
+      </a:fillRef>
+      <a:effectRef idx="0">
+        <a:scrgbClr r="0" g="0" b="0"/>
+      </a:effectRef>
+      <a:fontRef idx="minor">
+        <a:schemeClr val="lt1"/>
+      </a:fontRef>
+    </dgm:style>
+  </dgm:styleLbl>
+  <dgm:styleLbl name="node1">
+    <dgm:scene3d>
+      <a:camera prst="orthographicFront"/>
+      <a:lightRig rig="threePt" dir="t"/>
+    </dgm:scene3d>
+    <dgm:sp3d/>
+    <dgm:txPr/>
+    <dgm:style>
+      <a:lnRef idx="2">
+        <a:scrgbClr r="0" g="0" b="0"/>
+      </a:lnRef>
+      <a:fillRef idx="1">
+        <a:scrgbClr r="0" g="0" b="0"/>
+      </a:fillRef>
+      <a:effectRef idx="0">
+        <a:scrgbClr r="0" g="0" b="0"/>
+      </a:effectRef>
+      <a:fontRef idx="minor">
+        <a:schemeClr val="lt1"/>
+      </a:fontRef>
+    </dgm:style>
+  </dgm:styleLbl>
+  <dgm:styleLbl name="node2">
+    <dgm:scene3d>
+      <a:camera prst="orthographicFront"/>
+      <a:lightRig rig="threePt" dir="t"/>
+    </dgm:scene3d>
+    <dgm:sp3d/>
+    <dgm:txPr/>
+    <dgm:style>
+      <a:lnRef idx="2">
+        <a:scrgbClr r="0" g="0" b="0"/>
+      </a:lnRef>
+      <a:fillRef idx="1">
+        <a:scrgbClr r="0" g="0" b="0"/>
+      </a:fillRef>
+      <a:effectRef idx="0">
+        <a:scrgbClr r="0" g="0" b="0"/>
+      </a:effectRef>
+      <a:fontRef idx="minor">
+        <a:schemeClr val="lt1"/>
+      </a:fontRef>
+    </dgm:style>
+  </dgm:styleLbl>
+  <dgm:styleLbl name="node3">
+    <dgm:scene3d>
+      <a:camera prst="orthographicFront"/>
+      <a:lightRig rig="threePt" dir="t"/>
+    </dgm:scene3d>
+    <dgm:sp3d/>
+    <dgm:txPr/>
+    <dgm:style>
+      <a:lnRef idx="2">
+        <a:scrgbClr r="0" g="0" b="0"/>
+      </a:lnRef>
+      <a:fillRef idx="1">
+        <a:scrgbClr r="0" g="0" b="0"/>
+      </a:fillRef>
+      <a:effectRef idx="0">
+        <a:scrgbClr r="0" g="0" b="0"/>
+      </a:effectRef>
+      <a:fontRef idx="minor">
+        <a:schemeClr val="lt1"/>
+      </a:fontRef>
+    </dgm:style>
+  </dgm:styleLbl>
+  <dgm:styleLbl name="node4">
+    <dgm:scene3d>
+      <a:camera prst="orthographicFront"/>
+      <a:lightRig rig="threePt" dir="t"/>
+    </dgm:scene3d>
+    <dgm:sp3d/>
+    <dgm:txPr/>
+    <dgm:style>
+      <a:lnRef idx="2">
+        <a:scrgbClr r="0" g="0" b="0"/>
+      </a:lnRef>
+      <a:fillRef idx="1">
+        <a:scrgbClr r="0" g="0" b="0"/>
+      </a:fillRef>
+      <a:effectRef idx="0">
+        <a:scrgbClr r="0" g="0" b="0"/>
+      </a:effectRef>
+      <a:fontRef idx="minor">
+        <a:schemeClr val="lt1"/>
+      </a:fontRef>
+    </dgm:style>
+  </dgm:styleLbl>
+  <dgm:styleLbl name="fgImgPlace1">
+    <dgm:scene3d>
+      <a:camera prst="orthographicFront"/>
+      <a:lightRig rig="threePt" dir="t"/>
+    </dgm:scene3d>
+    <dgm:sp3d/>
+    <dgm:txPr/>
+    <dgm:style>
+      <a:lnRef idx="2">
+        <a:scrgbClr r="0" g="0" b="0"/>
+      </a:lnRef>
+      <a:fillRef idx="1">
+        <a:scrgbClr r="0" g="0" b="0"/>
+      </a:fillRef>
+      <a:effectRef idx="0">
+        <a:scrgbClr r="0" g="0" b="0"/>
+      </a:effectRef>
+      <a:fontRef idx="minor"/>
+    </dgm:style>
+  </dgm:styleLbl>
+  <dgm:styleLbl name="alignImgPlace1">
+    <dgm:scene3d>
+      <a:camera prst="orthographicFront"/>
+      <a:lightRig rig="threePt" dir="t"/>
+    </dgm:scene3d>
+    <dgm:sp3d/>
+    <dgm:txPr/>
+    <dgm:style>
+      <a:lnRef idx="2">
+        <a:scrgbClr r="0" g="0" b="0"/>
+      </a:lnRef>
+      <a:fillRef idx="1">
+        <a:scrgbClr r="0" g="0" b="0"/>
+      </a:fillRef>
+      <a:effectRef idx="0">
+        <a:scrgbClr r="0" g="0" b="0"/>
+      </a:effectRef>
+      <a:fontRef idx="minor"/>
+    </dgm:style>
+  </dgm:styleLbl>
+  <dgm:styleLbl name="bgImgPlace1">
+    <dgm:scene3d>
+      <a:camera prst="orthographicFront"/>
+      <a:lightRig rig="threePt" dir="t"/>
+    </dgm:scene3d>
+    <dgm:sp3d/>
+    <dgm:txPr/>
+    <dgm:style>
+      <a:lnRef idx="2">
+        <a:scrgbClr r="0" g="0" b="0"/>
+      </a:lnRef>
+      <a:fillRef idx="1">
+        <a:scrgbClr r="0" g="0" b="0"/>
+      </a:fillRef>
+      <a:effectRef idx="0">
+        <a:scrgbClr r="0" g="0" b="0"/>
+      </a:effectRef>
+      <a:fontRef idx="minor"/>
+    </dgm:style>
+  </dgm:styleLbl>
+  <dgm:styleLbl name="sibTrans2D1">
+    <dgm:scene3d>
+      <a:camera prst="orthographicFront"/>
+      <a:lightRig rig="threePt" dir="t"/>
+    </dgm:scene3d>
+    <dgm:sp3d/>
+    <dgm:txPr/>
+    <dgm:style>
+      <a:lnRef idx="0">
+        <a:scrgbClr r="0" g="0" b="0"/>
+      </a:lnRef>
+      <a:fillRef idx="1">
+        <a:scrgbClr r="0" g="0" b="0"/>
+      </a:fillRef>
+      <a:effectRef idx="0">
+        <a:scrgbClr r="0" g="0" b="0"/>
+      </a:effectRef>
+      <a:fontRef idx="minor">
+        <a:schemeClr val="lt1"/>
+      </a:fontRef>
+    </dgm:style>
+  </dgm:styleLbl>
+  <dgm:styleLbl name="fgSibTrans2D1">
+    <dgm:scene3d>
+      <a:camera prst="orthographicFront"/>
+      <a:lightRig rig="threePt" dir="t"/>
+    </dgm:scene3d>
+    <dgm:sp3d/>
+    <dgm:txPr/>
+    <dgm:style>
+      <a:lnRef idx="0">
+        <a:scrgbClr r="0" g="0" b="0"/>
+      </a:lnRef>
+      <a:fillRef idx="1">
+        <a:scrgbClr r="0" g="0" b="0"/>
+      </a:fillRef>
+      <a:effectRef idx="0">
+        <a:scrgbClr r="0" g="0" b="0"/>
+      </a:effectRef>
+      <a:fontRef idx="minor">
+        <a:schemeClr val="lt1"/>
+      </a:fontRef>
+    </dgm:style>
+  </dgm:styleLbl>
+  <dgm:styleLbl name="bgSibTrans2D1">
+    <dgm:scene3d>
+      <a:camera prst="orthographicFront"/>
+      <a:lightRig rig="threePt" dir="t"/>
+    </dgm:scene3d>
+    <dgm:sp3d/>
+    <dgm:txPr/>
+    <dgm:style>
+      <a:lnRef idx="0">
+        <a:scrgbClr r="0" g="0" b="0"/>
+      </a:lnRef>
+      <a:fillRef idx="1">
+        <a:scrgbClr r="0" g="0" b="0"/>
+      </a:fillRef>
+      <a:effectRef idx="0">
+        <a:scrgbClr r="0" g="0" b="0"/>
+      </a:effectRef>
+      <a:fontRef idx="minor">
+        <a:schemeClr val="lt1"/>
+      </a:fontRef>
+    </dgm:style>
+  </dgm:styleLbl>
+  <dgm:styleLbl name="sibTrans1D1">
+    <dgm:scene3d>
+      <a:camera prst="orthographicFront"/>
+      <a:lightRig rig="threePt" dir="t"/>
+    </dgm:scene3d>
+    <dgm:sp3d/>
+    <dgm:txPr/>
+    <dgm:style>
+      <a:lnRef idx="1">
+        <a:scrgbClr r="0" g="0" b="0"/>
+      </a:lnRef>
+      <a:fillRef idx="0">
+        <a:scrgbClr r="0" g="0" b="0"/>
+      </a:fillRef>
+      <a:effectRef idx="0">
+        <a:scrgbClr r="0" g="0" b="0"/>
+      </a:effectRef>
+      <a:fontRef idx="minor"/>
+    </dgm:style>
+  </dgm:styleLbl>
+  <dgm:styleLbl name="callout">
+    <dgm:scene3d>
+      <a:camera prst="orthographicFront"/>
+      <a:lightRig rig="threePt" dir="t"/>
+    </dgm:scene3d>
+    <dgm:sp3d/>
+    <dgm:txPr/>
+    <dgm:style>
+      <a:lnRef idx="2">
+        <a:scrgbClr r="0" g="0" b="0"/>
+      </a:lnRef>
+      <a:fillRef idx="1">
+        <a:scrgbClr r="0" g="0" b="0"/>
+      </a:fillRef>
+      <a:effectRef idx="0">
+        <a:scrgbClr r="0" g="0" b="0"/>
+      </a:effectRef>
+      <a:fontRef idx="minor"/>
+    </dgm:style>
+  </dgm:styleLbl>
+  <dgm:styleLbl name="asst0">
+    <dgm:scene3d>
+      <a:camera prst="orthographicFront"/>
+      <a:lightRig rig="threePt" dir="t"/>
+    </dgm:scene3d>
+    <dgm:sp3d/>
+    <dgm:txPr/>
+    <dgm:style>
+      <a:lnRef idx="2">
+        <a:scrgbClr r="0" g="0" b="0"/>
+      </a:lnRef>
+      <a:fillRef idx="1">
+        <a:scrgbClr r="0" g="0" b="0"/>
+      </a:fillRef>
+      <a:effectRef idx="0">
+        <a:scrgbClr r="0" g="0" b="0"/>
+      </a:effectRef>
+      <a:fontRef idx="minor">
+        <a:schemeClr val="lt1"/>
+      </a:fontRef>
+    </dgm:style>
+  </dgm:styleLbl>
+  <dgm:styleLbl name="asst1">
+    <dgm:scene3d>
+      <a:camera prst="orthographicFront"/>
+      <a:lightRig rig="threePt" dir="t"/>
+    </dgm:scene3d>
+    <dgm:sp3d/>
+    <dgm:txPr/>
+    <dgm:style>
+      <a:lnRef idx="2">
+        <a:scrgbClr r="0" g="0" b="0"/>
+      </a:lnRef>
+      <a:fillRef idx="1">
+        <a:scrgbClr r="0" g="0" b="0"/>
+      </a:fillRef>
+      <a:effectRef idx="0">
+        <a:scrgbClr r="0" g="0" b="0"/>
+      </a:effectRef>
+      <a:fontRef idx="minor">
+        <a:schemeClr val="lt1"/>
+      </a:fontRef>
+    </dgm:style>
+  </dgm:styleLbl>
+  <dgm:styleLbl name="asst2">
+    <dgm:scene3d>
+      <a:camera prst="orthographicFront"/>
+      <a:lightRig rig="threePt" dir="t"/>
+    </dgm:scene3d>
+    <dgm:sp3d/>
+    <dgm:txPr/>
+    <dgm:style>
+      <a:lnRef idx="2">
+        <a:scrgbClr r="0" g="0" b="0"/>
+      </a:lnRef>
+      <a:fillRef idx="1">
+        <a:scrgbClr r="0" g="0" b="0"/>
+      </a:fillRef>
+      <a:effectRef idx="0">
+        <a:scrgbClr r="0" g="0" b="0"/>
+      </a:effectRef>
+      <a:fontRef idx="minor">
+        <a:schemeClr val="lt1"/>
+      </a:fontRef>
+    </dgm:style>
+  </dgm:styleLbl>
+  <dgm:styleLbl name="asst3">
+    <dgm:scene3d>
+      <a:camera prst="orthographicFront"/>
+      <a:lightRig rig="threePt" dir="t"/>
+    </dgm:scene3d>
+    <dgm:sp3d/>
+    <dgm:txPr/>
+    <dgm:style>
+      <a:lnRef idx="2">
+        <a:scrgbClr r="0" g="0" b="0"/>
+      </a:lnRef>
+      <a:fillRef idx="1">
+        <a:scrgbClr r="0" g="0" b="0"/>
+      </a:fillRef>
+      <a:effectRef idx="0">
+        <a:scrgbClr r="0" g="0" b="0"/>
+      </a:effectRef>
+      <a:fontRef idx="minor">
+        <a:schemeClr val="lt1"/>
+      </a:fontRef>
+    </dgm:style>
+  </dgm:styleLbl>
+  <dgm:styleLbl name="asst4">
+    <dgm:scene3d>
+      <a:camera prst="orthographicFront"/>
+      <a:lightRig rig="threePt" dir="t"/>
+    </dgm:scene3d>
+    <dgm:sp3d/>
+    <dgm:txPr/>
+    <dgm:style>
+      <a:lnRef idx="2">
+        <a:scrgbClr r="0" g="0" b="0"/>
+      </a:lnRef>
+      <a:fillRef idx="1">
+        <a:scrgbClr r="0" g="0" b="0"/>
+      </a:fillRef>
+      <a:effectRef idx="0">
+        <a:scrgbClr r="0" g="0" b="0"/>
+      </a:effectRef>
+      <a:fontRef idx="minor">
+        <a:schemeClr val="lt1"/>
+      </a:fontRef>
+    </dgm:style>
+  </dgm:styleLbl>
+  <dgm:styleLbl name="parChTrans2D1">
+    <dgm:scene3d>
+      <a:camera prst="orthographicFront"/>
+      <a:lightRig rig="threePt" dir="t"/>
+    </dgm:scene3d>
+    <dgm:sp3d/>
+    <dgm:txPr/>
+    <dgm:style>
+      <a:lnRef idx="2">
+        <a:scrgbClr r="0" g="0" b="0"/>
+      </a:lnRef>
+      <a:fillRef idx="1">
+        <a:scrgbClr r="0" g="0" b="0"/>
+      </a:fillRef>
+      <a:effectRef idx="0">
+        <a:scrgbClr r="0" g="0" b="0"/>
+      </a:effectRef>
+      <a:fontRef idx="minor">
+        <a:schemeClr val="lt1"/>
+      </a:fontRef>
+    </dgm:style>
+  </dgm:styleLbl>
+  <dgm:styleLbl name="parChTrans2D2">
+    <dgm:scene3d>
+      <a:camera prst="orthographicFront"/>
+      <a:lightRig rig="threePt" dir="t"/>
+    </dgm:scene3d>
+    <dgm:sp3d/>
+    <dgm:txPr/>
+    <dgm:style>
+      <a:lnRef idx="2">
+        <a:scrgbClr r="0" g="0" b="0"/>
+      </a:lnRef>
+      <a:fillRef idx="1">
+        <a:scrgbClr r="0" g="0" b="0"/>
+      </a:fillRef>
+      <a:effectRef idx="0">
+        <a:scrgbClr r="0" g="0" b="0"/>
+      </a:effectRef>
+      <a:fontRef idx="minor">
+        <a:schemeClr val="lt1"/>
+      </a:fontRef>
+    </dgm:style>
+  </dgm:styleLbl>
+  <dgm:styleLbl name="parChTrans2D3">
+    <dgm:scene3d>
+      <a:camera prst="orthographicFront"/>
+      <a:lightRig rig="threePt" dir="t"/>
+    </dgm:scene3d>
+    <dgm:sp3d/>
+    <dgm:txPr/>
+    <dgm:style>
+      <a:lnRef idx="2">
+        <a:scrgbClr r="0" g="0" b="0"/>
+      </a:lnRef>
+      <a:fillRef idx="1">
+        <a:scrgbClr r="0" g="0" b="0"/>
+      </a:fillRef>
+      <a:effectRef idx="0">
+        <a:scrgbClr r="0" g="0" b="0"/>
+      </a:effectRef>
+      <a:fontRef idx="minor">
+        <a:schemeClr val="lt1"/>
+      </a:fontRef>
+    </dgm:style>
+  </dgm:styleLbl>
+  <dgm:styleLbl name="parChTrans2D4">
+    <dgm:scene3d>
+      <a:camera prst="orthographicFront"/>
+      <a:lightRig rig="threePt" dir="t"/>
+    </dgm:scene3d>
+    <dgm:sp3d/>
+    <dgm:txPr/>
+    <dgm:style>
+      <a:lnRef idx="2">
+        <a:scrgbClr r="0" g="0" b="0"/>
+      </a:lnRef>
+      <a:fillRef idx="1">
+        <a:scrgbClr r="0" g="0" b="0"/>
+      </a:fillRef>
+      <a:effectRef idx="0">
+        <a:scrgbClr r="0" g="0" b="0"/>
+      </a:effectRef>
+      <a:fontRef idx="minor">
+        <a:schemeClr val="lt1"/>
+      </a:fontRef>
+    </dgm:style>
+  </dgm:styleLbl>
+  <dgm:styleLbl name="parChTrans1D1">
+    <dgm:scene3d>
+      <a:camera prst="orthographicFront"/>
+      <a:lightRig rig="threePt" dir="t"/>
+    </dgm:scene3d>
+    <dgm:sp3d/>
+    <dgm:txPr/>
+    <dgm:style>
+      <a:lnRef idx="2">
+        <a:scrgbClr r="0" g="0" b="0"/>
+      </a:lnRef>
+      <a:fillRef idx="0">
+        <a:scrgbClr r="0" g="0" b="0"/>
+      </a:fillRef>
+      <a:effectRef idx="0">
+        <a:scrgbClr r="0" g="0" b="0"/>
+      </a:effectRef>
+      <a:fontRef idx="minor"/>
+    </dgm:style>
+  </dgm:styleLbl>
+  <dgm:styleLbl name="parChTrans1D2">
+    <dgm:scene3d>
+      <a:camera prst="orthographicFront"/>
+      <a:lightRig rig="threePt" dir="t"/>
+    </dgm:scene3d>
+    <dgm:sp3d/>
+    <dgm:txPr/>
+    <dgm:style>
+      <a:lnRef idx="2">
+        <a:scrgbClr r="0" g="0" b="0"/>
+      </a:lnRef>
+      <a:fillRef idx="0">
+        <a:scrgbClr r="0" g="0" b="0"/>
+      </a:fillRef>
+      <a:effectRef idx="0">
+        <a:scrgbClr r="0" g="0" b="0"/>
+      </a:effectRef>
+      <a:fontRef idx="minor"/>
+    </dgm:style>
+  </dgm:styleLbl>
+  <dgm:styleLbl name="parChTrans1D3">
+    <dgm:scene3d>
+      <a:camera prst="orthographicFront"/>
+      <a:lightRig rig="threePt" dir="t"/>
+    </dgm:scene3d>
+    <dgm:sp3d/>
+    <dgm:txPr/>
+    <dgm:style>
+      <a:lnRef idx="2">
+        <a:scrgbClr r="0" g="0" b="0"/>
+      </a:lnRef>
+      <a:fillRef idx="0">
+        <a:scrgbClr r="0" g="0" b="0"/>
+      </a:fillRef>
+      <a:effectRef idx="0">
+        <a:scrgbClr r="0" g="0" b="0"/>
+      </a:effectRef>
+      <a:fontRef idx="minor"/>
+    </dgm:style>
+  </dgm:styleLbl>
+  <dgm:styleLbl name="parChTrans1D4">
+    <dgm:scene3d>
+      <a:camera prst="orthographicFront"/>
+      <a:lightRig rig="threePt" dir="t"/>
+    </dgm:scene3d>
+    <dgm:sp3d/>
+    <dgm:txPr/>
+    <dgm:style>
+      <a:lnRef idx="2">
+        <a:scrgbClr r="0" g="0" b="0"/>
+      </a:lnRef>
+      <a:fillRef idx="0">
+        <a:scrgbClr r="0" g="0" b="0"/>
+      </a:fillRef>
+      <a:effectRef idx="0">
+        <a:scrgbClr r="0" g="0" b="0"/>
+      </a:effectRef>
+      <a:fontRef idx="minor"/>
+    </dgm:style>
+  </dgm:styleLbl>
+  <dgm:styleLbl name="fgAcc1">
+    <dgm:scene3d>
+      <a:camera prst="orthographicFront"/>
+      <a:lightRig rig="threePt" dir="t"/>
+    </dgm:scene3d>
+    <dgm:sp3d/>
+    <dgm:txPr/>
+    <dgm:style>
+      <a:lnRef idx="2">
+        <a:scrgbClr r="0" g="0" b="0"/>
+      </a:lnRef>
+      <a:fillRef idx="1">
+        <a:scrgbClr r="0" g="0" b="0"/>
+      </a:fillRef>
+      <a:effectRef idx="0">
+        <a:scrgbClr r="0" g="0" b="0"/>
+      </a:effectRef>
+      <a:fontRef idx="minor"/>
+    </dgm:style>
+  </dgm:styleLbl>
+  <dgm:styleLbl name="conFgAcc1">
+    <dgm:scene3d>
+      <a:camera prst="orthographicFront"/>
+      <a:lightRig rig="threePt" dir="t"/>
+    </dgm:scene3d>
+    <dgm:sp3d/>
+    <dgm:txPr/>
+    <dgm:style>
+      <a:lnRef idx="2">
+        <a:scrgbClr r="0" g="0" b="0"/>
+      </a:lnRef>
+      <a:fillRef idx="1">
+        <a:scrgbClr r="0" g="0" b="0"/>
+      </a:fillRef>
+      <a:effectRef idx="0">
+        <a:scrgbClr r="0" g="0" b="0"/>
+      </a:effectRef>
+      <a:fontRef idx="minor"/>
+    </dgm:style>
+  </dgm:styleLbl>
+  <dgm:styleLbl name="alignAcc1">
+    <dgm:scene3d>
+      <a:camera prst="orthographicFront"/>
+      <a:lightRig rig="threePt" dir="t"/>
+    </dgm:scene3d>
+    <dgm:sp3d/>
+    <dgm:txPr/>
+    <dgm:style>
+      <a:lnRef idx="2">
+        <a:scrgbClr r="0" g="0" b="0"/>
+      </a:lnRef>
+      <a:fillRef idx="1">
+        <a:scrgbClr r="0" g="0" b="0"/>
+      </a:fillRef>
+      <a:effectRef idx="0">
+        <a:scrgbClr r="0" g="0" b="0"/>
+      </a:effectRef>
+      <a:fontRef idx="minor"/>
+    </dgm:style>
+  </dgm:styleLbl>
+  <dgm:styleLbl name="trAlignAcc1">
+    <dgm:scene3d>
+      <a:camera prst="orthographicFront"/>
+      <a:lightRig rig="threePt" dir="t"/>
+    </dgm:scene3d>
+    <dgm:sp3d/>
+    <dgm:txPr/>
+    <dgm:style>
+      <a:lnRef idx="1">
+        <a:scrgbClr r="0" g="0" b="0"/>
+      </a:lnRef>
+      <a:fillRef idx="1">
+        <a:scrgbClr r="0" g="0" b="0"/>
+      </a:fillRef>
+      <a:effectRef idx="0">
+        <a:scrgbClr r="0" g="0" b="0"/>
+      </a:effectRef>
+      <a:fontRef idx="minor"/>
+    </dgm:style>
+  </dgm:styleLbl>
+  <dgm:styleLbl name="bgAcc1">
+    <dgm:scene3d>
+      <a:camera prst="orthographicFront"/>
+      <a:lightRig rig="threePt" dir="t"/>
+    </dgm:scene3d>
+    <dgm:sp3d/>
+    <dgm:txPr/>
+    <dgm:style>
+      <a:lnRef idx="2">
+        <a:scrgbClr r="0" g="0" b="0"/>
+      </a:lnRef>
+      <a:fillRef idx="1">
+        <a:scrgbClr r="0" g="0" b="0"/>
+      </a:fillRef>
+      <a:effectRef idx="0">
+        <a:scrgbClr r="0" g="0" b="0"/>
+      </a:effectRef>
+      <a:fontRef idx="minor"/>
+    </dgm:style>
+  </dgm:styleLbl>
+  <dgm:styleLbl name="solidFgAcc1">
+    <dgm:scene3d>
+      <a:camera prst="orthographicFront"/>
+      <a:lightRig rig="threePt" dir="t"/>
+    </dgm:scene3d>
+    <dgm:sp3d/>
+    <dgm:txPr/>
+    <dgm:style>
+      <a:lnRef idx="2">
+        <a:scrgbClr r="0" g="0" b="0"/>
+      </a:lnRef>
+      <a:fillRef idx="1">
+        <a:scrgbClr r="0" g="0" b="0"/>
+      </a:fillRef>
+      <a:effectRef idx="0">
+        <a:scrgbClr r="0" g="0" b="0"/>
+      </a:effectRef>
+      <a:fontRef idx="minor"/>
+    </dgm:style>
+  </dgm:styleLbl>
+  <dgm:styleLbl name="solidAlignAcc1">
+    <dgm:scene3d>
+      <a:camera prst="orthographicFront"/>
+      <a:lightRig rig="threePt" dir="t"/>
+    </dgm:scene3d>
+    <dgm:sp3d/>
+    <dgm:txPr/>
+    <dgm:style>
+      <a:lnRef idx="2">
+        <a:scrgbClr r="0" g="0" b="0"/>
+      </a:lnRef>
+      <a:fillRef idx="1">
+        <a:scrgbClr r="0" g="0" b="0"/>
+      </a:fillRef>
+      <a:effectRef idx="0">
+        <a:scrgbClr r="0" g="0" b="0"/>
+      </a:effectRef>
+      <a:fontRef idx="minor"/>
+    </dgm:style>
+  </dgm:styleLbl>
+  <dgm:styleLbl name="solidBgAcc1">
+    <dgm:scene3d>
+      <a:camera prst="orthographicFront"/>
+      <a:lightRig rig="threePt" dir="t"/>
+    </dgm:scene3d>
+    <dgm:sp3d/>
+    <dgm:txPr/>
+    <dgm:style>
+      <a:lnRef idx="2">
+        <a:scrgbClr r="0" g="0" b="0"/>
+      </a:lnRef>
+      <a:fillRef idx="1">
+        <a:scrgbClr r="0" g="0" b="0"/>
+      </a:fillRef>
+      <a:effectRef idx="0">
+        <a:scrgbClr r="0" g="0" b="0"/>
+      </a:effectRef>
+      <a:fontRef idx="minor"/>
+    </dgm:style>
+  </dgm:styleLbl>
+  <dgm:styleLbl name="fgAccFollowNode1">
+    <dgm:scene3d>
+      <a:camera prst="orthographicFront"/>
+      <a:lightRig rig="threePt" dir="t"/>
+    </dgm:scene3d>
+    <dgm:sp3d/>
+    <dgm:txPr/>
+    <dgm:style>
+      <a:lnRef idx="2">
+        <a:scrgbClr r="0" g="0" b="0"/>
+      </a:lnRef>
+      <a:fillRef idx="1">
+        <a:scrgbClr r="0" g="0" b="0"/>
+      </a:fillRef>
+      <a:effectRef idx="0">
+        <a:scrgbClr r="0" g="0" b="0"/>
+      </a:effectRef>
+      <a:fontRef idx="minor"/>
+    </dgm:style>
+  </dgm:styleLbl>
+  <dgm:styleLbl name="alignAccFollowNode1">
+    <dgm:scene3d>
+      <a:camera prst="orthographicFront"/>
+      <a:lightRig rig="threePt" dir="t"/>
+    </dgm:scene3d>
+    <dgm:sp3d/>
+    <dgm:txPr/>
+    <dgm:style>
+      <a:lnRef idx="2">
+        <a:scrgbClr r="0" g="0" b="0"/>
+      </a:lnRef>
+      <a:fillRef idx="1">
+        <a:scrgbClr r="0" g="0" b="0"/>
+      </a:fillRef>
+      <a:effectRef idx="0">
+        <a:scrgbClr r="0" g="0" b="0"/>
+      </a:effectRef>
+      <a:fontRef idx="minor"/>
+    </dgm:style>
+  </dgm:styleLbl>
+  <dgm:styleLbl name="bgAccFollowNode1">
+    <dgm:scene3d>
+      <a:camera prst="orthographicFront"/>
+      <a:lightRig rig="threePt" dir="t"/>
+    </dgm:scene3d>
+    <dgm:sp3d/>
+    <dgm:txPr/>
+    <dgm:style>
+      <a:lnRef idx="2">
+        <a:scrgbClr r="0" g="0" b="0"/>
+      </a:lnRef>
+      <a:fillRef idx="1">
+        <a:scrgbClr r="0" g="0" b="0"/>
+      </a:fillRef>
+      <a:effectRef idx="0">
+        <a:scrgbClr r="0" g="0" b="0"/>
+      </a:effectRef>
+      <a:fontRef idx="minor"/>
+    </dgm:style>
+  </dgm:styleLbl>
+  <dgm:styleLbl name="fgAcc0">
+    <dgm:scene3d>
+      <a:camera prst="orthographicFront"/>
+      <a:lightRig rig="threePt" dir="t"/>
+    </dgm:scene3d>
+    <dgm:sp3d/>
+    <dgm:txPr/>
+    <dgm:style>
+      <a:lnRef idx="2">
+        <a:scrgbClr r="0" g="0" b="0"/>
+      </a:lnRef>
+      <a:fillRef idx="1">
+        <a:scrgbClr r="0" g="0" b="0"/>
+      </a:fillRef>
+      <a:effectRef idx="0">
+        <a:scrgbClr r="0" g="0" b="0"/>
+      </a:effectRef>
+      <a:fontRef idx="minor"/>
+    </dgm:style>
+  </dgm:styleLbl>
+  <dgm:styleLbl name="fgAcc2">
+    <dgm:scene3d>
+      <a:camera prst="orthographicFront"/>
+      <a:lightRig rig="threePt" dir="t"/>
+    </dgm:scene3d>
+    <dgm:sp3d/>
+    <dgm:txPr/>
+    <dgm:style>
+      <a:lnRef idx="2">
+        <a:scrgbClr r="0" g="0" b="0"/>
+      </a:lnRef>
+      <a:fillRef idx="1">
+        <a:scrgbClr r="0" g="0" b="0"/>
+      </a:fillRef>
+      <a:effectRef idx="0">
+        <a:scrgbClr r="0" g="0" b="0"/>
+      </a:effectRef>
+      <a:fontRef idx="minor"/>
+    </dgm:style>
+  </dgm:styleLbl>
+  <dgm:styleLbl name="fgAcc3">
+    <dgm:scene3d>
+      <a:camera prst="orthographicFront"/>
+      <a:lightRig rig="threePt" dir="t"/>
+    </dgm:scene3d>
+    <dgm:sp3d/>
+    <dgm:txPr/>
+    <dgm:style>
+      <a:lnRef idx="2">
+        <a:scrgbClr r="0" g="0" b="0"/>
+      </a:lnRef>
+      <a:fillRef idx="1">
+        <a:scrgbClr r="0" g="0" b="0"/>
+      </a:fillRef>
+      <a:effectRef idx="0">
+        <a:scrgbClr r="0" g="0" b="0"/>
+      </a:effectRef>
+      <a:fontRef idx="minor"/>
+    </dgm:style>
+  </dgm:styleLbl>
+  <dgm:styleLbl name="fgAcc4">
+    <dgm:scene3d>
+      <a:camera prst="orthographicFront"/>
+      <a:lightRig rig="threePt" dir="t"/>
+    </dgm:scene3d>
+    <dgm:sp3d/>
+    <dgm:txPr/>
+    <dgm:style>
+      <a:lnRef idx="2">
+        <a:scrgbClr r="0" g="0" b="0"/>
+      </a:lnRef>
+      <a:fillRef idx="1">
+        <a:scrgbClr r="0" g="0" b="0"/>
+      </a:fillRef>
+      <a:effectRef idx="0">
+        <a:scrgbClr r="0" g="0" b="0"/>
+      </a:effectRef>
+      <a:fontRef idx="minor"/>
+    </dgm:style>
+  </dgm:styleLbl>
+  <dgm:styleLbl name="bgShp">
+    <dgm:scene3d>
+      <a:camera prst="orthographicFront"/>
+      <a:lightRig rig="threePt" dir="t"/>
+    </dgm:scene3d>
+    <dgm:sp3d/>
+    <dgm:txPr/>
+    <dgm:style>
+      <a:lnRef idx="0">
+        <a:scrgbClr r="0" g="0" b="0"/>
+      </a:lnRef>
+      <a:fillRef idx="1">
+        <a:scrgbClr r="0" g="0" b="0"/>
+      </a:fillRef>
+      <a:effectRef idx="0">
+        <a:scrgbClr r="0" g="0" b="0"/>
+      </a:effectRef>
+      <a:fontRef idx="minor"/>
+    </dgm:style>
+  </dgm:styleLbl>
+  <dgm:styleLbl name="dkBgShp">
+    <dgm:scene3d>
+      <a:camera prst="orthographicFront"/>
+      <a:lightRig rig="threePt" dir="t"/>
+    </dgm:scene3d>
+    <dgm:sp3d/>
+    <dgm:txPr/>
+    <dgm:style>
+      <a:lnRef idx="0">
+        <a:scrgbClr r="0" g="0" b="0"/>
+      </a:lnRef>
+      <a:fillRef idx="1">
+        <a:scrgbClr r="0" g="0" b="0"/>
+      </a:fillRef>
+      <a:effectRef idx="0">
+        <a:scrgbClr r="0" g="0" b="0"/>
+      </a:effectRef>
+      <a:fontRef idx="minor"/>
+    </dgm:style>
+  </dgm:styleLbl>
+  <dgm:styleLbl name="trBgShp">
+    <dgm:scene3d>
+      <a:camera prst="orthographicFront"/>
+      <a:lightRig rig="threePt" dir="t"/>
+    </dgm:scene3d>
+    <dgm:sp3d/>
+    <dgm:txPr/>
+    <dgm:style>
+      <a:lnRef idx="0">
+        <a:scrgbClr r="0" g="0" b="0"/>
+      </a:lnRef>
+      <a:fillRef idx="1">
+        <a:scrgbClr r="0" g="0" b="0"/>
+      </a:fillRef>
+      <a:effectRef idx="0">
+        <a:scrgbClr r="0" g="0" b="0"/>
+      </a:effectRef>
+      <a:fontRef idx="minor"/>
+    </dgm:style>
+  </dgm:styleLbl>
+  <dgm:styleLbl name="fgShp">
+    <dgm:scene3d>
+      <a:camera prst="orthographicFront"/>
+      <a:lightRig rig="threePt" dir="t"/>
+    </dgm:scene3d>
+    <dgm:sp3d/>
+    <dgm:txPr/>
+    <dgm:style>
+      <a:lnRef idx="2">
+        <a:scrgbClr r="0" g="0" b="0"/>
+      </a:lnRef>
+      <a:fillRef idx="1">
+        <a:scrgbClr r="0" g="0" b="0"/>
+      </a:fillRef>
+      <a:effectRef idx="0">
+        <a:scrgbClr r="0" g="0" b="0"/>
+      </a:effectRef>
+      <a:fontRef idx="minor"/>
+    </dgm:style>
+  </dgm:styleLbl>
+  <dgm:styleLbl name="revTx">
+    <dgm:scene3d>
+      <a:camera prst="orthographicFront"/>
+      <a:lightRig rig="threePt" dir="t"/>
+    </dgm:scene3d>
+    <dgm:sp3d/>
+    <dgm:txPr/>
+    <dgm:style>
+      <a:lnRef idx="0">
+        <a:scrgbClr r="0" g="0" b="0"/>
+      </a:lnRef>
+      <a:fillRef idx="0">
+        <a:scrgbClr r="0" g="0" b="0"/>
+      </a:fillRef>
+      <a:effectRef idx="0">
+        <a:scrgbClr r="0" g="0" b="0"/>
+      </a:effectRef>
+      <a:fontRef idx="minor"/>
+    </dgm:style>
+  </dgm:styleLbl>
+</dgm:styleDef>
+</file>
+
+<file path=ppt/diagrams/quickStyle2.xml><?xml version="1.0" encoding="utf-8"?>
+<dgm:styleDef xmlns:dgm="http://schemas.openxmlformats.org/drawingml/2006/diagram" xmlns:a="http://schemas.openxmlformats.org/drawingml/2006/main" uniqueId="urn:microsoft.com/office/officeart/2005/8/quickstyle/simple1">
+  <dgm:title val=""/>
+  <dgm:desc val=""/>
+  <dgm:catLst>
+    <dgm:cat type="simple" pri="10100"/>
+  </dgm:catLst>
+  <dgm:scene3d>
+    <a:camera prst="orthographicFront"/>
+    <a:lightRig rig="threePt" dir="t"/>
+  </dgm:scene3d>
+  <dgm:styleLbl name="node0">
+    <dgm:scene3d>
+      <a:camera prst="orthographicFront"/>
+      <a:lightRig rig="threePt" dir="t"/>
+    </dgm:scene3d>
+    <dgm:sp3d/>
+    <dgm:txPr/>
+    <dgm:style>
+      <a:lnRef idx="2">
+        <a:scrgbClr r="0" g="0" b="0"/>
+      </a:lnRef>
+      <a:fillRef idx="1">
+        <a:scrgbClr r="0" g="0" b="0"/>
+      </a:fillRef>
+      <a:effectRef idx="0">
+        <a:scrgbClr r="0" g="0" b="0"/>
+      </a:effectRef>
+      <a:fontRef idx="minor">
+        <a:schemeClr val="lt1"/>
+      </a:fontRef>
+    </dgm:style>
+  </dgm:styleLbl>
+  <dgm:styleLbl name="lnNode1">
+    <dgm:scene3d>
+      <a:camera prst="orthographicFront"/>
+      <a:lightRig rig="threePt" dir="t"/>
+    </dgm:scene3d>
+    <dgm:sp3d/>
+    <dgm:txPr/>
+    <dgm:style>
+      <a:lnRef idx="2">
+        <a:scrgbClr r="0" g="0" b="0"/>
+      </a:lnRef>
+      <a:fillRef idx="1">
+        <a:scrgbClr r="0" g="0" b="0"/>
+      </a:fillRef>
+      <a:effectRef idx="0">
+        <a:scrgbClr r="0" g="0" b="0"/>
+      </a:effectRef>
+      <a:fontRef idx="minor">
+        <a:schemeClr val="lt1"/>
+      </a:fontRef>
+    </dgm:style>
+  </dgm:styleLbl>
+  <dgm:styleLbl name="vennNode1">
+    <dgm:scene3d>
+      <a:camera prst="orthographicFront"/>
+      <a:lightRig rig="threePt" dir="t"/>
+    </dgm:scene3d>
+    <dgm:sp3d/>
+    <dgm:txPr/>
+    <dgm:style>
+      <a:lnRef idx="2">
+        <a:scrgbClr r="0" g="0" b="0"/>
+      </a:lnRef>
+      <a:fillRef idx="1">
+        <a:scrgbClr r="0" g="0" b="0"/>
+      </a:fillRef>
+      <a:effectRef idx="0">
+        <a:scrgbClr r="0" g="0" b="0"/>
+      </a:effectRef>
+      <a:fontRef idx="minor">
+        <a:schemeClr val="tx1"/>
+      </a:fontRef>
+    </dgm:style>
+  </dgm:styleLbl>
+  <dgm:styleLbl name="alignNode1">
+    <dgm:scene3d>
+      <a:camera prst="orthographicFront"/>
+      <a:lightRig rig="threePt" dir="t"/>
+    </dgm:scene3d>
+    <dgm:sp3d/>
+    <dgm:txPr/>
+    <dgm:style>
+      <a:lnRef idx="2">
+        <a:scrgbClr r="0" g="0" b="0"/>
+      </a:lnRef>
+      <a:fillRef idx="1">
+        <a:scrgbClr r="0" g="0" b="0"/>
+      </a:fillRef>
+      <a:effectRef idx="0">
+        <a:scrgbClr r="0" g="0" b="0"/>
+      </a:effectRef>
+      <a:fontRef idx="minor">
+        <a:schemeClr val="lt1"/>
+      </a:fontRef>
+    </dgm:style>
+  </dgm:styleLbl>
+  <dgm:styleLbl name="node1">
+    <dgm:scene3d>
+      <a:camera prst="orthographicFront"/>
+      <a:lightRig rig="threePt" dir="t"/>
+    </dgm:scene3d>
+    <dgm:sp3d/>
+    <dgm:txPr/>
+    <dgm:style>
+      <a:lnRef idx="2">
+        <a:scrgbClr r="0" g="0" b="0"/>
+      </a:lnRef>
+      <a:fillRef idx="1">
+        <a:scrgbClr r="0" g="0" b="0"/>
+      </a:fillRef>
+      <a:effectRef idx="0">
+        <a:scrgbClr r="0" g="0" b="0"/>
+      </a:effectRef>
+      <a:fontRef idx="minor">
+        <a:schemeClr val="lt1"/>
+      </a:fontRef>
+    </dgm:style>
+  </dgm:styleLbl>
+  <dgm:styleLbl name="node2">
+    <dgm:scene3d>
+      <a:camera prst="orthographicFront"/>
+      <a:lightRig rig="threePt" dir="t"/>
+    </dgm:scene3d>
+    <dgm:sp3d/>
+    <dgm:txPr/>
+    <dgm:style>
+      <a:lnRef idx="2">
+        <a:scrgbClr r="0" g="0" b="0"/>
+      </a:lnRef>
+      <a:fillRef idx="1">
+        <a:scrgbClr r="0" g="0" b="0"/>
+      </a:fillRef>
+      <a:effectRef idx="0">
+        <a:scrgbClr r="0" g="0" b="0"/>
+      </a:effectRef>
+      <a:fontRef idx="minor">
+        <a:schemeClr val="lt1"/>
+      </a:fontRef>
+    </dgm:style>
+  </dgm:styleLbl>
+  <dgm:styleLbl name="node3">
+    <dgm:scene3d>
+      <a:camera prst="orthographicFront"/>
+      <a:lightRig rig="threePt" dir="t"/>
+    </dgm:scene3d>
+    <dgm:sp3d/>
+    <dgm:txPr/>
+    <dgm:style>
+      <a:lnRef idx="2">
+        <a:scrgbClr r="0" g="0" b="0"/>
+      </a:lnRef>
+      <a:fillRef idx="1">
+        <a:scrgbClr r="0" g="0" b="0"/>
+      </a:fillRef>
+      <a:effectRef idx="0">
+        <a:scrgbClr r="0" g="0" b="0"/>
+      </a:effectRef>
+      <a:fontRef idx="minor">
+        <a:schemeClr val="lt1"/>
+      </a:fontRef>
+    </dgm:style>
+  </dgm:styleLbl>
+  <dgm:styleLbl name="node4">
+    <dgm:scene3d>
+      <a:camera prst="orthographicFront"/>
+      <a:lightRig rig="threePt" dir="t"/>
+    </dgm:scene3d>
+    <dgm:sp3d/>
+    <dgm:txPr/>
+    <dgm:style>
+      <a:lnRef idx="2">
+        <a:scrgbClr r="0" g="0" b="0"/>
+      </a:lnRef>
+      <a:fillRef idx="1">
+        <a:scrgbClr r="0" g="0" b="0"/>
+      </a:fillRef>
+      <a:effectRef idx="0">
+        <a:scrgbClr r="0" g="0" b="0"/>
+      </a:effectRef>
+      <a:fontRef idx="minor">
+        <a:schemeClr val="lt1"/>
+      </a:fontRef>
+    </dgm:style>
+  </dgm:styleLbl>
+  <dgm:styleLbl name="fgImgPlace1">
+    <dgm:scene3d>
+      <a:camera prst="orthographicFront"/>
+      <a:lightRig rig="threePt" dir="t"/>
+    </dgm:scene3d>
+    <dgm:sp3d/>
+    <dgm:txPr/>
+    <dgm:style>
+      <a:lnRef idx="2">
+        <a:scrgbClr r="0" g="0" b="0"/>
+      </a:lnRef>
+      <a:fillRef idx="1">
+        <a:scrgbClr r="0" g="0" b="0"/>
+      </a:fillRef>
+      <a:effectRef idx="0">
+        <a:scrgbClr r="0" g="0" b="0"/>
+      </a:effectRef>
+      <a:fontRef idx="minor"/>
+    </dgm:style>
+  </dgm:styleLbl>
+  <dgm:styleLbl name="alignImgPlace1">
+    <dgm:scene3d>
+      <a:camera prst="orthographicFront"/>
+      <a:lightRig rig="threePt" dir="t"/>
+    </dgm:scene3d>
+    <dgm:sp3d/>
+    <dgm:txPr/>
+    <dgm:style>
+      <a:lnRef idx="2">
+        <a:scrgbClr r="0" g="0" b="0"/>
+      </a:lnRef>
+      <a:fillRef idx="1">
+        <a:scrgbClr r="0" g="0" b="0"/>
+      </a:fillRef>
+      <a:effectRef idx="0">
+        <a:scrgbClr r="0" g="0" b="0"/>
+      </a:effectRef>
+      <a:fontRef idx="minor"/>
+    </dgm:style>
+  </dgm:styleLbl>
+  <dgm:styleLbl name="bgImgPlace1">
+    <dgm:scene3d>
+      <a:camera prst="orthographicFront"/>
+      <a:lightRig rig="threePt" dir="t"/>
+    </dgm:scene3d>
+    <dgm:sp3d/>
+    <dgm:txPr/>
+    <dgm:style>
+      <a:lnRef idx="2">
+        <a:scrgbClr r="0" g="0" b="0"/>
+      </a:lnRef>
+      <a:fillRef idx="1">
+        <a:scrgbClr r="0" g="0" b="0"/>
+      </a:fillRef>
+      <a:effectRef idx="0">
+        <a:scrgbClr r="0" g="0" b="0"/>
+      </a:effectRef>
+      <a:fontRef idx="minor"/>
+    </dgm:style>
+  </dgm:styleLbl>
+  <dgm:styleLbl name="sibTrans2D1">
+    <dgm:scene3d>
+      <a:camera prst="orthographicFront"/>
+      <a:lightRig rig="threePt" dir="t"/>
+    </dgm:scene3d>
+    <dgm:sp3d/>
+    <dgm:txPr/>
+    <dgm:style>
+      <a:lnRef idx="0">
+        <a:scrgbClr r="0" g="0" b="0"/>
+      </a:lnRef>
+      <a:fillRef idx="1">
+        <a:scrgbClr r="0" g="0" b="0"/>
+      </a:fillRef>
+      <a:effectRef idx="0">
+        <a:scrgbClr r="0" g="0" b="0"/>
+      </a:effectRef>
+      <a:fontRef idx="minor">
+        <a:schemeClr val="lt1"/>
+      </a:fontRef>
+    </dgm:style>
+  </dgm:styleLbl>
+  <dgm:styleLbl name="fgSibTrans2D1">
+    <dgm:scene3d>
+      <a:camera prst="orthographicFront"/>
+      <a:lightRig rig="threePt" dir="t"/>
+    </dgm:scene3d>
+    <dgm:sp3d/>
+    <dgm:txPr/>
+    <dgm:style>
+      <a:lnRef idx="0">
+        <a:scrgbClr r="0" g="0" b="0"/>
+      </a:lnRef>
+      <a:fillRef idx="1">
+        <a:scrgbClr r="0" g="0" b="0"/>
+      </a:fillRef>
+      <a:effectRef idx="0">
+        <a:scrgbClr r="0" g="0" b="0"/>
+      </a:effectRef>
+      <a:fontRef idx="minor">
+        <a:schemeClr val="lt1"/>
+      </a:fontRef>
+    </dgm:style>
+  </dgm:styleLbl>
+  <dgm:styleLbl name="bgSibTrans2D1">
+    <dgm:scene3d>
+      <a:camera prst="orthographicFront"/>
+      <a:lightRig rig="threePt" dir="t"/>
+    </dgm:scene3d>
+    <dgm:sp3d/>
+    <dgm:txPr/>
+    <dgm:style>
+      <a:lnRef idx="0">
+        <a:scrgbClr r="0" g="0" b="0"/>
+      </a:lnRef>
+      <a:fillRef idx="1">
+        <a:scrgbClr r="0" g="0" b="0"/>
+      </a:fillRef>
+      <a:effectRef idx="0">
+        <a:scrgbClr r="0" g="0" b="0"/>
+      </a:effectRef>
+      <a:fontRef idx="minor">
+        <a:schemeClr val="lt1"/>
+      </a:fontRef>
+    </dgm:style>
+  </dgm:styleLbl>
+  <dgm:styleLbl name="sibTrans1D1">
+    <dgm:scene3d>
+      <a:camera prst="orthographicFront"/>
+      <a:lightRig rig="threePt" dir="t"/>
+    </dgm:scene3d>
+    <dgm:sp3d/>
+    <dgm:txPr/>
+    <dgm:style>
+      <a:lnRef idx="1">
+        <a:scrgbClr r="0" g="0" b="0"/>
+      </a:lnRef>
+      <a:fillRef idx="0">
+        <a:scrgbClr r="0" g="0" b="0"/>
+      </a:fillRef>
+      <a:effectRef idx="0">
+        <a:scrgbClr r="0" g="0" b="0"/>
+      </a:effectRef>
+      <a:fontRef idx="minor"/>
+    </dgm:style>
+  </dgm:styleLbl>
+  <dgm:styleLbl name="callout">
+    <dgm:scene3d>
+      <a:camera prst="orthographicFront"/>
+      <a:lightRig rig="threePt" dir="t"/>
+    </dgm:scene3d>
+    <dgm:sp3d/>
+    <dgm:txPr/>
+    <dgm:style>
+      <a:lnRef idx="2">
+        <a:scrgbClr r="0" g="0" b="0"/>
+      </a:lnRef>
+      <a:fillRef idx="1">
+        <a:scrgbClr r="0" g="0" b="0"/>
+      </a:fillRef>
+      <a:effectRef idx="0">
+        <a:scrgbClr r="0" g="0" b="0"/>
+      </a:effectRef>
+      <a:fontRef idx="minor"/>
+    </dgm:style>
+  </dgm:styleLbl>
+  <dgm:styleLbl name="asst0">
+    <dgm:scene3d>
+      <a:camera prst="orthographicFront"/>
+      <a:lightRig rig="threePt" dir="t"/>
+    </dgm:scene3d>
+    <dgm:sp3d/>
+    <dgm:txPr/>
+    <dgm:style>
+      <a:lnRef idx="2">
+        <a:scrgbClr r="0" g="0" b="0"/>
+      </a:lnRef>
+      <a:fillRef idx="1">
+        <a:scrgbClr r="0" g="0" b="0"/>
+      </a:fillRef>
+      <a:effectRef idx="0">
+        <a:scrgbClr r="0" g="0" b="0"/>
+      </a:effectRef>
+      <a:fontRef idx="minor">
+        <a:schemeClr val="lt1"/>
+      </a:fontRef>
+    </dgm:style>
+  </dgm:styleLbl>
+  <dgm:styleLbl name="asst1">
+    <dgm:scene3d>
+      <a:camera prst="orthographicFront"/>
+      <a:lightRig rig="threePt" dir="t"/>
+    </dgm:scene3d>
+    <dgm:sp3d/>
+    <dgm:txPr/>
+    <dgm:style>
+      <a:lnRef idx="2">
+        <a:scrgbClr r="0" g="0" b="0"/>
+      </a:lnRef>
+      <a:fillRef idx="1">
+        <a:scrgbClr r="0" g="0" b="0"/>
+      </a:fillRef>
+      <a:effectRef idx="0">
+        <a:scrgbClr r="0" g="0" b="0"/>
+      </a:effectRef>
+      <a:fontRef idx="minor">
+        <a:schemeClr val="lt1"/>
+      </a:fontRef>
+    </dgm:style>
+  </dgm:styleLbl>
+  <dgm:styleLbl name="asst2">
+    <dgm:scene3d>
+      <a:camera prst="orthographicFront"/>
+      <a:lightRig rig="threePt" dir="t"/>
+    </dgm:scene3d>
+    <dgm:sp3d/>
+    <dgm:txPr/>
+    <dgm:style>
+      <a:lnRef idx="2">
+        <a:scrgbClr r="0" g="0" b="0"/>
+      </a:lnRef>
+      <a:fillRef idx="1">
+        <a:scrgbClr r="0" g="0" b="0"/>
+      </a:fillRef>
+      <a:effectRef idx="0">
+        <a:scrgbClr r="0" g="0" b="0"/>
+      </a:effectRef>
+      <a:fontRef idx="minor">
+        <a:schemeClr val="lt1"/>
+      </a:fontRef>
+    </dgm:style>
+  </dgm:styleLbl>
+  <dgm:styleLbl name="asst3">
+    <dgm:scene3d>
+      <a:camera prst="orthographicFront"/>
+      <a:lightRig rig="threePt" dir="t"/>
+    </dgm:scene3d>
+    <dgm:sp3d/>
+    <dgm:txPr/>
+    <dgm:style>
+      <a:lnRef idx="2">
+        <a:scrgbClr r="0" g="0" b="0"/>
+      </a:lnRef>
+      <a:fillRef idx="1">
+        <a:scrgbClr r="0" g="0" b="0"/>
+      </a:fillRef>
+      <a:effectRef idx="0">
+        <a:scrgbClr r="0" g="0" b="0"/>
+      </a:effectRef>
+      <a:fontRef idx="minor">
+        <a:schemeClr val="lt1"/>
+      </a:fontRef>
+    </dgm:style>
+  </dgm:styleLbl>
+  <dgm:styleLbl name="asst4">
+    <dgm:scene3d>
+      <a:camera prst="orthographicFront"/>
+      <a:lightRig rig="threePt" dir="t"/>
+    </dgm:scene3d>
+    <dgm:sp3d/>
+    <dgm:txPr/>
+    <dgm:style>
+      <a:lnRef idx="2">
+        <a:scrgbClr r="0" g="0" b="0"/>
+      </a:lnRef>
+      <a:fillRef idx="1">
+        <a:scrgbClr r="0" g="0" b="0"/>
+      </a:fillRef>
+      <a:effectRef idx="0">
+        <a:scrgbClr r="0" g="0" b="0"/>
+      </a:effectRef>
+      <a:fontRef idx="minor">
+        <a:schemeClr val="lt1"/>
+      </a:fontRef>
+    </dgm:style>
+  </dgm:styleLbl>
+  <dgm:styleLbl name="parChTrans2D1">
+    <dgm:scene3d>
+      <a:camera prst="orthographicFront"/>
+      <a:lightRig rig="threePt" dir="t"/>
+    </dgm:scene3d>
+    <dgm:sp3d/>
+    <dgm:txPr/>
+    <dgm:style>
+      <a:lnRef idx="2">
+        <a:scrgbClr r="0" g="0" b="0"/>
+      </a:lnRef>
+      <a:fillRef idx="1">
+        <a:scrgbClr r="0" g="0" b="0"/>
+      </a:fillRef>
+      <a:effectRef idx="0">
+        <a:scrgbClr r="0" g="0" b="0"/>
+      </a:effectRef>
+      <a:fontRef idx="minor">
+        <a:schemeClr val="lt1"/>
+      </a:fontRef>
+    </dgm:style>
+  </dgm:styleLbl>
+  <dgm:styleLbl name="parChTrans2D2">
+    <dgm:scene3d>
+      <a:camera prst="orthographicFront"/>
+      <a:lightRig rig="threePt" dir="t"/>
+    </dgm:scene3d>
+    <dgm:sp3d/>
+    <dgm:txPr/>
+    <dgm:style>
+      <a:lnRef idx="2">
+        <a:scrgbClr r="0" g="0" b="0"/>
+      </a:lnRef>
+      <a:fillRef idx="1">
+        <a:scrgbClr r="0" g="0" b="0"/>
+      </a:fillRef>
+      <a:effectRef idx="0">
+        <a:scrgbClr r="0" g="0" b="0"/>
+      </a:effectRef>
+      <a:fontRef idx="minor">
+        <a:schemeClr val="lt1"/>
+      </a:fontRef>
+    </dgm:style>
+  </dgm:styleLbl>
+  <dgm:styleLbl name="parChTrans2D3">
+    <dgm:scene3d>
+      <a:camera prst="orthographicFront"/>
+      <a:lightRig rig="threePt" dir="t"/>
+    </dgm:scene3d>
+    <dgm:sp3d/>
+    <dgm:txPr/>
+    <dgm:style>
+      <a:lnRef idx="2">
+        <a:scrgbClr r="0" g="0" b="0"/>
+      </a:lnRef>
+      <a:fillRef idx="1">
+        <a:scrgbClr r="0" g="0" b="0"/>
+      </a:fillRef>
+      <a:effectRef idx="0">
+        <a:scrgbClr r="0" g="0" b="0"/>
+      </a:effectRef>
+      <a:fontRef idx="minor">
+        <a:schemeClr val="lt1"/>
+      </a:fontRef>
+    </dgm:style>
+  </dgm:styleLbl>
+  <dgm:styleLbl name="parChTrans2D4">
+    <dgm:scene3d>
+      <a:camera prst="orthographicFront"/>
+      <a:lightRig rig="threePt" dir="t"/>
+    </dgm:scene3d>
+    <dgm:sp3d/>
+    <dgm:txPr/>
+    <dgm:style>
+      <a:lnRef idx="2">
+        <a:scrgbClr r="0" g="0" b="0"/>
+      </a:lnRef>
+      <a:fillRef idx="1">
+        <a:scrgbClr r="0" g="0" b="0"/>
+      </a:fillRef>
+      <a:effectRef idx="0">
+        <a:scrgbClr r="0" g="0" b="0"/>
+      </a:effectRef>
+      <a:fontRef idx="minor">
+        <a:schemeClr val="lt1"/>
+      </a:fontRef>
+    </dgm:style>
+  </dgm:styleLbl>
+  <dgm:styleLbl name="parChTrans1D1">
+    <dgm:scene3d>
+      <a:camera prst="orthographicFront"/>
+      <a:lightRig rig="threePt" dir="t"/>
+    </dgm:scene3d>
+    <dgm:sp3d/>
+    <dgm:txPr/>
+    <dgm:style>
+      <a:lnRef idx="2">
+        <a:scrgbClr r="0" g="0" b="0"/>
+      </a:lnRef>
+      <a:fillRef idx="0">
+        <a:scrgbClr r="0" g="0" b="0"/>
+      </a:fillRef>
+      <a:effectRef idx="0">
+        <a:scrgbClr r="0" g="0" b="0"/>
+      </a:effectRef>
+      <a:fontRef idx="minor"/>
+    </dgm:style>
+  </dgm:styleLbl>
+  <dgm:styleLbl name="parChTrans1D2">
+    <dgm:scene3d>
+      <a:camera prst="orthographicFront"/>
+      <a:lightRig rig="threePt" dir="t"/>
+    </dgm:scene3d>
+    <dgm:sp3d/>
+    <dgm:txPr/>
+    <dgm:style>
+      <a:lnRef idx="2">
+        <a:scrgbClr r="0" g="0" b="0"/>
+      </a:lnRef>
+      <a:fillRef idx="0">
+        <a:scrgbClr r="0" g="0" b="0"/>
+      </a:fillRef>
+      <a:effectRef idx="0">
+        <a:scrgbClr r="0" g="0" b="0"/>
+      </a:effectRef>
+      <a:fontRef idx="minor"/>
+    </dgm:style>
+  </dgm:styleLbl>
+  <dgm:styleLbl name="parChTrans1D3">
+    <dgm:scene3d>
+      <a:camera prst="orthographicFront"/>
+      <a:lightRig rig="threePt" dir="t"/>
+    </dgm:scene3d>
+    <dgm:sp3d/>
+    <dgm:txPr/>
+    <dgm:style>
+      <a:lnRef idx="2">
+        <a:scrgbClr r="0" g="0" b="0"/>
+      </a:lnRef>
+      <a:fillRef idx="0">
+        <a:scrgbClr r="0" g="0" b="0"/>
+      </a:fillRef>
+      <a:effectRef idx="0">
+        <a:scrgbClr r="0" g="0" b="0"/>
+      </a:effectRef>
+      <a:fontRef idx="minor"/>
+    </dgm:style>
+  </dgm:styleLbl>
+  <dgm:styleLbl name="parChTrans1D4">
+    <dgm:scene3d>
+      <a:camera prst="orthographicFront"/>
+      <a:lightRig rig="threePt" dir="t"/>
+    </dgm:scene3d>
+    <dgm:sp3d/>
+    <dgm:txPr/>
+    <dgm:style>
+      <a:lnRef idx="2">
+        <a:scrgbClr r="0" g="0" b="0"/>
+      </a:lnRef>
+      <a:fillRef idx="0">
+        <a:scrgbClr r="0" g="0" b="0"/>
+      </a:fillRef>
+      <a:effectRef idx="0">
+        <a:scrgbClr r="0" g="0" b="0"/>
+      </a:effectRef>
+      <a:fontRef idx="minor"/>
+    </dgm:style>
+  </dgm:styleLbl>
+  <dgm:styleLbl name="fgAcc1">
+    <dgm:scene3d>
+      <a:camera prst="orthographicFront"/>
+      <a:lightRig rig="threePt" dir="t"/>
+    </dgm:scene3d>
+    <dgm:sp3d/>
+    <dgm:txPr/>
+    <dgm:style>
+      <a:lnRef idx="2">
+        <a:scrgbClr r="0" g="0" b="0"/>
+      </a:lnRef>
+      <a:fillRef idx="1">
+        <a:scrgbClr r="0" g="0" b="0"/>
+      </a:fillRef>
+      <a:effectRef idx="0">
+        <a:scrgbClr r="0" g="0" b="0"/>
+      </a:effectRef>
+      <a:fontRef idx="minor"/>
+    </dgm:style>
+  </dgm:styleLbl>
+  <dgm:styleLbl name="conFgAcc1">
+    <dgm:scene3d>
+      <a:camera prst="orthographicFront"/>
+      <a:lightRig rig="threePt" dir="t"/>
+    </dgm:scene3d>
+    <dgm:sp3d/>
+    <dgm:txPr/>
+    <dgm:style>
+      <a:lnRef idx="2">
+        <a:scrgbClr r="0" g="0" b="0"/>
+      </a:lnRef>
+      <a:fillRef idx="1">
+        <a:scrgbClr r="0" g="0" b="0"/>
+      </a:fillRef>
+      <a:effectRef idx="0">
+        <a:scrgbClr r="0" g="0" b="0"/>
+      </a:effectRef>
+      <a:fontRef idx="minor"/>
+    </dgm:style>
+  </dgm:styleLbl>
+  <dgm:styleLbl name="alignAcc1">
+    <dgm:scene3d>
+      <a:camera prst="orthographicFront"/>
+      <a:lightRig rig="threePt" dir="t"/>
+    </dgm:scene3d>
+    <dgm:sp3d/>
+    <dgm:txPr/>
+    <dgm:style>
+      <a:lnRef idx="2">
+        <a:scrgbClr r="0" g="0" b="0"/>
+      </a:lnRef>
+      <a:fillRef idx="1">
+        <a:scrgbClr r="0" g="0" b="0"/>
+      </a:fillRef>
+      <a:effectRef idx="0">
+        <a:scrgbClr r="0" g="0" b="0"/>
+      </a:effectRef>
+      <a:fontRef idx="minor"/>
+    </dgm:style>
+  </dgm:styleLbl>
+  <dgm:styleLbl name="trAlignAcc1">
+    <dgm:scene3d>
+      <a:camera prst="orthographicFront"/>
+      <a:lightRig rig="threePt" dir="t"/>
+    </dgm:scene3d>
+    <dgm:sp3d/>
+    <dgm:txPr/>
+    <dgm:style>
+      <a:lnRef idx="1">
+        <a:scrgbClr r="0" g="0" b="0"/>
+      </a:lnRef>
+      <a:fillRef idx="1">
+        <a:scrgbClr r="0" g="0" b="0"/>
+      </a:fillRef>
+      <a:effectRef idx="0">
+        <a:scrgbClr r="0" g="0" b="0"/>
+      </a:effectRef>
+      <a:fontRef idx="minor"/>
+    </dgm:style>
+  </dgm:styleLbl>
+  <dgm:styleLbl name="bgAcc1">
+    <dgm:scene3d>
+      <a:camera prst="orthographicFront"/>
+      <a:lightRig rig="threePt" dir="t"/>
+    </dgm:scene3d>
+    <dgm:sp3d/>
+    <dgm:txPr/>
+    <dgm:style>
+      <a:lnRef idx="2">
+        <a:scrgbClr r="0" g="0" b="0"/>
+      </a:lnRef>
+      <a:fillRef idx="1">
+        <a:scrgbClr r="0" g="0" b="0"/>
+      </a:fillRef>
+      <a:effectRef idx="0">
+        <a:scrgbClr r="0" g="0" b="0"/>
+      </a:effectRef>
+      <a:fontRef idx="minor"/>
+    </dgm:style>
+  </dgm:styleLbl>
+  <dgm:styleLbl name="solidFgAcc1">
+    <dgm:scene3d>
+      <a:camera prst="orthographicFront"/>
+      <a:lightRig rig="threePt" dir="t"/>
+    </dgm:scene3d>
+    <dgm:sp3d/>
+    <dgm:txPr/>
+    <dgm:style>
+      <a:lnRef idx="2">
+        <a:scrgbClr r="0" g="0" b="0"/>
+      </a:lnRef>
+      <a:fillRef idx="1">
+        <a:scrgbClr r="0" g="0" b="0"/>
+      </a:fillRef>
+      <a:effectRef idx="0">
+        <a:scrgbClr r="0" g="0" b="0"/>
+      </a:effectRef>
+      <a:fontRef idx="minor"/>
+    </dgm:style>
+  </dgm:styleLbl>
+  <dgm:styleLbl name="solidAlignAcc1">
+    <dgm:scene3d>
+      <a:camera prst="orthographicFront"/>
+      <a:lightRig rig="threePt" dir="t"/>
+    </dgm:scene3d>
+    <dgm:sp3d/>
+    <dgm:txPr/>
+    <dgm:style>
+      <a:lnRef idx="2">
+        <a:scrgbClr r="0" g="0" b="0"/>
+      </a:lnRef>
+      <a:fillRef idx="1">
+        <a:scrgbClr r="0" g="0" b="0"/>
+      </a:fillRef>
+      <a:effectRef idx="0">
+        <a:scrgbClr r="0" g="0" b="0"/>
+      </a:effectRef>
+      <a:fontRef idx="minor"/>
+    </dgm:style>
+  </dgm:styleLbl>
+  <dgm:styleLbl name="solidBgAcc1">
+    <dgm:scene3d>
+      <a:camera prst="orthographicFront"/>
+      <a:lightRig rig="threePt" dir="t"/>
+    </dgm:scene3d>
+    <dgm:sp3d/>
+    <dgm:txPr/>
+    <dgm:style>
+      <a:lnRef idx="2">
+        <a:scrgbClr r="0" g="0" b="0"/>
+      </a:lnRef>
+      <a:fillRef idx="1">
+        <a:scrgbClr r="0" g="0" b="0"/>
+      </a:fillRef>
+      <a:effectRef idx="0">
+        <a:scrgbClr r="0" g="0" b="0"/>
+      </a:effectRef>
+      <a:fontRef idx="minor"/>
+    </dgm:style>
+  </dgm:styleLbl>
+  <dgm:styleLbl name="fgAccFollowNode1">
+    <dgm:scene3d>
+      <a:camera prst="orthographicFront"/>
+      <a:lightRig rig="threePt" dir="t"/>
+    </dgm:scene3d>
+    <dgm:sp3d/>
+    <dgm:txPr/>
+    <dgm:style>
+      <a:lnRef idx="2">
+        <a:scrgbClr r="0" g="0" b="0"/>
+      </a:lnRef>
+      <a:fillRef idx="1">
+        <a:scrgbClr r="0" g="0" b="0"/>
+      </a:fillRef>
+      <a:effectRef idx="0">
+        <a:scrgbClr r="0" g="0" b="0"/>
+      </a:effectRef>
+      <a:fontRef idx="minor"/>
+    </dgm:style>
+  </dgm:styleLbl>
+  <dgm:styleLbl name="alignAccFollowNode1">
+    <dgm:scene3d>
+      <a:camera prst="orthographicFront"/>
+      <a:lightRig rig="threePt" dir="t"/>
+    </dgm:scene3d>
+    <dgm:sp3d/>
+    <dgm:txPr/>
+    <dgm:style>
+      <a:lnRef idx="2">
+        <a:scrgbClr r="0" g="0" b="0"/>
+      </a:lnRef>
+      <a:fillRef idx="1">
+        <a:scrgbClr r="0" g="0" b="0"/>
+      </a:fillRef>
+      <a:effectRef idx="0">
+        <a:scrgbClr r="0" g="0" b="0"/>
+      </a:effectRef>
+      <a:fontRef idx="minor"/>
+    </dgm:style>
+  </dgm:styleLbl>
+  <dgm:styleLbl name="bgAccFollowNode1">
+    <dgm:scene3d>
+      <a:camera prst="orthographicFront"/>
+      <a:lightRig rig="threePt" dir="t"/>
+    </dgm:scene3d>
+    <dgm:sp3d/>
+    <dgm:txPr/>
+    <dgm:style>
+      <a:lnRef idx="2">
+        <a:scrgbClr r="0" g="0" b="0"/>
+      </a:lnRef>
+      <a:fillRef idx="1">
+        <a:scrgbClr r="0" g="0" b="0"/>
+      </a:fillRef>
+      <a:effectRef idx="0">
+        <a:scrgbClr r="0" g="0" b="0"/>
+      </a:effectRef>
+      <a:fontRef idx="minor"/>
+    </dgm:style>
+  </dgm:styleLbl>
+  <dgm:styleLbl name="fgAcc0">
+    <dgm:scene3d>
+      <a:camera prst="orthographicFront"/>
+      <a:lightRig rig="threePt" dir="t"/>
+    </dgm:scene3d>
+    <dgm:sp3d/>
+    <dgm:txPr/>
+    <dgm:style>
+      <a:lnRef idx="2">
+        <a:scrgbClr r="0" g="0" b="0"/>
+      </a:lnRef>
+      <a:fillRef idx="1">
+        <a:scrgbClr r="0" g="0" b="0"/>
+      </a:fillRef>
+      <a:effectRef idx="0">
+        <a:scrgbClr r="0" g="0" b="0"/>
+      </a:effectRef>
+      <a:fontRef idx="minor"/>
+    </dgm:style>
+  </dgm:styleLbl>
+  <dgm:styleLbl name="fgAcc2">
+    <dgm:scene3d>
+      <a:camera prst="orthographicFront"/>
+      <a:lightRig rig="threePt" dir="t"/>
+    </dgm:scene3d>
+    <dgm:sp3d/>
+    <dgm:txPr/>
+    <dgm:style>
+      <a:lnRef idx="2">
+        <a:scrgbClr r="0" g="0" b="0"/>
+      </a:lnRef>
+      <a:fillRef idx="1">
+        <a:scrgbClr r="0" g="0" b="0"/>
+      </a:fillRef>
+      <a:effectRef idx="0">
+        <a:scrgbClr r="0" g="0" b="0"/>
+      </a:effectRef>
+      <a:fontRef idx="minor"/>
+    </dgm:style>
+  </dgm:styleLbl>
+  <dgm:styleLbl name="fgAcc3">
+    <dgm:scene3d>
+      <a:camera prst="orthographicFront"/>
+      <a:lightRig rig="threePt" dir="t"/>
+    </dgm:scene3d>
+    <dgm:sp3d/>
+    <dgm:txPr/>
+    <dgm:style>
+      <a:lnRef idx="2">
+        <a:scrgbClr r="0" g="0" b="0"/>
+      </a:lnRef>
+      <a:fillRef idx="1">
+        <a:scrgbClr r="0" g="0" b="0"/>
+      </a:fillRef>
+      <a:effectRef idx="0">
+        <a:scrgbClr r="0" g="0" b="0"/>
+      </a:effectRef>
+      <a:fontRef idx="minor"/>
+    </dgm:style>
+  </dgm:styleLbl>
+  <dgm:styleLbl name="fgAcc4">
+    <dgm:scene3d>
+      <a:camera prst="orthographicFront"/>
+      <a:lightRig rig="threePt" dir="t"/>
+    </dgm:scene3d>
+    <dgm:sp3d/>
+    <dgm:txPr/>
+    <dgm:style>
+      <a:lnRef idx="2">
+        <a:scrgbClr r="0" g="0" b="0"/>
+      </a:lnRef>
+      <a:fillRef idx="1">
+        <a:scrgbClr r="0" g="0" b="0"/>
+      </a:fillRef>
+      <a:effectRef idx="0">
+        <a:scrgbClr r="0" g="0" b="0"/>
+      </a:effectRef>
+      <a:fontRef idx="minor"/>
+    </dgm:style>
+  </dgm:styleLbl>
+  <dgm:styleLbl name="bgShp">
+    <dgm:scene3d>
+      <a:camera prst="orthographicFront"/>
+      <a:lightRig rig="threePt" dir="t"/>
+    </dgm:scene3d>
+    <dgm:sp3d/>
+    <dgm:txPr/>
+    <dgm:style>
+      <a:lnRef idx="0">
+        <a:scrgbClr r="0" g="0" b="0"/>
+      </a:lnRef>
+      <a:fillRef idx="1">
+        <a:scrgbClr r="0" g="0" b="0"/>
+      </a:fillRef>
+      <a:effectRef idx="0">
+        <a:scrgbClr r="0" g="0" b="0"/>
+      </a:effectRef>
+      <a:fontRef idx="minor"/>
+    </dgm:style>
+  </dgm:styleLbl>
+  <dgm:styleLbl name="dkBgShp">
+    <dgm:scene3d>
+      <a:camera prst="orthographicFront"/>
+      <a:lightRig rig="threePt" dir="t"/>
+    </dgm:scene3d>
+    <dgm:sp3d/>
+    <dgm:txPr/>
+    <dgm:style>
+      <a:lnRef idx="0">
+        <a:scrgbClr r="0" g="0" b="0"/>
+      </a:lnRef>
+      <a:fillRef idx="1">
+        <a:scrgbClr r="0" g="0" b="0"/>
+      </a:fillRef>
+      <a:effectRef idx="0">
+        <a:scrgbClr r="0" g="0" b="0"/>
+      </a:effectRef>
+      <a:fontRef idx="minor"/>
+    </dgm:style>
+  </dgm:styleLbl>
+  <dgm:styleLbl name="trBgShp">
+    <dgm:scene3d>
+      <a:camera prst="orthographicFront"/>
+      <a:lightRig rig="threePt" dir="t"/>
+    </dgm:scene3d>
+    <dgm:sp3d/>
+    <dgm:txPr/>
+    <dgm:style>
+      <a:lnRef idx="0">
+        <a:scrgbClr r="0" g="0" b="0"/>
+      </a:lnRef>
+      <a:fillRef idx="1">
+        <a:scrgbClr r="0" g="0" b="0"/>
+      </a:fillRef>
+      <a:effectRef idx="0">
+        <a:scrgbClr r="0" g="0" b="0"/>
+      </a:effectRef>
+      <a:fontRef idx="minor"/>
+    </dgm:style>
+  </dgm:styleLbl>
+  <dgm:styleLbl name="fgShp">
+    <dgm:scene3d>
+      <a:camera prst="orthographicFront"/>
+      <a:lightRig rig="threePt" dir="t"/>
+    </dgm:scene3d>
+    <dgm:sp3d/>
+    <dgm:txPr/>
+    <dgm:style>
+      <a:lnRef idx="2">
+        <a:scrgbClr r="0" g="0" b="0"/>
+      </a:lnRef>
+      <a:fillRef idx="1">
+        <a:scrgbClr r="0" g="0" b="0"/>
+      </a:fillRef>
+      <a:effectRef idx="0">
+        <a:scrgbClr r="0" g="0" b="0"/>
+      </a:effectRef>
+      <a:fontRef idx="minor"/>
+    </dgm:style>
+  </dgm:styleLbl>
+  <dgm:styleLbl name="revTx">
+    <dgm:scene3d>
+      <a:camera prst="orthographicFront"/>
+      <a:lightRig rig="threePt" dir="t"/>
+    </dgm:scene3d>
+    <dgm:sp3d/>
+    <dgm:txPr/>
+    <dgm:style>
+      <a:lnRef idx="0">
+        <a:scrgbClr r="0" g="0" b="0"/>
+      </a:lnRef>
+      <a:fillRef idx="0">
+        <a:scrgbClr r="0" g="0" b="0"/>
+      </a:fillRef>
+      <a:effectRef idx="0">
+        <a:scrgbClr r="0" g="0" b="0"/>
+      </a:effectRef>
+      <a:fontRef idx="minor"/>
+    </dgm:style>
+  </dgm:styleLbl>
+</dgm:styleDef>
+</file>
+
+<file path=ppt/diagrams/quickStyle3.xml><?xml version="1.0" encoding="utf-8"?>
 <dgm:styleDef xmlns:dgm="http://schemas.openxmlformats.org/drawingml/2006/diagram" xmlns:a="http://schemas.openxmlformats.org/drawingml/2006/main" uniqueId="urn:microsoft.com/office/officeart/2005/8/quickstyle/simple1">
   <dgm:title val=""/>
   <dgm:desc val=""/>
@@ -3555,7 +8637,7 @@
           <a:p>
             <a:fld id="{172407F7-C340-47F0-8F99-721A39879364}" type="datetimeFigureOut">
               <a:rPr kumimoji="1" lang="ja-JP" altLang="en-US" smtClean="0"/>
-              <a:t>2022/7/17</a:t>
+              <a:t>2022/7/18</a:t>
             </a:fld>
             <a:endParaRPr kumimoji="1" lang="ja-JP" altLang="en-US"/>
           </a:p>
@@ -3785,7 +8867,7 @@
           <a:p>
             <a:fld id="{172407F7-C340-47F0-8F99-721A39879364}" type="datetimeFigureOut">
               <a:rPr kumimoji="1" lang="ja-JP" altLang="en-US" smtClean="0"/>
-              <a:t>2022/7/17</a:t>
+              <a:t>2022/7/18</a:t>
             </a:fld>
             <a:endParaRPr kumimoji="1" lang="ja-JP" altLang="en-US"/>
           </a:p>
@@ -4025,7 +9107,7 @@
           <a:p>
             <a:fld id="{172407F7-C340-47F0-8F99-721A39879364}" type="datetimeFigureOut">
               <a:rPr kumimoji="1" lang="ja-JP" altLang="en-US" smtClean="0"/>
-              <a:t>2022/7/17</a:t>
+              <a:t>2022/7/18</a:t>
             </a:fld>
             <a:endParaRPr kumimoji="1" lang="ja-JP" altLang="en-US"/>
           </a:p>
@@ -4255,7 +9337,7 @@
           <a:p>
             <a:fld id="{172407F7-C340-47F0-8F99-721A39879364}" type="datetimeFigureOut">
               <a:rPr kumimoji="1" lang="ja-JP" altLang="en-US" smtClean="0"/>
-              <a:t>2022/7/17</a:t>
+              <a:t>2022/7/18</a:t>
             </a:fld>
             <a:endParaRPr kumimoji="1" lang="ja-JP" altLang="en-US"/>
           </a:p>
@@ -4530,7 +9612,7 @@
           <a:p>
             <a:fld id="{172407F7-C340-47F0-8F99-721A39879364}" type="datetimeFigureOut">
               <a:rPr kumimoji="1" lang="ja-JP" altLang="en-US" smtClean="0"/>
-              <a:t>2022/7/17</a:t>
+              <a:t>2022/7/18</a:t>
             </a:fld>
             <a:endParaRPr kumimoji="1" lang="ja-JP" altLang="en-US"/>
           </a:p>
@@ -4859,7 +9941,7 @@
           <a:p>
             <a:fld id="{172407F7-C340-47F0-8F99-721A39879364}" type="datetimeFigureOut">
               <a:rPr kumimoji="1" lang="ja-JP" altLang="en-US" smtClean="0"/>
-              <a:t>2022/7/17</a:t>
+              <a:t>2022/7/18</a:t>
             </a:fld>
             <a:endParaRPr kumimoji="1" lang="ja-JP" altLang="en-US"/>
           </a:p>
@@ -5335,7 +10417,7 @@
           <a:p>
             <a:fld id="{172407F7-C340-47F0-8F99-721A39879364}" type="datetimeFigureOut">
               <a:rPr kumimoji="1" lang="ja-JP" altLang="en-US" smtClean="0"/>
-              <a:t>2022/7/17</a:t>
+              <a:t>2022/7/18</a:t>
             </a:fld>
             <a:endParaRPr kumimoji="1" lang="ja-JP" altLang="en-US"/>
           </a:p>
@@ -5476,7 +10558,7 @@
           <a:p>
             <a:fld id="{172407F7-C340-47F0-8F99-721A39879364}" type="datetimeFigureOut">
               <a:rPr kumimoji="1" lang="ja-JP" altLang="en-US" smtClean="0"/>
-              <a:t>2022/7/17</a:t>
+              <a:t>2022/7/18</a:t>
             </a:fld>
             <a:endParaRPr kumimoji="1" lang="ja-JP" altLang="en-US"/>
           </a:p>
@@ -5589,7 +10671,7 @@
           <a:p>
             <a:fld id="{172407F7-C340-47F0-8F99-721A39879364}" type="datetimeFigureOut">
               <a:rPr kumimoji="1" lang="ja-JP" altLang="en-US" smtClean="0"/>
-              <a:t>2022/7/17</a:t>
+              <a:t>2022/7/18</a:t>
             </a:fld>
             <a:endParaRPr kumimoji="1" lang="ja-JP" altLang="en-US"/>
           </a:p>
@@ -5932,7 +11014,7 @@
           <a:p>
             <a:fld id="{172407F7-C340-47F0-8F99-721A39879364}" type="datetimeFigureOut">
               <a:rPr kumimoji="1" lang="ja-JP" altLang="en-US" smtClean="0"/>
-              <a:t>2022/7/17</a:t>
+              <a:t>2022/7/18</a:t>
             </a:fld>
             <a:endParaRPr kumimoji="1" lang="ja-JP" altLang="en-US"/>
           </a:p>
@@ -6220,7 +11302,7 @@
           <a:p>
             <a:fld id="{172407F7-C340-47F0-8F99-721A39879364}" type="datetimeFigureOut">
               <a:rPr kumimoji="1" lang="ja-JP" altLang="en-US" smtClean="0"/>
-              <a:t>2022/7/17</a:t>
+              <a:t>2022/7/18</a:t>
             </a:fld>
             <a:endParaRPr kumimoji="1" lang="ja-JP" altLang="en-US"/>
           </a:p>
@@ -6493,7 +11575,7 @@
           <a:p>
             <a:fld id="{172407F7-C340-47F0-8F99-721A39879364}" type="datetimeFigureOut">
               <a:rPr kumimoji="1" lang="ja-JP" altLang="en-US" smtClean="0"/>
-              <a:t>2022/7/17</a:t>
+              <a:t>2022/7/18</a:t>
             </a:fld>
             <a:endParaRPr kumimoji="1" lang="ja-JP" altLang="en-US"/>
           </a:p>
@@ -6928,8 +12010,8 @@
         </p:nvSpPr>
         <p:spPr>
           <a:xfrm>
-            <a:off x="1524000" y="2516777"/>
-            <a:ext cx="9144000" cy="993186"/>
+            <a:off x="5589814" y="2623737"/>
+            <a:ext cx="3282043" cy="993186"/>
           </a:xfrm>
         </p:spPr>
         <p:txBody>
@@ -6937,11 +12019,10 @@
           <a:lstStyle/>
           <a:p>
             <a:r>
-              <a:rPr kumimoji="1" lang="en-US" altLang="ja-JP" dirty="0"/>
-              <a:t>Netflix</a:t>
-            </a:r>
-            <a:r>
-              <a:rPr kumimoji="1" lang="ja-JP" altLang="en-US" dirty="0"/>
+              <a:rPr kumimoji="1" lang="ja-JP" altLang="en-US" b="1" dirty="0">
+                <a:latin typeface="+mn-ea"/>
+                <a:ea typeface="+mn-ea"/>
+              </a:rPr>
               <a:t>について</a:t>
             </a:r>
           </a:p>
@@ -6965,7 +12046,7 @@
         </p:nvSpPr>
         <p:spPr>
           <a:xfrm>
-            <a:off x="5220788" y="4467496"/>
+            <a:off x="4589417" y="4755967"/>
             <a:ext cx="1750423" cy="398417"/>
           </a:xfrm>
         </p:spPr>
@@ -6982,10 +12063,183 @@
           </a:p>
         </p:txBody>
       </p:sp>
+      <p:pic>
+        <p:nvPicPr>
+          <p:cNvPr id="7" name="図 6">
+            <a:extLst>
+              <a:ext uri="{FF2B5EF4-FFF2-40B4-BE49-F238E27FC236}">
+                <a16:creationId xmlns:a16="http://schemas.microsoft.com/office/drawing/2014/main" id="{C417FB44-294C-8635-362F-309E316BF3F5}"/>
+              </a:ext>
+            </a:extLst>
+          </p:cNvPr>
+          <p:cNvPicPr>
+            <a:picLocks noChangeAspect="1"/>
+          </p:cNvPicPr>
+          <p:nvPr/>
+        </p:nvPicPr>
+        <p:blipFill>
+          <a:blip r:embed="rId2"/>
+          <a:stretch>
+            <a:fillRect/>
+          </a:stretch>
+        </p:blipFill>
+        <p:spPr>
+          <a:xfrm>
+            <a:off x="1850571" y="2433424"/>
+            <a:ext cx="3777343" cy="1168681"/>
+          </a:xfrm>
+          <a:prstGeom prst="rect">
+            <a:avLst/>
+          </a:prstGeom>
+        </p:spPr>
+      </p:pic>
     </p:spTree>
     <p:extLst>
       <p:ext uri="{BB962C8B-B14F-4D97-AF65-F5344CB8AC3E}">
         <p14:creationId xmlns:p14="http://schemas.microsoft.com/office/powerpoint/2010/main" val="779646289"/>
+      </p:ext>
+    </p:extLst>
+  </p:cSld>
+  <p:clrMapOvr>
+    <a:masterClrMapping/>
+  </p:clrMapOvr>
+</p:sld>
+</file>
+
+<file path=ppt/slides/slide10.xml><?xml version="1.0" encoding="utf-8"?>
+<p:sld xmlns:a="http://schemas.openxmlformats.org/drawingml/2006/main" xmlns:r="http://schemas.openxmlformats.org/officeDocument/2006/relationships" xmlns:p="http://schemas.openxmlformats.org/presentationml/2006/main">
+  <p:cSld>
+    <p:spTree>
+      <p:nvGrpSpPr>
+        <p:cNvPr id="1" name=""/>
+        <p:cNvGrpSpPr/>
+        <p:nvPr/>
+      </p:nvGrpSpPr>
+      <p:grpSpPr>
+        <a:xfrm>
+          <a:off x="0" y="0"/>
+          <a:ext cx="0" cy="0"/>
+          <a:chOff x="0" y="0"/>
+          <a:chExt cx="0" cy="0"/>
+        </a:xfrm>
+      </p:grpSpPr>
+      <p:sp>
+        <p:nvSpPr>
+          <p:cNvPr id="2" name="タイトル 1">
+            <a:extLst>
+              <a:ext uri="{FF2B5EF4-FFF2-40B4-BE49-F238E27FC236}">
+                <a16:creationId xmlns:a16="http://schemas.microsoft.com/office/drawing/2014/main" id="{53E02557-0593-6A3D-0B96-843EBD434ADF}"/>
+              </a:ext>
+            </a:extLst>
+          </p:cNvPr>
+          <p:cNvSpPr>
+            <a:spLocks noGrp="1"/>
+          </p:cNvSpPr>
+          <p:nvPr>
+            <p:ph type="title"/>
+          </p:nvPr>
+        </p:nvSpPr>
+        <p:spPr/>
+        <p:txBody>
+          <a:bodyPr/>
+          <a:lstStyle/>
+          <a:p>
+            <a:r>
+              <a:rPr kumimoji="1" lang="ja-JP" altLang="en-US" dirty="0">
+                <a:solidFill>
+                  <a:srgbClr val="44546A"/>
+                </a:solidFill>
+              </a:rPr>
+              <a:t>▍</a:t>
+            </a:r>
+            <a:r>
+              <a:rPr kumimoji="1" lang="ja-JP" altLang="en-US" b="1" dirty="0">
+                <a:latin typeface="+mn-ea"/>
+                <a:ea typeface="+mn-ea"/>
+              </a:rPr>
+              <a:t>おまけ</a:t>
+            </a:r>
+          </a:p>
+        </p:txBody>
+      </p:sp>
+      <p:sp>
+        <p:nvSpPr>
+          <p:cNvPr id="3" name="コンテンツ プレースホルダー 2">
+            <a:extLst>
+              <a:ext uri="{FF2B5EF4-FFF2-40B4-BE49-F238E27FC236}">
+                <a16:creationId xmlns:a16="http://schemas.microsoft.com/office/drawing/2014/main" id="{E1E82591-5447-8183-5FFE-B81F71A07374}"/>
+              </a:ext>
+            </a:extLst>
+          </p:cNvPr>
+          <p:cNvSpPr>
+            <a:spLocks noGrp="1"/>
+          </p:cNvSpPr>
+          <p:nvPr>
+            <p:ph idx="1"/>
+          </p:nvPr>
+        </p:nvSpPr>
+        <p:spPr>
+          <a:xfrm>
+            <a:off x="838200" y="2429885"/>
+            <a:ext cx="10515600" cy="1998229"/>
+          </a:xfrm>
+        </p:spPr>
+        <p:txBody>
+          <a:bodyPr/>
+          <a:lstStyle/>
+          <a:p>
+            <a:pPr>
+              <a:buFont typeface="Wingdings" panose="05000000000000000000" pitchFamily="2" charset="2"/>
+              <a:buChar char="Ø"/>
+            </a:pPr>
+            <a:r>
+              <a:rPr lang="ja-JP" altLang="en-US" dirty="0"/>
+              <a:t>授業でやった時系列データへのアプローチを試す</a:t>
+            </a:r>
+            <a:endParaRPr lang="en-US" altLang="ja-JP" dirty="0"/>
+          </a:p>
+          <a:p>
+            <a:pPr marL="0" indent="0">
+              <a:buNone/>
+            </a:pPr>
+            <a:endParaRPr lang="en-US" altLang="ja-JP" dirty="0"/>
+          </a:p>
+          <a:p>
+            <a:pPr>
+              <a:buFont typeface="Wingdings" panose="05000000000000000000" pitchFamily="2" charset="2"/>
+              <a:buChar char="Ø"/>
+            </a:pPr>
+            <a:r>
+              <a:rPr kumimoji="1" lang="en-US" altLang="ja-JP" dirty="0"/>
+              <a:t>Top10</a:t>
+            </a:r>
+            <a:r>
+              <a:rPr kumimoji="1" lang="ja-JP" altLang="en-US" dirty="0"/>
+              <a:t>の作品が、次週も</a:t>
+            </a:r>
+            <a:r>
+              <a:rPr kumimoji="1" lang="en-US" altLang="ja-JP" dirty="0"/>
+              <a:t>Top10</a:t>
+            </a:r>
+            <a:r>
+              <a:rPr kumimoji="1" lang="ja-JP" altLang="en-US" dirty="0"/>
+              <a:t>に含まれるかどうかの確率予測モデル</a:t>
+            </a:r>
+            <a:endParaRPr kumimoji="1" lang="en-US" altLang="ja-JP" dirty="0"/>
+          </a:p>
+          <a:p>
+            <a:pPr>
+              <a:buFont typeface="Wingdings" panose="05000000000000000000" pitchFamily="2" charset="2"/>
+              <a:buChar char="Ø"/>
+            </a:pPr>
+            <a:endParaRPr kumimoji="1" lang="ja-JP" altLang="en-US" dirty="0"/>
+          </a:p>
+        </p:txBody>
+      </p:sp>
+    </p:spTree>
+    <p:extLst>
+      <p:ext uri="{BB962C8B-B14F-4D97-AF65-F5344CB8AC3E}">
+        <p14:creationId xmlns:p14="http://schemas.microsoft.com/office/powerpoint/2010/main" val="3216334974"/>
       </p:ext>
     </p:extLst>
   </p:cSld>
@@ -7028,17 +12282,21 @@
             <p:ph type="title"/>
           </p:nvPr>
         </p:nvSpPr>
-        <p:spPr/>
+        <p:spPr>
+          <a:xfrm>
+            <a:off x="3641271" y="718350"/>
+            <a:ext cx="1317171" cy="756104"/>
+          </a:xfrm>
+        </p:spPr>
         <p:txBody>
           <a:bodyPr/>
           <a:lstStyle/>
           <a:p>
             <a:r>
-              <a:rPr kumimoji="1" lang="en-US" altLang="ja-JP" dirty="0"/>
-              <a:t>Netflix</a:t>
-            </a:r>
-            <a:r>
-              <a:rPr kumimoji="1" lang="ja-JP" altLang="en-US" dirty="0"/>
+              <a:rPr kumimoji="1" lang="ja-JP" altLang="en-US" b="1" dirty="0">
+                <a:latin typeface="+mn-ea"/>
+                <a:ea typeface="+mn-ea"/>
+              </a:rPr>
               <a:t>とは</a:t>
             </a:r>
           </a:p>
@@ -7060,7 +12318,7 @@
             <p:ph idx="1"/>
             <p:extLst>
               <p:ext uri="{D42A27DB-BD31-4B8C-83A1-F6EECF244321}">
-                <p14:modId xmlns:p14="http://schemas.microsoft.com/office/powerpoint/2010/main" val="967328858"/>
+                <p14:modId xmlns:p14="http://schemas.microsoft.com/office/powerpoint/2010/main" val="4169974756"/>
               </p:ext>
             </p:extLst>
           </p:nvPr>
@@ -7075,6 +12333,36 @@
           </a:graphicData>
         </a:graphic>
       </p:graphicFrame>
+      <p:pic>
+        <p:nvPicPr>
+          <p:cNvPr id="5" name="図 4">
+            <a:extLst>
+              <a:ext uri="{FF2B5EF4-FFF2-40B4-BE49-F238E27FC236}">
+                <a16:creationId xmlns:a16="http://schemas.microsoft.com/office/drawing/2014/main" id="{1DF4990E-D868-F99E-0771-F1DED62E7933}"/>
+              </a:ext>
+            </a:extLst>
+          </p:cNvPr>
+          <p:cNvPicPr>
+            <a:picLocks noChangeAspect="1"/>
+          </p:cNvPicPr>
+          <p:nvPr/>
+        </p:nvPicPr>
+        <p:blipFill>
+          <a:blip r:embed="rId7"/>
+          <a:stretch>
+            <a:fillRect/>
+          </a:stretch>
+        </p:blipFill>
+        <p:spPr>
+          <a:xfrm>
+            <a:off x="838200" y="485465"/>
+            <a:ext cx="2873502" cy="889039"/>
+          </a:xfrm>
+          <a:prstGeom prst="rect">
+            <a:avLst/>
+          </a:prstGeom>
+        </p:spPr>
+      </p:pic>
     </p:spTree>
     <p:extLst>
       <p:ext uri="{BB962C8B-B14F-4D97-AF65-F5344CB8AC3E}">
@@ -7121,14 +12409,31 @@
             <p:ph type="title"/>
           </p:nvPr>
         </p:nvSpPr>
-        <p:spPr/>
+        <p:spPr>
+          <a:ln cmpd="sng">
+            <a:solidFill>
+              <a:schemeClr val="bg1"/>
+            </a:solidFill>
+          </a:ln>
+        </p:spPr>
         <p:txBody>
           <a:bodyPr/>
           <a:lstStyle/>
           <a:p>
             <a:r>
-              <a:rPr kumimoji="1" lang="ja-JP" altLang="en-US" dirty="0"/>
-              <a:t>最近の動向</a:t>
+              <a:rPr kumimoji="1" lang="ja-JP" altLang="en-US" dirty="0">
+                <a:solidFill>
+                  <a:srgbClr val="44546A"/>
+                </a:solidFill>
+              </a:rPr>
+              <a:t>▍</a:t>
+            </a:r>
+            <a:r>
+              <a:rPr kumimoji="1" lang="ja-JP" altLang="en-US" b="1" dirty="0">
+                <a:latin typeface="+mn-ea"/>
+                <a:ea typeface="+mn-ea"/>
+              </a:rPr>
+              <a:t>最近の動向：会員数</a:t>
             </a:r>
           </a:p>
         </p:txBody>
@@ -7235,62 +12540,34 @@
           </a:p>
         </p:txBody>
       </p:sp>
-      <p:sp>
-        <p:nvSpPr>
-          <p:cNvPr id="4" name="テキスト ボックス 3">
+      <p:graphicFrame>
+        <p:nvGraphicFramePr>
+          <p:cNvPr id="5" name="図表 4">
             <a:extLst>
               <a:ext uri="{FF2B5EF4-FFF2-40B4-BE49-F238E27FC236}">
-                <a16:creationId xmlns:a16="http://schemas.microsoft.com/office/drawing/2014/main" id="{BD760E35-04F0-9392-CE94-7A9885C31631}"/>
+                <a16:creationId xmlns:a16="http://schemas.microsoft.com/office/drawing/2014/main" id="{40978BA1-9EA7-6A8F-4ED5-610DDF419E35}"/>
               </a:ext>
             </a:extLst>
           </p:cNvPr>
-          <p:cNvSpPr txBox="1"/>
-          <p:nvPr/>
-        </p:nvSpPr>
-        <p:spPr>
-          <a:xfrm>
-            <a:off x="7585166" y="2439625"/>
-            <a:ext cx="3405052" cy="1200329"/>
-          </a:xfrm>
-          <a:prstGeom prst="rect">
-            <a:avLst/>
-          </a:prstGeom>
-          <a:noFill/>
-        </p:spPr>
-        <p:txBody>
-          <a:bodyPr wrap="square" rtlCol="0">
-            <a:spAutoFit/>
-          </a:bodyPr>
-          <a:lstStyle/>
-          <a:p>
-            <a:r>
-              <a:rPr kumimoji="1" lang="ja-JP" altLang="en-US" dirty="0"/>
-              <a:t>複数人によるアカウント共有</a:t>
-            </a:r>
-            <a:endParaRPr kumimoji="1" lang="en-US" altLang="ja-JP" dirty="0"/>
-          </a:p>
-          <a:p>
-            <a:r>
-              <a:rPr kumimoji="1" lang="ja-JP" altLang="en-US" dirty="0"/>
-              <a:t>他社との競合</a:t>
-            </a:r>
-            <a:endParaRPr kumimoji="1" lang="en-US" altLang="ja-JP" dirty="0"/>
-          </a:p>
-          <a:p>
-            <a:r>
-              <a:rPr lang="ja-JP" altLang="en-US" dirty="0"/>
-              <a:t>ロシアでのサービス停止</a:t>
-            </a:r>
-            <a:endParaRPr lang="en-US" altLang="ja-JP" dirty="0"/>
-          </a:p>
-          <a:p>
-            <a:r>
-              <a:rPr kumimoji="1" lang="ja-JP" altLang="en-US" dirty="0"/>
-              <a:t>コロナブーストの低下</a:t>
-            </a:r>
-          </a:p>
-        </p:txBody>
-      </p:sp>
+          <p:cNvGraphicFramePr/>
+          <p:nvPr>
+            <p:extLst>
+              <p:ext uri="{D42A27DB-BD31-4B8C-83A1-F6EECF244321}">
+                <p14:modId xmlns:p14="http://schemas.microsoft.com/office/powerpoint/2010/main" val="4215959858"/>
+              </p:ext>
+            </p:extLst>
+          </p:nvPr>
+        </p:nvGraphicFramePr>
+        <p:xfrm>
+          <a:off x="7285805" y="2524404"/>
+          <a:ext cx="4672149" cy="2638469"/>
+        </p:xfrm>
+        <a:graphic>
+          <a:graphicData uri="http://schemas.openxmlformats.org/drawingml/2006/diagram">
+            <dgm:relIds xmlns:dgm="http://schemas.openxmlformats.org/drawingml/2006/diagram" xmlns:r="http://schemas.openxmlformats.org/officeDocument/2006/relationships" r:dm="rId3" r:lo="rId4" r:qs="rId5" r:cs="rId6"/>
+          </a:graphicData>
+        </a:graphic>
+      </p:graphicFrame>
     </p:spTree>
     <p:extLst>
       <p:ext uri="{BB962C8B-B14F-4D97-AF65-F5344CB8AC3E}">
@@ -7343,8 +12620,19 @@
           <a:lstStyle/>
           <a:p>
             <a:r>
-              <a:rPr kumimoji="1" lang="ja-JP" altLang="en-US" dirty="0"/>
-              <a:t>最近の動向</a:t>
+              <a:rPr kumimoji="1" lang="ja-JP" altLang="en-US" dirty="0">
+                <a:solidFill>
+                  <a:srgbClr val="44546A"/>
+                </a:solidFill>
+              </a:rPr>
+              <a:t>▍</a:t>
+            </a:r>
+            <a:r>
+              <a:rPr kumimoji="1" lang="ja-JP" altLang="en-US" b="1" dirty="0">
+                <a:latin typeface="+mn-ea"/>
+                <a:ea typeface="+mn-ea"/>
+              </a:rPr>
+              <a:t>最近の動向：株価</a:t>
             </a:r>
           </a:p>
         </p:txBody>
@@ -7379,7 +12667,7 @@
         </p:blipFill>
         <p:spPr>
           <a:xfrm>
-            <a:off x="966071" y="2215394"/>
+            <a:off x="966071" y="2080109"/>
             <a:ext cx="10259857" cy="3362794"/>
           </a:xfrm>
         </p:spPr>
@@ -7398,7 +12686,7 @@
         </p:nvSpPr>
         <p:spPr>
           <a:xfrm>
-            <a:off x="9131516" y="5969725"/>
+            <a:off x="9131516" y="5632268"/>
             <a:ext cx="2094412" cy="400110"/>
           </a:xfrm>
           <a:prstGeom prst="rect">
@@ -7425,6 +12713,188 @@
               <a:t>Investors</a:t>
             </a:r>
             <a:endParaRPr kumimoji="1" lang="ja-JP" altLang="en-US" sz="2000" dirty="0"/>
+          </a:p>
+        </p:txBody>
+      </p:sp>
+      <p:sp>
+        <p:nvSpPr>
+          <p:cNvPr id="8" name="フリーフォーム: 図形 7">
+            <a:extLst>
+              <a:ext uri="{FF2B5EF4-FFF2-40B4-BE49-F238E27FC236}">
+                <a16:creationId xmlns:a16="http://schemas.microsoft.com/office/drawing/2014/main" id="{F3CD9CD3-12D2-A836-174D-C54212D65DE1}"/>
+              </a:ext>
+            </a:extLst>
+          </p:cNvPr>
+          <p:cNvSpPr/>
+          <p:nvPr/>
+        </p:nvSpPr>
+        <p:spPr>
+          <a:xfrm>
+            <a:off x="9431057" y="3217244"/>
+            <a:ext cx="1107029" cy="1453475"/>
+          </a:xfrm>
+          <a:custGeom>
+            <a:avLst/>
+            <a:gdLst>
+              <a:gd name="connsiteX0" fmla="*/ 72172 w 1107029"/>
+              <a:gd name="connsiteY0" fmla="*/ 360198 h 1453475"/>
+              <a:gd name="connsiteX1" fmla="*/ 224572 w 1107029"/>
+              <a:gd name="connsiteY1" fmla="*/ 409184 h 1453475"/>
+              <a:gd name="connsiteX2" fmla="*/ 496714 w 1107029"/>
+              <a:gd name="connsiteY2" fmla="*/ 71727 h 1453475"/>
+              <a:gd name="connsiteX3" fmla="*/ 790629 w 1107029"/>
+              <a:gd name="connsiteY3" fmla="*/ 66284 h 1453475"/>
+              <a:gd name="connsiteX4" fmla="*/ 948472 w 1107029"/>
+              <a:gd name="connsiteY4" fmla="*/ 790184 h 1453475"/>
+              <a:gd name="connsiteX5" fmla="*/ 1106314 w 1107029"/>
+              <a:gd name="connsiteY5" fmla="*/ 1334470 h 1453475"/>
+              <a:gd name="connsiteX6" fmla="*/ 883157 w 1107029"/>
+              <a:gd name="connsiteY6" fmla="*/ 1426998 h 1453475"/>
+              <a:gd name="connsiteX7" fmla="*/ 708986 w 1107029"/>
+              <a:gd name="connsiteY7" fmla="*/ 975241 h 1453475"/>
+              <a:gd name="connsiteX8" fmla="*/ 611014 w 1107029"/>
+              <a:gd name="connsiteY8" fmla="*/ 643227 h 1453475"/>
+              <a:gd name="connsiteX9" fmla="*/ 219129 w 1107029"/>
+              <a:gd name="connsiteY9" fmla="*/ 752084 h 1453475"/>
+              <a:gd name="connsiteX10" fmla="*/ 6857 w 1107029"/>
+              <a:gd name="connsiteY10" fmla="*/ 610570 h 1453475"/>
+              <a:gd name="connsiteX11" fmla="*/ 72172 w 1107029"/>
+              <a:gd name="connsiteY11" fmla="*/ 360198 h 1453475"/>
+            </a:gdLst>
+            <a:ahLst/>
+            <a:cxnLst>
+              <a:cxn ang="0">
+                <a:pos x="connsiteX0" y="connsiteY0"/>
+              </a:cxn>
+              <a:cxn ang="0">
+                <a:pos x="connsiteX1" y="connsiteY1"/>
+              </a:cxn>
+              <a:cxn ang="0">
+                <a:pos x="connsiteX2" y="connsiteY2"/>
+              </a:cxn>
+              <a:cxn ang="0">
+                <a:pos x="connsiteX3" y="connsiteY3"/>
+              </a:cxn>
+              <a:cxn ang="0">
+                <a:pos x="connsiteX4" y="connsiteY4"/>
+              </a:cxn>
+              <a:cxn ang="0">
+                <a:pos x="connsiteX5" y="connsiteY5"/>
+              </a:cxn>
+              <a:cxn ang="0">
+                <a:pos x="connsiteX6" y="connsiteY6"/>
+              </a:cxn>
+              <a:cxn ang="0">
+                <a:pos x="connsiteX7" y="connsiteY7"/>
+              </a:cxn>
+              <a:cxn ang="0">
+                <a:pos x="connsiteX8" y="connsiteY8"/>
+              </a:cxn>
+              <a:cxn ang="0">
+                <a:pos x="connsiteX9" y="connsiteY9"/>
+              </a:cxn>
+              <a:cxn ang="0">
+                <a:pos x="connsiteX10" y="connsiteY10"/>
+              </a:cxn>
+              <a:cxn ang="0">
+                <a:pos x="connsiteX11" y="connsiteY11"/>
+              </a:cxn>
+            </a:cxnLst>
+            <a:rect l="l" t="t" r="r" b="b"/>
+            <a:pathLst>
+              <a:path w="1107029" h="1453475">
+                <a:moveTo>
+                  <a:pt x="72172" y="360198"/>
+                </a:moveTo>
+                <a:cubicBezTo>
+                  <a:pt x="108458" y="326634"/>
+                  <a:pt x="153815" y="457263"/>
+                  <a:pt x="224572" y="409184"/>
+                </a:cubicBezTo>
+                <a:cubicBezTo>
+                  <a:pt x="295329" y="361106"/>
+                  <a:pt x="402371" y="128877"/>
+                  <a:pt x="496714" y="71727"/>
+                </a:cubicBezTo>
+                <a:cubicBezTo>
+                  <a:pt x="591057" y="14577"/>
+                  <a:pt x="715336" y="-53459"/>
+                  <a:pt x="790629" y="66284"/>
+                </a:cubicBezTo>
+                <a:cubicBezTo>
+                  <a:pt x="865922" y="186027"/>
+                  <a:pt x="895858" y="578820"/>
+                  <a:pt x="948472" y="790184"/>
+                </a:cubicBezTo>
+                <a:cubicBezTo>
+                  <a:pt x="1001086" y="1001548"/>
+                  <a:pt x="1117200" y="1228334"/>
+                  <a:pt x="1106314" y="1334470"/>
+                </a:cubicBezTo>
+                <a:cubicBezTo>
+                  <a:pt x="1095428" y="1440606"/>
+                  <a:pt x="949378" y="1486869"/>
+                  <a:pt x="883157" y="1426998"/>
+                </a:cubicBezTo>
+                <a:cubicBezTo>
+                  <a:pt x="816936" y="1367127"/>
+                  <a:pt x="754343" y="1105869"/>
+                  <a:pt x="708986" y="975241"/>
+                </a:cubicBezTo>
+                <a:cubicBezTo>
+                  <a:pt x="663629" y="844613"/>
+                  <a:pt x="692657" y="680420"/>
+                  <a:pt x="611014" y="643227"/>
+                </a:cubicBezTo>
+                <a:cubicBezTo>
+                  <a:pt x="529371" y="606034"/>
+                  <a:pt x="319822" y="757527"/>
+                  <a:pt x="219129" y="752084"/>
+                </a:cubicBezTo>
+                <a:cubicBezTo>
+                  <a:pt x="118436" y="746641"/>
+                  <a:pt x="33164" y="675884"/>
+                  <a:pt x="6857" y="610570"/>
+                </a:cubicBezTo>
+                <a:cubicBezTo>
+                  <a:pt x="-19450" y="545256"/>
+                  <a:pt x="35886" y="393762"/>
+                  <a:pt x="72172" y="360198"/>
+                </a:cubicBezTo>
+                <a:close/>
+              </a:path>
+            </a:pathLst>
+          </a:custGeom>
+          <a:noFill/>
+          <a:ln w="38100">
+            <a:solidFill>
+              <a:srgbClr val="44546A"/>
+            </a:solidFill>
+            <a:prstDash val="dash"/>
+          </a:ln>
+        </p:spPr>
+        <p:style>
+          <a:lnRef idx="2">
+            <a:schemeClr val="accent1">
+              <a:shade val="50000"/>
+            </a:schemeClr>
+          </a:lnRef>
+          <a:fillRef idx="1">
+            <a:schemeClr val="accent1"/>
+          </a:fillRef>
+          <a:effectRef idx="0">
+            <a:schemeClr val="accent1"/>
+          </a:effectRef>
+          <a:fontRef idx="minor">
+            <a:schemeClr val="lt1"/>
+          </a:fontRef>
+        </p:style>
+        <p:txBody>
+          <a:bodyPr rtlCol="0" anchor="ctr"/>
+          <a:lstStyle/>
+          <a:p>
+            <a:pPr algn="ctr"/>
+            <a:endParaRPr kumimoji="1" lang="ja-JP" altLang="en-US"/>
           </a:p>
         </p:txBody>
       </p:sp>
@@ -7480,56 +12950,54 @@
           <a:lstStyle/>
           <a:p>
             <a:r>
-              <a:rPr kumimoji="1" lang="ja-JP" altLang="en-US" dirty="0"/>
+              <a:rPr kumimoji="1" lang="ja-JP" altLang="en-US" dirty="0">
+                <a:solidFill>
+                  <a:srgbClr val="44546A"/>
+                </a:solidFill>
+              </a:rPr>
+              <a:t>▍</a:t>
+            </a:r>
+            <a:r>
+              <a:rPr kumimoji="1" lang="ja-JP" altLang="en-US" b="1" dirty="0">
+                <a:latin typeface="+mn-ea"/>
+                <a:ea typeface="+mn-ea"/>
+              </a:rPr>
               <a:t>仮説</a:t>
             </a:r>
           </a:p>
         </p:txBody>
       </p:sp>
-      <p:sp>
-        <p:nvSpPr>
-          <p:cNvPr id="3" name="コンテンツ プレースホルダー 2">
+      <p:graphicFrame>
+        <p:nvGraphicFramePr>
+          <p:cNvPr id="4" name="コンテンツ プレースホルダー 3">
             <a:extLst>
               <a:ext uri="{FF2B5EF4-FFF2-40B4-BE49-F238E27FC236}">
-                <a16:creationId xmlns:a16="http://schemas.microsoft.com/office/drawing/2014/main" id="{853287ED-085D-CC90-FD5F-CE85DC296F47}"/>
+                <a16:creationId xmlns:a16="http://schemas.microsoft.com/office/drawing/2014/main" id="{123AD72F-9D42-193A-2A07-94D73ABCFD37}"/>
               </a:ext>
             </a:extLst>
           </p:cNvPr>
-          <p:cNvSpPr>
-            <a:spLocks noGrp="1"/>
-          </p:cNvSpPr>
+          <p:cNvGraphicFramePr>
+            <a:graphicFrameLocks noGrp="1"/>
+          </p:cNvGraphicFramePr>
           <p:nvPr>
             <p:ph idx="1"/>
+            <p:extLst>
+              <p:ext uri="{D42A27DB-BD31-4B8C-83A1-F6EECF244321}">
+                <p14:modId xmlns:p14="http://schemas.microsoft.com/office/powerpoint/2010/main" val="2500551336"/>
+              </p:ext>
+            </p:extLst>
           </p:nvPr>
-        </p:nvSpPr>
-        <p:spPr/>
-        <p:txBody>
-          <a:bodyPr/>
-          <a:lstStyle/>
-          <a:p>
-            <a:r>
-              <a:rPr kumimoji="1" lang="en-US" altLang="ja-JP" dirty="0"/>
-              <a:t>Netflix</a:t>
-            </a:r>
-            <a:r>
-              <a:rPr kumimoji="1" lang="ja-JP" altLang="en-US" dirty="0"/>
-              <a:t>の株価は作品の影響を受けているのではないだろうか</a:t>
-            </a:r>
-            <a:endParaRPr kumimoji="1" lang="en-US" altLang="ja-JP" dirty="0"/>
-          </a:p>
-          <a:p>
-            <a:r>
-              <a:rPr lang="en-US" altLang="ja-JP" dirty="0"/>
-              <a:t>Netflix</a:t>
-            </a:r>
-            <a:r>
-              <a:rPr lang="ja-JP" altLang="en-US" dirty="0"/>
-              <a:t>で人気のある作品には決まった特徴があるのではないか</a:t>
-            </a:r>
-            <a:endParaRPr kumimoji="1" lang="ja-JP" altLang="en-US" dirty="0"/>
-          </a:p>
-        </p:txBody>
-      </p:sp>
+        </p:nvGraphicFramePr>
+        <p:xfrm>
+          <a:off x="838200" y="1825625"/>
+          <a:ext cx="10515600" cy="4351338"/>
+        </p:xfrm>
+        <a:graphic>
+          <a:graphicData uri="http://schemas.openxmlformats.org/drawingml/2006/diagram">
+            <dgm:relIds xmlns:dgm="http://schemas.openxmlformats.org/drawingml/2006/diagram" xmlns:r="http://schemas.openxmlformats.org/officeDocument/2006/relationships" r:dm="rId2" r:lo="rId3" r:qs="rId4" r:cs="rId5"/>
+          </a:graphicData>
+        </a:graphic>
+      </p:graphicFrame>
     </p:spTree>
     <p:extLst>
       <p:ext uri="{BB962C8B-B14F-4D97-AF65-F5344CB8AC3E}">
@@ -7576,20 +13044,42 @@
             <p:ph type="title"/>
           </p:nvPr>
         </p:nvSpPr>
-        <p:spPr/>
+        <p:spPr>
+          <a:xfrm>
+            <a:off x="838199" y="365125"/>
+            <a:ext cx="10903527" cy="1325563"/>
+          </a:xfrm>
+        </p:spPr>
         <p:txBody>
           <a:bodyPr/>
           <a:lstStyle/>
           <a:p>
             <a:r>
-              <a:rPr kumimoji="1" lang="ja-JP" altLang="en-US" dirty="0"/>
+              <a:rPr kumimoji="1" lang="ja-JP" altLang="en-US" dirty="0">
+                <a:solidFill>
+                  <a:srgbClr val="44546A"/>
+                </a:solidFill>
+              </a:rPr>
+              <a:t>▍</a:t>
+            </a:r>
+            <a:r>
+              <a:rPr kumimoji="1" lang="ja-JP" altLang="en-US" b="1" dirty="0">
+                <a:latin typeface="+mn-ea"/>
+                <a:ea typeface="+mn-ea"/>
+              </a:rPr>
               <a:t>扱うデータ</a:t>
             </a:r>
             <a:r>
-              <a:rPr lang="ja-JP" altLang="en-US" dirty="0"/>
+              <a:rPr lang="ja-JP" altLang="en-US" b="1" dirty="0">
+                <a:latin typeface="+mn-ea"/>
+                <a:ea typeface="+mn-ea"/>
+              </a:rPr>
               <a:t>：作品の視聴時間ランキング</a:t>
             </a:r>
-            <a:endParaRPr kumimoji="1" lang="ja-JP" altLang="en-US" dirty="0"/>
+            <a:endParaRPr kumimoji="1" lang="ja-JP" altLang="en-US" b="1" dirty="0">
+              <a:latin typeface="+mn-ea"/>
+              <a:ea typeface="+mn-ea"/>
+            </a:endParaRPr>
           </a:p>
         </p:txBody>
       </p:sp>
@@ -7672,58 +13162,6 @@
           </a:p>
         </p:txBody>
       </p:sp>
-      <p:sp>
-        <p:nvSpPr>
-          <p:cNvPr id="7" name="テキスト ボックス 6">
-            <a:extLst>
-              <a:ext uri="{FF2B5EF4-FFF2-40B4-BE49-F238E27FC236}">
-                <a16:creationId xmlns:a16="http://schemas.microsoft.com/office/drawing/2014/main" id="{6D2D8BCE-2872-C975-EA8D-2D85CCB4B00A}"/>
-              </a:ext>
-            </a:extLst>
-          </p:cNvPr>
-          <p:cNvSpPr txBox="1"/>
-          <p:nvPr/>
-        </p:nvSpPr>
-        <p:spPr>
-          <a:xfrm>
-            <a:off x="9022081" y="1942011"/>
-            <a:ext cx="2490651" cy="923330"/>
-          </a:xfrm>
-          <a:prstGeom prst="rect">
-            <a:avLst/>
-          </a:prstGeom>
-          <a:noFill/>
-        </p:spPr>
-        <p:txBody>
-          <a:bodyPr wrap="square" rtlCol="0">
-            <a:spAutoFit/>
-          </a:bodyPr>
-          <a:lstStyle/>
-          <a:p>
-            <a:r>
-              <a:rPr lang="ja-JP" altLang="en-US" dirty="0"/>
-              <a:t>週間の総視聴時間</a:t>
-            </a:r>
-            <a:endParaRPr lang="en-US" altLang="ja-JP" dirty="0"/>
-          </a:p>
-          <a:p>
-            <a:r>
-              <a:rPr lang="ja-JP" altLang="en-US" dirty="0"/>
-              <a:t>何回連続で</a:t>
-            </a:r>
-            <a:r>
-              <a:rPr lang="en-US" altLang="ja-JP" dirty="0"/>
-              <a:t>Top10</a:t>
-            </a:r>
-          </a:p>
-          <a:p>
-            <a:r>
-              <a:rPr kumimoji="1" lang="ja-JP" altLang="en-US" dirty="0"/>
-              <a:t>作品の言語について</a:t>
-            </a:r>
-          </a:p>
-        </p:txBody>
-      </p:sp>
     </p:spTree>
     <p:extLst>
       <p:ext uri="{BB962C8B-B14F-4D97-AF65-F5344CB8AC3E}">
@@ -7776,14 +13214,31 @@
           <a:lstStyle/>
           <a:p>
             <a:r>
-              <a:rPr kumimoji="1" lang="ja-JP" altLang="en-US" dirty="0"/>
+              <a:rPr kumimoji="1" lang="ja-JP" altLang="en-US" dirty="0">
+                <a:solidFill>
+                  <a:srgbClr val="44546A"/>
+                </a:solidFill>
+              </a:rPr>
+              <a:t>▍</a:t>
+            </a:r>
+            <a:r>
+              <a:rPr kumimoji="1" lang="ja-JP" altLang="en-US" b="1" dirty="0">
+                <a:latin typeface="+mn-ea"/>
+                <a:ea typeface="+mn-ea"/>
+              </a:rPr>
               <a:t>扱うデータ</a:t>
             </a:r>
             <a:r>
-              <a:rPr lang="ja-JP" altLang="en-US" dirty="0"/>
+              <a:rPr lang="ja-JP" altLang="en-US" b="1" dirty="0">
+                <a:latin typeface="+mn-ea"/>
+                <a:ea typeface="+mn-ea"/>
+              </a:rPr>
               <a:t>：オリジナル作品のリスト</a:t>
             </a:r>
-            <a:endParaRPr kumimoji="1" lang="ja-JP" altLang="en-US" dirty="0"/>
+            <a:endParaRPr kumimoji="1" lang="ja-JP" altLang="en-US" b="1" dirty="0">
+              <a:latin typeface="+mn-ea"/>
+              <a:ea typeface="+mn-ea"/>
+            </a:endParaRPr>
           </a:p>
         </p:txBody>
       </p:sp>
@@ -7811,8 +13266,8 @@
         </p:blipFill>
         <p:spPr>
           <a:xfrm>
-            <a:off x="838200" y="1608750"/>
-            <a:ext cx="7145547" cy="2588782"/>
+            <a:off x="560190" y="1690688"/>
+            <a:ext cx="11314937" cy="4099323"/>
           </a:xfrm>
         </p:spPr>
       </p:pic>
@@ -7830,7 +13285,7 @@
         </p:nvSpPr>
         <p:spPr>
           <a:xfrm>
-            <a:off x="4093029" y="4720046"/>
+            <a:off x="7729847" y="6185098"/>
             <a:ext cx="4145280" cy="307777"/>
           </a:xfrm>
           <a:prstGeom prst="rect">
@@ -7869,56 +13324,6 @@
               <a:t>of Netflix Original programming]</a:t>
             </a:r>
             <a:endParaRPr kumimoji="1" lang="ja-JP" altLang="en-US" sz="1400" dirty="0"/>
-          </a:p>
-        </p:txBody>
-      </p:sp>
-      <p:sp>
-        <p:nvSpPr>
-          <p:cNvPr id="7" name="テキスト ボックス 6">
-            <a:extLst>
-              <a:ext uri="{FF2B5EF4-FFF2-40B4-BE49-F238E27FC236}">
-                <a16:creationId xmlns:a16="http://schemas.microsoft.com/office/drawing/2014/main" id="{A6CA2459-57A2-0015-0C2C-F4261194AE27}"/>
-              </a:ext>
-            </a:extLst>
-          </p:cNvPr>
-          <p:cNvSpPr txBox="1"/>
-          <p:nvPr/>
-        </p:nvSpPr>
-        <p:spPr>
-          <a:xfrm>
-            <a:off x="9279908" y="2413585"/>
-            <a:ext cx="2337326" cy="923330"/>
-          </a:xfrm>
-          <a:prstGeom prst="rect">
-            <a:avLst/>
-          </a:prstGeom>
-          <a:noFill/>
-        </p:spPr>
-        <p:txBody>
-          <a:bodyPr wrap="square" rtlCol="0">
-            <a:spAutoFit/>
-          </a:bodyPr>
-          <a:lstStyle/>
-          <a:p>
-            <a:r>
-              <a:rPr lang="ja-JP" altLang="en-US" dirty="0"/>
-              <a:t>タイトル</a:t>
-            </a:r>
-            <a:endParaRPr lang="en-US" altLang="ja-JP" dirty="0"/>
-          </a:p>
-          <a:p>
-            <a:r>
-              <a:rPr lang="ja-JP" altLang="en-US" dirty="0"/>
-              <a:t>作品のジャンル</a:t>
-            </a:r>
-            <a:endParaRPr lang="en-US" altLang="ja-JP" dirty="0"/>
-          </a:p>
-          <a:p>
-            <a:r>
-              <a:rPr kumimoji="1" lang="ja-JP" altLang="en-US" dirty="0"/>
-              <a:t>開始時期</a:t>
-            </a:r>
-            <a:endParaRPr kumimoji="1" lang="en-US" altLang="ja-JP" dirty="0"/>
           </a:p>
         </p:txBody>
       </p:sp>
@@ -7974,7 +13379,18 @@
           <a:lstStyle/>
           <a:p>
             <a:r>
-              <a:rPr kumimoji="1" lang="ja-JP" altLang="en-US" dirty="0"/>
+              <a:rPr kumimoji="1" lang="ja-JP" altLang="en-US" dirty="0">
+                <a:solidFill>
+                  <a:srgbClr val="44546A"/>
+                </a:solidFill>
+              </a:rPr>
+              <a:t>▍</a:t>
+            </a:r>
+            <a:r>
+              <a:rPr kumimoji="1" lang="ja-JP" altLang="en-US" b="1" dirty="0">
+                <a:latin typeface="+mn-ea"/>
+                <a:ea typeface="+mn-ea"/>
+              </a:rPr>
               <a:t>株価についての線形回帰モデル</a:t>
             </a:r>
           </a:p>
@@ -7996,45 +13412,79 @@
             <p:ph idx="1"/>
           </p:nvPr>
         </p:nvSpPr>
-        <p:spPr/>
+        <p:spPr>
+          <a:xfrm>
+            <a:off x="838200" y="2102713"/>
+            <a:ext cx="10515600" cy="3591502"/>
+          </a:xfrm>
+        </p:spPr>
         <p:txBody>
           <a:bodyPr/>
           <a:lstStyle/>
           <a:p>
+            <a:pPr>
+              <a:buFont typeface="Wingdings" panose="05000000000000000000" pitchFamily="2" charset="2"/>
+              <a:buChar char="Ø"/>
+            </a:pPr>
             <a:r>
               <a:rPr kumimoji="1" lang="ja-JP" altLang="en-US" dirty="0"/>
               <a:t>被説明変数</a:t>
-            </a:r>
-            <a:r>
-              <a:rPr kumimoji="1" lang="en-US" altLang="ja-JP" dirty="0"/>
-              <a:t>:Netflix</a:t>
-            </a:r>
-            <a:r>
-              <a:rPr kumimoji="1" lang="ja-JP" altLang="en-US" dirty="0"/>
-              <a:t>株価</a:t>
-            </a:r>
-            <a:r>
-              <a:rPr kumimoji="1" lang="en-US" altLang="ja-JP" dirty="0"/>
-              <a:t>(</a:t>
-            </a:r>
-            <a:r>
-              <a:rPr kumimoji="1" lang="ja-JP" altLang="en-US" dirty="0"/>
-              <a:t>週間平均</a:t>
-            </a:r>
-            <a:r>
-              <a:rPr kumimoji="1" lang="en-US" altLang="ja-JP" dirty="0"/>
-              <a:t>)</a:t>
-            </a:r>
-          </a:p>
-          <a:p>
-            <a:r>
-              <a:rPr lang="ja-JP" altLang="en-US" dirty="0"/>
-              <a:t>説明変数</a:t>
             </a:r>
             <a:endParaRPr lang="en-US" altLang="ja-JP" dirty="0"/>
           </a:p>
           <a:p>
-            <a:pPr lvl="1"/>
+            <a:pPr marL="0" indent="0">
+              <a:buNone/>
+            </a:pPr>
+            <a:r>
+              <a:rPr kumimoji="1" lang="en-US" altLang="ja-JP" dirty="0"/>
+              <a:t>	Netflix</a:t>
+            </a:r>
+            <a:r>
+              <a:rPr kumimoji="1" lang="ja-JP" altLang="en-US" dirty="0"/>
+              <a:t>株価</a:t>
+            </a:r>
+            <a:r>
+              <a:rPr kumimoji="1" lang="en-US" altLang="ja-JP" dirty="0"/>
+              <a:t>(</a:t>
+            </a:r>
+            <a:r>
+              <a:rPr kumimoji="1" lang="ja-JP" altLang="en-US" dirty="0"/>
+              <a:t>週間平均</a:t>
+            </a:r>
+            <a:r>
+              <a:rPr kumimoji="1" lang="en-US" altLang="ja-JP" dirty="0"/>
+              <a:t>)</a:t>
+            </a:r>
+          </a:p>
+          <a:p>
+            <a:pPr marL="0" indent="0">
+              <a:buNone/>
+            </a:pPr>
+            <a:endParaRPr kumimoji="1" lang="en-US" altLang="ja-JP" dirty="0"/>
+          </a:p>
+          <a:p>
+            <a:pPr>
+              <a:buFont typeface="Wingdings" panose="05000000000000000000" pitchFamily="2" charset="2"/>
+              <a:buChar char="Ø"/>
+            </a:pPr>
+            <a:r>
+              <a:rPr lang="ja-JP" altLang="en-US" dirty="0"/>
+              <a:t>説明変数</a:t>
+            </a:r>
+            <a:r>
+              <a:rPr lang="en-US" altLang="ja-JP" dirty="0"/>
+              <a:t>	</a:t>
+            </a:r>
+          </a:p>
+          <a:p>
+            <a:pPr marL="0" indent="0">
+              <a:buNone/>
+            </a:pPr>
+            <a:r>
+              <a:rPr lang="en-US" altLang="ja-JP" dirty="0"/>
+              <a:t>	</a:t>
+            </a:r>
             <a:r>
               <a:rPr lang="ja-JP" altLang="en-US" dirty="0"/>
               <a:t>人気作品の視聴時間</a:t>
@@ -8042,10 +13492,30 @@
             <a:endParaRPr lang="en-US" altLang="ja-JP" dirty="0"/>
           </a:p>
           <a:p>
-            <a:pPr lvl="1"/>
+            <a:pPr marL="0" indent="0">
+              <a:buNone/>
+            </a:pPr>
+            <a:r>
+              <a:rPr lang="en-US" altLang="ja-JP" dirty="0"/>
+              <a:t>	</a:t>
+            </a:r>
             <a:r>
               <a:rPr lang="ja-JP" altLang="en-US" dirty="0"/>
-              <a:t>人気作品に含まれるオリジナルシリーズの数</a:t>
+              <a:t>人気作品のうちオリジナルシリーズの割合</a:t>
+            </a:r>
+            <a:endParaRPr lang="en-US" altLang="ja-JP" dirty="0"/>
+          </a:p>
+          <a:p>
+            <a:pPr marL="0" indent="0">
+              <a:buNone/>
+            </a:pPr>
+            <a:r>
+              <a:rPr lang="en-US" altLang="ja-JP" dirty="0"/>
+              <a:t>	</a:t>
+            </a:r>
+            <a:r>
+              <a:rPr lang="ja-JP" altLang="en-US" dirty="0"/>
+              <a:t>コロナ死者数など</a:t>
             </a:r>
             <a:endParaRPr lang="en-US" altLang="ja-JP" dirty="0"/>
           </a:p>
@@ -8107,7 +13577,18 @@
           <a:lstStyle/>
           <a:p>
             <a:r>
-              <a:rPr kumimoji="1" lang="ja-JP" altLang="en-US" dirty="0"/>
+              <a:rPr kumimoji="1" lang="ja-JP" altLang="en-US" dirty="0">
+                <a:solidFill>
+                  <a:srgbClr val="44546A"/>
+                </a:solidFill>
+              </a:rPr>
+              <a:t>▍</a:t>
+            </a:r>
+            <a:r>
+              <a:rPr kumimoji="1" lang="ja-JP" altLang="en-US" b="1" dirty="0">
+                <a:latin typeface="+mn-ea"/>
+                <a:ea typeface="+mn-ea"/>
+              </a:rPr>
               <a:t>人気作品についての回帰モデル</a:t>
             </a:r>
           </a:p>
@@ -8129,59 +13610,117 @@
             <p:ph idx="1"/>
           </p:nvPr>
         </p:nvSpPr>
-        <p:spPr/>
+        <p:spPr>
+          <a:xfrm>
+            <a:off x="838200" y="2068080"/>
+            <a:ext cx="10515600" cy="4351338"/>
+          </a:xfrm>
+        </p:spPr>
         <p:txBody>
           <a:bodyPr/>
           <a:lstStyle/>
           <a:p>
+            <a:pPr>
+              <a:buFont typeface="Wingdings" panose="05000000000000000000" pitchFamily="2" charset="2"/>
+              <a:buChar char="Ø"/>
+            </a:pPr>
             <a:r>
               <a:rPr kumimoji="1" lang="ja-JP" altLang="en-US" dirty="0"/>
-              <a:t>被説明変数：作品の連続</a:t>
-            </a:r>
-            <a:r>
-              <a:rPr kumimoji="1" lang="en-US" altLang="ja-JP" dirty="0"/>
-              <a:t>Top10</a:t>
-            </a:r>
-            <a:r>
-              <a:rPr kumimoji="1" lang="ja-JP" altLang="en-US" dirty="0"/>
-              <a:t>入りの回数</a:t>
+              <a:t>被説明変数</a:t>
             </a:r>
             <a:endParaRPr kumimoji="1" lang="en-US" altLang="ja-JP" dirty="0"/>
           </a:p>
           <a:p>
-            <a:r>
-              <a:rPr lang="ja-JP" altLang="en-US" dirty="0"/>
-              <a:t>説明変数</a:t>
-            </a:r>
+            <a:pPr marL="0" indent="0">
+              <a:buNone/>
+            </a:pPr>
+            <a:r>
+              <a:rPr lang="en-US" altLang="ja-JP" dirty="0"/>
+              <a:t>	</a:t>
+            </a:r>
+            <a:r>
+              <a:rPr kumimoji="1" lang="ja-JP" altLang="en-US" dirty="0"/>
+              <a:t>作品の連続</a:t>
+            </a:r>
+            <a:r>
+              <a:rPr kumimoji="1" lang="en-US" altLang="ja-JP" dirty="0"/>
+              <a:t>Top10</a:t>
+            </a:r>
+            <a:r>
+              <a:rPr kumimoji="1" lang="ja-JP" altLang="en-US" dirty="0"/>
+              <a:t>入りの回数</a:t>
+            </a:r>
+            <a:endParaRPr kumimoji="1" lang="en-US" altLang="ja-JP" dirty="0"/>
+          </a:p>
+          <a:p>
+            <a:pPr marL="0" indent="0">
+              <a:buNone/>
+            </a:pPr>
             <a:endParaRPr lang="en-US" altLang="ja-JP" dirty="0"/>
           </a:p>
           <a:p>
-            <a:pPr lvl="1"/>
-            <a:r>
-              <a:rPr kumimoji="1" lang="ja-JP" altLang="en-US" dirty="0"/>
-              <a:t>オリジナル作品かどうかのダミー変数</a:t>
-            </a:r>
-            <a:endParaRPr kumimoji="1" lang="en-US" altLang="ja-JP" dirty="0"/>
-          </a:p>
-          <a:p>
-            <a:pPr lvl="1"/>
+            <a:pPr>
+              <a:buFont typeface="Wingdings" panose="05000000000000000000" pitchFamily="2" charset="2"/>
+              <a:buChar char="Ø"/>
+            </a:pPr>
             <a:r>
               <a:rPr lang="ja-JP" altLang="en-US" dirty="0"/>
-              <a:t>アカデミー賞作品かどうかのダミー変数</a:t>
+              <a:t>説明変数</a:t>
             </a:r>
             <a:endParaRPr lang="en-US" altLang="ja-JP" dirty="0"/>
           </a:p>
           <a:p>
-            <a:pPr lvl="1"/>
+            <a:pPr marL="0" indent="0">
+              <a:buNone/>
+            </a:pPr>
+            <a:r>
+              <a:rPr kumimoji="1" lang="en-US" altLang="ja-JP" dirty="0"/>
+              <a:t>	</a:t>
+            </a:r>
             <a:r>
               <a:rPr kumimoji="1" lang="ja-JP" altLang="en-US" dirty="0"/>
-              <a:t>公開から</a:t>
-            </a:r>
-            <a:r>
-              <a:rPr kumimoji="1" lang="ja-JP" altLang="en-US"/>
-              <a:t>の日数</a:t>
-            </a:r>
-            <a:endParaRPr kumimoji="1" lang="en-US" altLang="ja-JP"/>
+              <a:t>オリジナル作品かどうかのダミー変数</a:t>
+            </a:r>
+            <a:r>
+              <a:rPr lang="en-US" altLang="ja-JP" dirty="0"/>
+              <a:t>	</a:t>
+            </a:r>
+          </a:p>
+          <a:p>
+            <a:pPr marL="0" indent="0">
+              <a:buNone/>
+            </a:pPr>
+            <a:r>
+              <a:rPr lang="en-US" altLang="ja-JP" dirty="0"/>
+              <a:t>	</a:t>
+            </a:r>
+            <a:r>
+              <a:rPr lang="ja-JP" altLang="en-US" dirty="0"/>
+              <a:t>アカデミー賞作品かどうかのダミー変数</a:t>
+            </a:r>
+            <a:endParaRPr lang="en-US" altLang="ja-JP" dirty="0"/>
+          </a:p>
+          <a:p>
+            <a:pPr marL="0" indent="0">
+              <a:buNone/>
+            </a:pPr>
+            <a:r>
+              <a:rPr kumimoji="1" lang="en-US" altLang="ja-JP" dirty="0"/>
+              <a:t>	</a:t>
+            </a:r>
+            <a:r>
+              <a:rPr kumimoji="1" lang="ja-JP" altLang="en-US" dirty="0"/>
+              <a:t>公開日からの</a:t>
+            </a:r>
+            <a:r>
+              <a:rPr lang="ja-JP" altLang="en-US" dirty="0"/>
+              <a:t>経過</a:t>
+            </a:r>
+            <a:r>
+              <a:rPr kumimoji="1" lang="ja-JP" altLang="en-US" dirty="0"/>
+              <a:t>日数など</a:t>
+            </a:r>
+            <a:endParaRPr kumimoji="1" lang="en-US" altLang="ja-JP" dirty="0"/>
           </a:p>
         </p:txBody>
       </p:sp>

--- a/Document/中間発表.pptx
+++ b/Document/中間発表.pptx
@@ -13083,12 +13083,56 @@
           </a:p>
         </p:txBody>
       </p:sp>
+      <p:sp>
+        <p:nvSpPr>
+          <p:cNvPr id="6" name="テキスト ボックス 5">
+            <a:extLst>
+              <a:ext uri="{FF2B5EF4-FFF2-40B4-BE49-F238E27FC236}">
+                <a16:creationId xmlns:a16="http://schemas.microsoft.com/office/drawing/2014/main" id="{A60D5C0F-E11F-F37F-FF26-3B9C3523A16D}"/>
+              </a:ext>
+            </a:extLst>
+          </p:cNvPr>
+          <p:cNvSpPr txBox="1"/>
+          <p:nvPr/>
+        </p:nvSpPr>
+        <p:spPr>
+          <a:xfrm>
+            <a:off x="3892730" y="6123543"/>
+            <a:ext cx="1645921" cy="369332"/>
+          </a:xfrm>
+          <a:prstGeom prst="rect">
+            <a:avLst/>
+          </a:prstGeom>
+          <a:noFill/>
+        </p:spPr>
+        <p:txBody>
+          <a:bodyPr wrap="square" rtlCol="0">
+            <a:spAutoFit/>
+          </a:bodyPr>
+          <a:lstStyle/>
+          <a:p>
+            <a:r>
+              <a:rPr kumimoji="1" lang="en-US" altLang="ja-JP" dirty="0"/>
+              <a:t>Netflix</a:t>
+            </a:r>
+            <a:r>
+              <a:rPr kumimoji="1" lang="ja-JP" altLang="en-US" dirty="0"/>
+              <a:t> </a:t>
+            </a:r>
+            <a:r>
+              <a:rPr kumimoji="1" lang="en-US" altLang="ja-JP" dirty="0"/>
+              <a:t>Top10</a:t>
+            </a:r>
+            <a:endParaRPr kumimoji="1" lang="ja-JP" altLang="en-US" dirty="0"/>
+          </a:p>
+        </p:txBody>
+      </p:sp>
       <p:pic>
         <p:nvPicPr>
-          <p:cNvPr id="5" name="コンテンツ プレースホルダー 4" descr="壁に貼ってある数種類のポスター&#10;&#10;低い精度で自動的に生成された説明">
+          <p:cNvPr id="8" name="コンテンツ プレースホルダー 7" descr="グラフィカル ユーザー インターフェイス が含まれている画像&#10;&#10;自動的に生成された説明">
             <a:extLst>
               <a:ext uri="{FF2B5EF4-FFF2-40B4-BE49-F238E27FC236}">
-                <a16:creationId xmlns:a16="http://schemas.microsoft.com/office/drawing/2014/main" id="{D6D2BA88-DA82-6B1A-F67A-D6C11A1EABEF}"/>
+                <a16:creationId xmlns:a16="http://schemas.microsoft.com/office/drawing/2014/main" id="{8911860B-D5AF-BE09-6FEB-C322FEDA88EF}"/>
               </a:ext>
             </a:extLst>
           </p:cNvPr>
@@ -13113,55 +13157,47 @@
         </p:blipFill>
         <p:spPr>
           <a:xfrm>
-            <a:off x="838200" y="1690688"/>
-            <a:ext cx="7735712" cy="4351338"/>
+            <a:off x="1098754" y="1690688"/>
+            <a:ext cx="4351338" cy="4351338"/>
           </a:xfrm>
         </p:spPr>
       </p:pic>
-      <p:sp>
-        <p:nvSpPr>
-          <p:cNvPr id="6" name="テキスト ボックス 5">
+      <p:pic>
+        <p:nvPicPr>
+          <p:cNvPr id="14" name="図 13" descr="グラフ, 折れ線グラフ&#10;&#10;自動的に生成された説明">
             <a:extLst>
               <a:ext uri="{FF2B5EF4-FFF2-40B4-BE49-F238E27FC236}">
-                <a16:creationId xmlns:a16="http://schemas.microsoft.com/office/drawing/2014/main" id="{A60D5C0F-E11F-F37F-FF26-3B9C3523A16D}"/>
+                <a16:creationId xmlns:a16="http://schemas.microsoft.com/office/drawing/2014/main" id="{4AF5E9E5-2F4F-4EE8-B2B3-A0888014924C}"/>
               </a:ext>
             </a:extLst>
           </p:cNvPr>
-          <p:cNvSpPr txBox="1"/>
+          <p:cNvPicPr>
+            <a:picLocks noChangeAspect="1"/>
+          </p:cNvPicPr>
           <p:nvPr/>
-        </p:nvSpPr>
+        </p:nvPicPr>
+        <p:blipFill>
+          <a:blip r:embed="rId3">
+            <a:extLst>
+              <a:ext uri="{28A0092B-C50C-407E-A947-70E740481C1C}">
+                <a14:useLocalDpi xmlns:a14="http://schemas.microsoft.com/office/drawing/2010/main" val="0"/>
+              </a:ext>
+            </a:extLst>
+          </a:blip>
+          <a:stretch>
+            <a:fillRect/>
+          </a:stretch>
+        </p:blipFill>
         <p:spPr>
           <a:xfrm>
-            <a:off x="7071359" y="6242260"/>
-            <a:ext cx="1741715" cy="369332"/>
+            <a:off x="5694384" y="2429691"/>
+            <a:ext cx="6497616" cy="3346208"/>
           </a:xfrm>
           <a:prstGeom prst="rect">
             <a:avLst/>
           </a:prstGeom>
-          <a:noFill/>
         </p:spPr>
-        <p:txBody>
-          <a:bodyPr wrap="square" rtlCol="0">
-            <a:spAutoFit/>
-          </a:bodyPr>
-          <a:lstStyle/>
-          <a:p>
-            <a:r>
-              <a:rPr kumimoji="1" lang="en-US" altLang="ja-JP" dirty="0"/>
-              <a:t>Netflix</a:t>
-            </a:r>
-            <a:r>
-              <a:rPr kumimoji="1" lang="ja-JP" altLang="en-US" dirty="0"/>
-              <a:t> </a:t>
-            </a:r>
-            <a:r>
-              <a:rPr kumimoji="1" lang="en-US" altLang="ja-JP" dirty="0"/>
-              <a:t>Top10</a:t>
-            </a:r>
-            <a:endParaRPr kumimoji="1" lang="ja-JP" altLang="en-US" dirty="0"/>
-          </a:p>
-        </p:txBody>
-      </p:sp>
+      </p:pic>
     </p:spTree>
     <p:extLst>
       <p:ext uri="{BB962C8B-B14F-4D97-AF65-F5344CB8AC3E}">
